--- a/docs/end-of-hackathon-presentation.pptx
+++ b/docs/end-of-hackathon-presentation.pptx
@@ -6,6 +6,7 @@
   </p:sldMasterIdLst>
   <p:sldIdLst>
     <p:sldId id="258" r:id="rId2"/>
+    <p:sldId id="259" r:id="rId3"/>
   </p:sldIdLst>
   <p:sldSz cx="12192000" cy="6858000"/>
   <p:notesSz cx="6858000" cy="9144000"/>
@@ -104,6 +105,11 @@
       </a:defRPr>
     </a:lvl9pPr>
   </p:defaultTextStyle>
+  <p:extLst>
+    <p:ext uri="{EFAFB233-063F-42B5-8137-9DF3F51BA10A}">
+      <p15:sldGuideLst xmlns:p15="http://schemas.microsoft.com/office/powerpoint/2012/main"/>
+    </p:ext>
+  </p:extLst>
 </p:presentation>
 </file>
 
@@ -3343,7 +3349,7 @@
         </p:blipFill>
         <p:spPr>
           <a:xfrm>
-            <a:off x="601279" y="703592"/>
+            <a:off x="601279" y="296593"/>
             <a:ext cx="1999046" cy="1384498"/>
           </a:xfrm>
           <a:prstGeom prst="rect">
@@ -3379,7 +3385,7 @@
         </p:nvSpPr>
         <p:spPr>
           <a:xfrm>
-            <a:off x="2857501" y="703592"/>
+            <a:off x="2857501" y="296593"/>
             <a:ext cx="8733220" cy="1384498"/>
           </a:xfrm>
           <a:prstGeom prst="rect">
@@ -3456,10 +3462,10 @@
         </p:nvGrpSpPr>
         <p:grpSpPr>
           <a:xfrm>
-            <a:off x="601279" y="2500313"/>
-            <a:ext cx="3013459" cy="3814762"/>
+            <a:off x="601279" y="1901228"/>
+            <a:ext cx="3013459" cy="3595688"/>
             <a:chOff x="1495426" y="2671763"/>
-            <a:chExt cx="3013459" cy="3814762"/>
+            <a:chExt cx="3013459" cy="3595688"/>
           </a:xfrm>
         </p:grpSpPr>
         <p:sp>
@@ -3553,7 +3559,7 @@
           <p:spPr>
             <a:xfrm>
               <a:off x="1495426" y="3385412"/>
-              <a:ext cx="3013459" cy="3101113"/>
+              <a:ext cx="3013459" cy="2882039"/>
             </a:xfrm>
             <a:prstGeom prst="rect">
               <a:avLst/>
@@ -3714,10 +3720,10 @@
         </p:nvGrpSpPr>
         <p:grpSpPr>
           <a:xfrm>
-            <a:off x="4014788" y="2500313"/>
-            <a:ext cx="7575933" cy="3814762"/>
+            <a:off x="4014788" y="1901228"/>
+            <a:ext cx="7575933" cy="3595688"/>
             <a:chOff x="1627572" y="2671763"/>
-            <a:chExt cx="7575933" cy="3814762"/>
+            <a:chExt cx="7575933" cy="3595688"/>
           </a:xfrm>
         </p:grpSpPr>
         <p:sp>
@@ -3810,8 +3816,8 @@
           </p:nvSpPr>
           <p:spPr>
             <a:xfrm>
-              <a:off x="1627572" y="3385412"/>
-              <a:ext cx="7575933" cy="3101113"/>
+              <a:off x="1627572" y="3385413"/>
+              <a:ext cx="7575933" cy="2882038"/>
             </a:xfrm>
             <a:prstGeom prst="rect">
               <a:avLst/>
@@ -3985,7 +3991,7 @@
         </p:blipFill>
         <p:spPr>
           <a:xfrm>
-            <a:off x="6755614" y="4485832"/>
+            <a:off x="6755614" y="3834197"/>
             <a:ext cx="2405063" cy="675193"/>
           </a:xfrm>
           <a:prstGeom prst="rect">
@@ -4022,7 +4028,7 @@
         </p:blipFill>
         <p:spPr bwMode="auto">
           <a:xfrm>
-            <a:off x="4357691" y="4557272"/>
+            <a:off x="4357691" y="3905637"/>
             <a:ext cx="1809749" cy="561336"/>
           </a:xfrm>
           <a:prstGeom prst="rect">
@@ -4069,8 +4075,298 @@
         </p:blipFill>
         <p:spPr bwMode="auto">
           <a:xfrm>
-            <a:off x="9520245" y="4343399"/>
+            <a:off x="9520245" y="3691764"/>
             <a:ext cx="1466851" cy="995256"/>
+          </a:xfrm>
+          <a:prstGeom prst="rect">
+            <a:avLst/>
+          </a:prstGeom>
+          <a:noFill/>
+          <a:extLst>
+            <a:ext uri="{909E8E84-426E-40DD-AFC4-6F175D3DCCD1}">
+              <a14:hiddenFill xmlns:a14="http://schemas.microsoft.com/office/drawing/2010/main">
+                <a:solidFill>
+                  <a:srgbClr val="FFFFFF"/>
+                </a:solidFill>
+              </a14:hiddenFill>
+            </a:ext>
+          </a:extLst>
+        </p:spPr>
+      </p:pic>
+      <p:grpSp>
+        <p:nvGrpSpPr>
+          <p:cNvPr id="3" name="Group 2">
+            <a:extLst>
+              <a:ext uri="{FF2B5EF4-FFF2-40B4-BE49-F238E27FC236}">
+                <a16:creationId xmlns:a16="http://schemas.microsoft.com/office/drawing/2014/main" id="{79E1F625-8737-1587-1A75-B1AAB650FCB1}"/>
+              </a:ext>
+            </a:extLst>
+          </p:cNvPr>
+          <p:cNvGrpSpPr/>
+          <p:nvPr/>
+        </p:nvGrpSpPr>
+        <p:grpSpPr>
+          <a:xfrm>
+            <a:off x="601280" y="5763781"/>
+            <a:ext cx="10989440" cy="713651"/>
+            <a:chOff x="1495427" y="2671763"/>
+            <a:chExt cx="10989440" cy="713651"/>
+          </a:xfrm>
+        </p:grpSpPr>
+        <p:sp>
+          <p:nvSpPr>
+            <p:cNvPr id="4" name="Rectangle 3">
+              <a:extLst>
+                <a:ext uri="{FF2B5EF4-FFF2-40B4-BE49-F238E27FC236}">
+                  <a16:creationId xmlns:a16="http://schemas.microsoft.com/office/drawing/2014/main" id="{F004640D-48A7-BF6B-BC40-4275F30CBB5F}"/>
+                </a:ext>
+              </a:extLst>
+            </p:cNvPr>
+            <p:cNvSpPr/>
+            <p:nvPr/>
+          </p:nvSpPr>
+          <p:spPr>
+            <a:xfrm>
+              <a:off x="1495427" y="2671763"/>
+              <a:ext cx="1374665" cy="713650"/>
+            </a:xfrm>
+            <a:prstGeom prst="rect">
+              <a:avLst/>
+            </a:prstGeom>
+            <a:solidFill>
+              <a:schemeClr val="bg1">
+                <a:lumMod val="50000"/>
+              </a:schemeClr>
+            </a:solidFill>
+            <a:ln w="9525">
+              <a:solidFill>
+                <a:schemeClr val="bg2">
+                  <a:lumMod val="50000"/>
+                </a:schemeClr>
+              </a:solidFill>
+            </a:ln>
+            <a:effectLst>
+              <a:outerShdw blurRad="50800" dist="38100" dir="2700000" algn="tl" rotWithShape="0">
+                <a:prstClr val="black">
+                  <a:alpha val="40000"/>
+                </a:prstClr>
+              </a:outerShdw>
+            </a:effectLst>
+          </p:spPr>
+          <p:style>
+            <a:lnRef idx="2">
+              <a:schemeClr val="accent1">
+                <a:shade val="50000"/>
+              </a:schemeClr>
+            </a:lnRef>
+            <a:fillRef idx="1">
+              <a:schemeClr val="accent1"/>
+            </a:fillRef>
+            <a:effectRef idx="0">
+              <a:schemeClr val="accent1"/>
+            </a:effectRef>
+            <a:fontRef idx="minor">
+              <a:schemeClr val="lt1"/>
+            </a:fontRef>
+          </p:style>
+          <p:txBody>
+            <a:bodyPr lIns="182880" rtlCol="0" anchor="ctr"/>
+            <a:lstStyle/>
+            <a:p>
+              <a:r>
+                <a:rPr lang="en-US" sz="2400" b="1" dirty="0">
+                  <a:solidFill>
+                    <a:schemeClr val="bg1">
+                      <a:lumMod val="95000"/>
+                    </a:schemeClr>
+                  </a:solidFill>
+                  <a:latin typeface="Avenir Book" panose="02000503020000020003" pitchFamily="2" charset="0"/>
+                  <a:ea typeface="Segoe UI Historic" panose="020B0502040204020203" pitchFamily="34" charset="0"/>
+                  <a:cs typeface="Segoe UI Historic" panose="020B0502040204020203" pitchFamily="34" charset="0"/>
+                </a:rPr>
+                <a:t>GitHub </a:t>
+              </a:r>
+            </a:p>
+          </p:txBody>
+        </p:sp>
+        <p:sp>
+          <p:nvSpPr>
+            <p:cNvPr id="9" name="Rectangle 8">
+              <a:extLst>
+                <a:ext uri="{FF2B5EF4-FFF2-40B4-BE49-F238E27FC236}">
+                  <a16:creationId xmlns:a16="http://schemas.microsoft.com/office/drawing/2014/main" id="{C98A48A4-BD93-1639-39B6-224F8C6067BF}"/>
+                </a:ext>
+              </a:extLst>
+            </p:cNvPr>
+            <p:cNvSpPr/>
+            <p:nvPr/>
+          </p:nvSpPr>
+          <p:spPr>
+            <a:xfrm>
+              <a:off x="2870092" y="2671764"/>
+              <a:ext cx="9614775" cy="713650"/>
+            </a:xfrm>
+            <a:prstGeom prst="rect">
+              <a:avLst/>
+            </a:prstGeom>
+            <a:solidFill>
+              <a:schemeClr val="bg1"/>
+            </a:solidFill>
+            <a:ln w="9525">
+              <a:solidFill>
+                <a:schemeClr val="bg2">
+                  <a:lumMod val="50000"/>
+                </a:schemeClr>
+              </a:solidFill>
+            </a:ln>
+            <a:effectLst>
+              <a:outerShdw blurRad="50800" dist="38100" dir="2700000" algn="tl" rotWithShape="0">
+                <a:prstClr val="black">
+                  <a:alpha val="40000"/>
+                </a:prstClr>
+              </a:outerShdw>
+            </a:effectLst>
+          </p:spPr>
+          <p:style>
+            <a:lnRef idx="2">
+              <a:schemeClr val="accent1">
+                <a:shade val="50000"/>
+              </a:schemeClr>
+            </a:lnRef>
+            <a:fillRef idx="1">
+              <a:schemeClr val="accent1"/>
+            </a:fillRef>
+            <a:effectRef idx="0">
+              <a:schemeClr val="accent1"/>
+            </a:effectRef>
+            <a:fontRef idx="minor">
+              <a:schemeClr val="lt1"/>
+            </a:fontRef>
+          </p:style>
+          <p:txBody>
+            <a:bodyPr lIns="182880" tIns="182880" rtlCol="0" anchor="t" anchorCtr="0"/>
+            <a:lstStyle/>
+            <a:p>
+              <a:r>
+                <a:rPr lang="en-US" sz="2400" dirty="0">
+                  <a:solidFill>
+                    <a:schemeClr val="tx1"/>
+                  </a:solidFill>
+                  <a:latin typeface="Avenir Book" panose="02000503020000020003" pitchFamily="2" charset="0"/>
+                  <a:ea typeface="Segoe UI Historic" panose="020B0502040204020203" pitchFamily="34" charset="0"/>
+                  <a:cs typeface="Segoe UI Historic" panose="020B0502040204020203" pitchFamily="34" charset="0"/>
+                </a:rPr>
+                <a:t>https://</a:t>
+              </a:r>
+              <a:r>
+                <a:rPr lang="en-US" sz="2400" dirty="0" err="1">
+                  <a:solidFill>
+                    <a:schemeClr val="tx1"/>
+                  </a:solidFill>
+                  <a:latin typeface="Avenir Book" panose="02000503020000020003" pitchFamily="2" charset="0"/>
+                  <a:ea typeface="Segoe UI Historic" panose="020B0502040204020203" pitchFamily="34" charset="0"/>
+                  <a:cs typeface="Segoe UI Historic" panose="020B0502040204020203" pitchFamily="34" charset="0"/>
+                </a:rPr>
+                <a:t>github.com</a:t>
+              </a:r>
+              <a:r>
+                <a:rPr lang="en-US" sz="2400" dirty="0">
+                  <a:solidFill>
+                    <a:schemeClr val="tx1"/>
+                  </a:solidFill>
+                  <a:latin typeface="Avenir Book" panose="02000503020000020003" pitchFamily="2" charset="0"/>
+                  <a:ea typeface="Segoe UI Historic" panose="020B0502040204020203" pitchFamily="34" charset="0"/>
+                  <a:cs typeface="Segoe UI Historic" panose="020B0502040204020203" pitchFamily="34" charset="0"/>
+                </a:rPr>
+                <a:t>/</a:t>
+              </a:r>
+              <a:r>
+                <a:rPr lang="en-US" sz="2400" dirty="0" err="1">
+                  <a:solidFill>
+                    <a:schemeClr val="tx1"/>
+                  </a:solidFill>
+                  <a:latin typeface="Avenir Book" panose="02000503020000020003" pitchFamily="2" charset="0"/>
+                  <a:ea typeface="Segoe UI Historic" panose="020B0502040204020203" pitchFamily="34" charset="0"/>
+                  <a:cs typeface="Segoe UI Historic" panose="020B0502040204020203" pitchFamily="34" charset="0"/>
+                </a:rPr>
+                <a:t>brunorijsman</a:t>
+              </a:r>
+              <a:r>
+                <a:rPr lang="en-US" sz="2400" dirty="0">
+                  <a:solidFill>
+                    <a:schemeClr val="tx1"/>
+                  </a:solidFill>
+                  <a:latin typeface="Avenir Book" panose="02000503020000020003" pitchFamily="2" charset="0"/>
+                  <a:ea typeface="Segoe UI Historic" panose="020B0502040204020203" pitchFamily="34" charset="0"/>
+                  <a:cs typeface="Segoe UI Historic" panose="020B0502040204020203" pitchFamily="34" charset="0"/>
+                </a:rPr>
+                <a:t>/quantum-internet-hackathon-2022</a:t>
+              </a:r>
+            </a:p>
+          </p:txBody>
+        </p:sp>
+      </p:grpSp>
+    </p:spTree>
+    <p:extLst>
+      <p:ext uri="{BB962C8B-B14F-4D97-AF65-F5344CB8AC3E}">
+        <p14:creationId xmlns:p14="http://schemas.microsoft.com/office/powerpoint/2010/main" val="1119054536"/>
+      </p:ext>
+    </p:extLst>
+  </p:cSld>
+  <p:clrMapOvr>
+    <a:masterClrMapping/>
+  </p:clrMapOvr>
+</p:sld>
+</file>
+
+<file path=ppt/slides/slide2.xml><?xml version="1.0" encoding="utf-8"?>
+<p:sld xmlns:a="http://schemas.openxmlformats.org/drawingml/2006/main" xmlns:r="http://schemas.openxmlformats.org/officeDocument/2006/relationships" xmlns:p="http://schemas.openxmlformats.org/presentationml/2006/main">
+  <p:cSld>
+    <p:spTree>
+      <p:nvGrpSpPr>
+        <p:cNvPr id="1" name=""/>
+        <p:cNvGrpSpPr/>
+        <p:nvPr/>
+      </p:nvGrpSpPr>
+      <p:grpSpPr>
+        <a:xfrm>
+          <a:off x="0" y="0"/>
+          <a:ext cx="0" cy="0"/>
+          <a:chOff x="0" y="0"/>
+          <a:chExt cx="0" cy="0"/>
+        </a:xfrm>
+      </p:grpSpPr>
+      <p:pic>
+        <p:nvPicPr>
+          <p:cNvPr id="3" name="Picture 11" descr="Learn Quantum Computation using Qiskit">
+            <a:extLst>
+              <a:ext uri="{FF2B5EF4-FFF2-40B4-BE49-F238E27FC236}">
+                <a16:creationId xmlns:a16="http://schemas.microsoft.com/office/drawing/2014/main" id="{F8FC5F44-5EA7-9A01-E11C-E69B69CCF613}"/>
+              </a:ext>
+            </a:extLst>
+          </p:cNvPr>
+          <p:cNvPicPr>
+            <a:picLocks noChangeAspect="1" noChangeArrowheads="1"/>
+          </p:cNvPicPr>
+          <p:nvPr/>
+        </p:nvPicPr>
+        <p:blipFill>
+          <a:blip r:embed="rId2">
+            <a:extLst>
+              <a:ext uri="{28A0092B-C50C-407E-A947-70E740481C1C}">
+                <a14:useLocalDpi xmlns:a14="http://schemas.microsoft.com/office/drawing/2010/main" val="0"/>
+              </a:ext>
+            </a:extLst>
+          </a:blip>
+          <a:srcRect/>
+          <a:stretch>
+            <a:fillRect/>
+          </a:stretch>
+        </p:blipFill>
+        <p:spPr bwMode="auto">
+          <a:xfrm>
+            <a:off x="342739" y="353134"/>
+            <a:ext cx="1809749" cy="561336"/>
           </a:xfrm>
           <a:prstGeom prst="rect">
             <a:avLst/>
@@ -4090,7 +4386,7 @@
     </p:spTree>
     <p:extLst>
       <p:ext uri="{BB962C8B-B14F-4D97-AF65-F5344CB8AC3E}">
-        <p14:creationId xmlns:p14="http://schemas.microsoft.com/office/powerpoint/2010/main" val="1119054536"/>
+        <p14:creationId xmlns:p14="http://schemas.microsoft.com/office/powerpoint/2010/main" val="2415026236"/>
       </p:ext>
     </p:extLst>
   </p:cSld>

--- a/docs/end-of-hackathon-presentation.pptx
+++ b/docs/end-of-hackathon-presentation.pptx
@@ -3876,7 +3876,7 @@
             <a:p>
               <a:pPr algn="ctr"/>
               <a:r>
-                <a:rPr lang="en-US" sz="2400" dirty="0">
+                <a:rPr lang="en-US" sz="2000" dirty="0">
                   <a:solidFill>
                     <a:schemeClr val="tx1"/>
                   </a:solidFill>
@@ -3923,7 +3923,7 @@
             <a:p>
               <a:pPr algn="ctr"/>
               <a:r>
-                <a:rPr lang="en-US" sz="2400" dirty="0">
+                <a:rPr lang="en-US" sz="2000" dirty="0">
                   <a:solidFill>
                     <a:schemeClr val="tx1"/>
                   </a:solidFill>
@@ -3931,7 +3931,7 @@
                   <a:ea typeface="Segoe UI Historic" panose="020B0502040204020203" pitchFamily="34" charset="0"/>
                   <a:cs typeface="Segoe UI Historic" panose="020B0502040204020203" pitchFamily="34" charset="0"/>
                 </a:rPr>
-                <a:t>Implementation, Validation, Benchmarking</a:t>
+                <a:t>Implementation, Validation, Benchmarking, Documentation</a:t>
               </a:r>
             </a:p>
             <a:p>
@@ -4365,8 +4365,8 @@
         </p:blipFill>
         <p:spPr bwMode="auto">
           <a:xfrm>
-            <a:off x="342739" y="353134"/>
-            <a:ext cx="1809749" cy="561336"/>
+            <a:off x="10013952" y="308697"/>
+            <a:ext cx="1798297" cy="557784"/>
           </a:xfrm>
           <a:prstGeom prst="rect">
             <a:avLst/>
@@ -4383,6 +4383,1146 @@
           </a:extLst>
         </p:spPr>
       </p:pic>
+      <p:grpSp>
+        <p:nvGrpSpPr>
+          <p:cNvPr id="27" name="Group 26">
+            <a:extLst>
+              <a:ext uri="{FF2B5EF4-FFF2-40B4-BE49-F238E27FC236}">
+                <a16:creationId xmlns:a16="http://schemas.microsoft.com/office/drawing/2014/main" id="{A438587C-D025-2125-859B-7C7C4007026E}"/>
+              </a:ext>
+            </a:extLst>
+          </p:cNvPr>
+          <p:cNvGrpSpPr/>
+          <p:nvPr/>
+        </p:nvGrpSpPr>
+        <p:grpSpPr>
+          <a:xfrm>
+            <a:off x="342739" y="373068"/>
+            <a:ext cx="3792044" cy="3055932"/>
+            <a:chOff x="342739" y="373068"/>
+            <a:chExt cx="3792044" cy="3055932"/>
+          </a:xfrm>
+        </p:grpSpPr>
+        <p:grpSp>
+          <p:nvGrpSpPr>
+            <p:cNvPr id="5" name="Group 4">
+              <a:extLst>
+                <a:ext uri="{FF2B5EF4-FFF2-40B4-BE49-F238E27FC236}">
+                  <a16:creationId xmlns:a16="http://schemas.microsoft.com/office/drawing/2014/main" id="{F3812511-3B53-02C3-BA0F-C522749279BE}"/>
+                </a:ext>
+              </a:extLst>
+            </p:cNvPr>
+            <p:cNvGrpSpPr/>
+            <p:nvPr/>
+          </p:nvGrpSpPr>
+          <p:grpSpPr>
+            <a:xfrm>
+              <a:off x="342739" y="373068"/>
+              <a:ext cx="3792044" cy="3055932"/>
+              <a:chOff x="1495426" y="2671763"/>
+              <a:chExt cx="2862702" cy="3055932"/>
+            </a:xfrm>
+          </p:grpSpPr>
+          <p:sp>
+            <p:nvSpPr>
+              <p:cNvPr id="6" name="Rectangle 5">
+                <a:extLst>
+                  <a:ext uri="{FF2B5EF4-FFF2-40B4-BE49-F238E27FC236}">
+                    <a16:creationId xmlns:a16="http://schemas.microsoft.com/office/drawing/2014/main" id="{1D4E527F-F116-A22B-AB51-BDA86A50E456}"/>
+                  </a:ext>
+                </a:extLst>
+              </p:cNvPr>
+              <p:cNvSpPr/>
+              <p:nvPr/>
+            </p:nvSpPr>
+            <p:spPr>
+              <a:xfrm>
+                <a:off x="1495426" y="2671763"/>
+                <a:ext cx="2862702" cy="561336"/>
+              </a:xfrm>
+              <a:prstGeom prst="rect">
+                <a:avLst/>
+              </a:prstGeom>
+              <a:solidFill>
+                <a:schemeClr val="bg1">
+                  <a:lumMod val="50000"/>
+                </a:schemeClr>
+              </a:solidFill>
+              <a:ln w="9525">
+                <a:solidFill>
+                  <a:schemeClr val="bg2">
+                    <a:lumMod val="50000"/>
+                  </a:schemeClr>
+                </a:solidFill>
+              </a:ln>
+              <a:effectLst>
+                <a:outerShdw blurRad="50800" dist="38100" dir="2700000" algn="tl" rotWithShape="0">
+                  <a:prstClr val="black">
+                    <a:alpha val="40000"/>
+                  </a:prstClr>
+                </a:outerShdw>
+              </a:effectLst>
+            </p:spPr>
+            <p:style>
+              <a:lnRef idx="2">
+                <a:schemeClr val="accent1">
+                  <a:shade val="50000"/>
+                </a:schemeClr>
+              </a:lnRef>
+              <a:fillRef idx="1">
+                <a:schemeClr val="accent1"/>
+              </a:fillRef>
+              <a:effectRef idx="0">
+                <a:schemeClr val="accent1"/>
+              </a:effectRef>
+              <a:fontRef idx="minor">
+                <a:schemeClr val="lt1"/>
+              </a:fontRef>
+            </p:style>
+            <p:txBody>
+              <a:bodyPr lIns="182880" rtlCol="0" anchor="ctr"/>
+              <a:lstStyle/>
+              <a:p>
+                <a:r>
+                  <a:rPr lang="en-US" sz="2000" b="1" dirty="0">
+                    <a:solidFill>
+                      <a:schemeClr val="bg1">
+                        <a:lumMod val="95000"/>
+                      </a:schemeClr>
+                    </a:solidFill>
+                    <a:latin typeface="Avenir Book" panose="02000503020000020003" pitchFamily="2" charset="0"/>
+                    <a:ea typeface="Segoe UI Historic" panose="020B0502040204020203" pitchFamily="34" charset="0"/>
+                    <a:cs typeface="Segoe UI Historic" panose="020B0502040204020203" pitchFamily="34" charset="0"/>
+                  </a:rPr>
+                  <a:t>Progress</a:t>
+                </a:r>
+              </a:p>
+            </p:txBody>
+          </p:sp>
+          <p:sp>
+            <p:nvSpPr>
+              <p:cNvPr id="7" name="Rectangle 6">
+                <a:extLst>
+                  <a:ext uri="{FF2B5EF4-FFF2-40B4-BE49-F238E27FC236}">
+                    <a16:creationId xmlns:a16="http://schemas.microsoft.com/office/drawing/2014/main" id="{130ED0DF-A8CF-EFF7-DD4F-EEE9997D5F40}"/>
+                  </a:ext>
+                </a:extLst>
+              </p:cNvPr>
+              <p:cNvSpPr/>
+              <p:nvPr/>
+            </p:nvSpPr>
+            <p:spPr>
+              <a:xfrm>
+                <a:off x="1495426" y="3233099"/>
+                <a:ext cx="2862702" cy="2494596"/>
+              </a:xfrm>
+              <a:prstGeom prst="rect">
+                <a:avLst/>
+              </a:prstGeom>
+              <a:solidFill>
+                <a:schemeClr val="bg1"/>
+              </a:solidFill>
+              <a:ln w="9525">
+                <a:solidFill>
+                  <a:schemeClr val="bg2">
+                    <a:lumMod val="50000"/>
+                  </a:schemeClr>
+                </a:solidFill>
+              </a:ln>
+              <a:effectLst>
+                <a:outerShdw blurRad="50800" dist="38100" dir="2700000" algn="tl" rotWithShape="0">
+                  <a:prstClr val="black">
+                    <a:alpha val="40000"/>
+                  </a:prstClr>
+                </a:outerShdw>
+              </a:effectLst>
+            </p:spPr>
+            <p:style>
+              <a:lnRef idx="2">
+                <a:schemeClr val="accent1">
+                  <a:shade val="50000"/>
+                </a:schemeClr>
+              </a:lnRef>
+              <a:fillRef idx="1">
+                <a:schemeClr val="accent1"/>
+              </a:fillRef>
+              <a:effectRef idx="0">
+                <a:schemeClr val="accent1"/>
+              </a:effectRef>
+              <a:fontRef idx="minor">
+                <a:schemeClr val="lt1"/>
+              </a:fontRef>
+            </p:style>
+            <p:txBody>
+              <a:bodyPr lIns="182880" tIns="182880" rtlCol="0" anchor="t" anchorCtr="0"/>
+              <a:lstStyle/>
+              <a:p>
+                <a:r>
+                  <a:rPr lang="en-US" sz="2000" dirty="0">
+                    <a:solidFill>
+                      <a:schemeClr val="tx1"/>
+                    </a:solidFill>
+                    <a:latin typeface="Avenir Book" panose="02000503020000020003" pitchFamily="2" charset="0"/>
+                    <a:ea typeface="Segoe UI Historic" panose="020B0502040204020203" pitchFamily="34" charset="0"/>
+                    <a:cs typeface="Segoe UI Historic" panose="020B0502040204020203" pitchFamily="34" charset="0"/>
+                  </a:rPr>
+                  <a:t>    Local QFT</a:t>
+                </a:r>
+              </a:p>
+              <a:p>
+                <a:r>
+                  <a:rPr lang="en-US" sz="2000" dirty="0">
+                    <a:solidFill>
+                      <a:schemeClr val="tx1"/>
+                    </a:solidFill>
+                    <a:latin typeface="Avenir Book" panose="02000503020000020003" pitchFamily="2" charset="0"/>
+                    <a:ea typeface="Segoe UI Historic" panose="020B0502040204020203" pitchFamily="34" charset="0"/>
+                    <a:cs typeface="Segoe UI Historic" panose="020B0502040204020203" pitchFamily="34" charset="0"/>
+                  </a:rPr>
+                  <a:t>    Teleport-based DQFT</a:t>
+                </a:r>
+              </a:p>
+              <a:p>
+                <a:r>
+                  <a:rPr lang="en-US" sz="2000" dirty="0">
+                    <a:solidFill>
+                      <a:schemeClr val="tx1"/>
+                    </a:solidFill>
+                    <a:latin typeface="Avenir Book" panose="02000503020000020003" pitchFamily="2" charset="0"/>
+                    <a:ea typeface="Segoe UI Historic" panose="020B0502040204020203" pitchFamily="34" charset="0"/>
+                    <a:cs typeface="Segoe UI Historic" panose="020B0502040204020203" pitchFamily="34" charset="0"/>
+                  </a:rPr>
+                  <a:t>    Cat-state-based DQFT</a:t>
+                </a:r>
+              </a:p>
+              <a:p>
+                <a:r>
+                  <a:rPr lang="en-US" sz="2000" dirty="0">
+                    <a:solidFill>
+                      <a:schemeClr val="tx1"/>
+                    </a:solidFill>
+                    <a:latin typeface="Avenir Book" panose="02000503020000020003" pitchFamily="2" charset="0"/>
+                    <a:ea typeface="Segoe UI Historic" panose="020B0502040204020203" pitchFamily="34" charset="0"/>
+                    <a:cs typeface="Segoe UI Historic" panose="020B0502040204020203" pitchFamily="34" charset="0"/>
+                  </a:rPr>
+                  <a:t>    Histogram-based validation</a:t>
+                </a:r>
+              </a:p>
+              <a:p>
+                <a:r>
+                  <a:rPr lang="en-US" sz="2000" dirty="0">
+                    <a:solidFill>
+                      <a:schemeClr val="tx1"/>
+                    </a:solidFill>
+                    <a:latin typeface="Avenir Book" panose="02000503020000020003" pitchFamily="2" charset="0"/>
+                    <a:ea typeface="Segoe UI Historic" panose="020B0502040204020203" pitchFamily="34" charset="0"/>
+                    <a:cs typeface="Segoe UI Historic" panose="020B0502040204020203" pitchFamily="34" charset="0"/>
+                  </a:rPr>
+                  <a:t>    State-based validation</a:t>
+                </a:r>
+              </a:p>
+              <a:p>
+                <a:r>
+                  <a:rPr lang="en-US" sz="2000" dirty="0">
+                    <a:solidFill>
+                      <a:schemeClr val="tx1"/>
+                    </a:solidFill>
+                    <a:latin typeface="Avenir Book" panose="02000503020000020003" pitchFamily="2" charset="0"/>
+                    <a:ea typeface="Segoe UI Historic" panose="020B0502040204020203" pitchFamily="34" charset="0"/>
+                    <a:cs typeface="Segoe UI Historic" panose="020B0502040204020203" pitchFamily="34" charset="0"/>
+                  </a:rPr>
+                  <a:t>    Benchmarking</a:t>
+                </a:r>
+              </a:p>
+              <a:p>
+                <a:r>
+                  <a:rPr lang="en-US" sz="2000" dirty="0">
+                    <a:solidFill>
+                      <a:schemeClr val="tx1"/>
+                    </a:solidFill>
+                    <a:latin typeface="Avenir Book" panose="02000503020000020003" pitchFamily="2" charset="0"/>
+                    <a:ea typeface="Segoe UI Historic" panose="020B0502040204020203" pitchFamily="34" charset="0"/>
+                    <a:cs typeface="Segoe UI Historic" panose="020B0502040204020203" pitchFamily="34" charset="0"/>
+                  </a:rPr>
+                  <a:t>    Documentation			</a:t>
+                </a:r>
+              </a:p>
+              <a:p>
+                <a:endParaRPr lang="en-US" sz="2000" dirty="0">
+                  <a:solidFill>
+                    <a:schemeClr val="tx1"/>
+                  </a:solidFill>
+                  <a:latin typeface="Avenir Book" panose="02000503020000020003" pitchFamily="2" charset="0"/>
+                  <a:ea typeface="Segoe UI Historic" panose="020B0502040204020203" pitchFamily="34" charset="0"/>
+                  <a:cs typeface="Segoe UI Historic" panose="020B0502040204020203" pitchFamily="34" charset="0"/>
+                </a:endParaRPr>
+              </a:p>
+            </p:txBody>
+          </p:sp>
+        </p:grpSp>
+        <p:pic>
+          <p:nvPicPr>
+            <p:cNvPr id="1028" name="Picture 4" descr="Done - Free ui icons">
+              <a:extLst>
+                <a:ext uri="{FF2B5EF4-FFF2-40B4-BE49-F238E27FC236}">
+                  <a16:creationId xmlns:a16="http://schemas.microsoft.com/office/drawing/2014/main" id="{D6342F84-4858-ECF9-AB32-1AC0FF9536BC}"/>
+                </a:ext>
+              </a:extLst>
+            </p:cNvPr>
+            <p:cNvPicPr>
+              <a:picLocks noChangeAspect="1" noChangeArrowheads="1"/>
+            </p:cNvPicPr>
+            <p:nvPr/>
+          </p:nvPicPr>
+          <p:blipFill>
+            <a:blip r:embed="rId3">
+              <a:extLst>
+                <a:ext uri="{28A0092B-C50C-407E-A947-70E740481C1C}">
+                  <a14:useLocalDpi xmlns:a14="http://schemas.microsoft.com/office/drawing/2010/main" val="0"/>
+                </a:ext>
+              </a:extLst>
+            </a:blip>
+            <a:srcRect/>
+            <a:stretch>
+              <a:fillRect/>
+            </a:stretch>
+          </p:blipFill>
+          <p:spPr bwMode="auto">
+            <a:xfrm>
+              <a:off x="481935" y="1152375"/>
+              <a:ext cx="218784" cy="218784"/>
+            </a:xfrm>
+            <a:prstGeom prst="rect">
+              <a:avLst/>
+            </a:prstGeom>
+            <a:noFill/>
+            <a:extLst>
+              <a:ext uri="{909E8E84-426E-40DD-AFC4-6F175D3DCCD1}">
+                <a14:hiddenFill xmlns:a14="http://schemas.microsoft.com/office/drawing/2010/main">
+                  <a:solidFill>
+                    <a:srgbClr val="FFFFFF"/>
+                  </a:solidFill>
+                </a14:hiddenFill>
+              </a:ext>
+            </a:extLst>
+          </p:spPr>
+        </p:pic>
+        <p:pic>
+          <p:nvPicPr>
+            <p:cNvPr id="8" name="Picture 7">
+              <a:extLst>
+                <a:ext uri="{FF2B5EF4-FFF2-40B4-BE49-F238E27FC236}">
+                  <a16:creationId xmlns:a16="http://schemas.microsoft.com/office/drawing/2014/main" id="{6466FEEE-7DF0-20B3-547D-B85A6B129078}"/>
+                </a:ext>
+              </a:extLst>
+            </p:cNvPr>
+            <p:cNvPicPr>
+              <a:picLocks noChangeAspect="1"/>
+            </p:cNvPicPr>
+            <p:nvPr/>
+          </p:nvPicPr>
+          <p:blipFill>
+            <a:blip r:embed="rId4">
+              <a:grayscl/>
+            </a:blip>
+            <a:stretch>
+              <a:fillRect/>
+            </a:stretch>
+          </p:blipFill>
+          <p:spPr>
+            <a:xfrm>
+              <a:off x="465207" y="2026062"/>
+              <a:ext cx="265113" cy="300462"/>
+            </a:xfrm>
+            <a:prstGeom prst="rect">
+              <a:avLst/>
+            </a:prstGeom>
+          </p:spPr>
+        </p:pic>
+        <p:pic>
+          <p:nvPicPr>
+            <p:cNvPr id="9" name="Picture 4" descr="Done - Free ui icons">
+              <a:extLst>
+                <a:ext uri="{FF2B5EF4-FFF2-40B4-BE49-F238E27FC236}">
+                  <a16:creationId xmlns:a16="http://schemas.microsoft.com/office/drawing/2014/main" id="{5BF886B6-AB80-8377-1A44-DE4328B8E8C9}"/>
+                </a:ext>
+              </a:extLst>
+            </p:cNvPr>
+            <p:cNvPicPr>
+              <a:picLocks noChangeAspect="1" noChangeArrowheads="1"/>
+            </p:cNvPicPr>
+            <p:nvPr/>
+          </p:nvPicPr>
+          <p:blipFill>
+            <a:blip r:embed="rId3">
+              <a:extLst>
+                <a:ext uri="{28A0092B-C50C-407E-A947-70E740481C1C}">
+                  <a14:useLocalDpi xmlns:a14="http://schemas.microsoft.com/office/drawing/2010/main" val="0"/>
+                </a:ext>
+              </a:extLst>
+            </a:blip>
+            <a:srcRect/>
+            <a:stretch>
+              <a:fillRect/>
+            </a:stretch>
+          </p:blipFill>
+          <p:spPr bwMode="auto">
+            <a:xfrm>
+              <a:off x="488371" y="1479738"/>
+              <a:ext cx="218784" cy="218784"/>
+            </a:xfrm>
+            <a:prstGeom prst="rect">
+              <a:avLst/>
+            </a:prstGeom>
+            <a:noFill/>
+            <a:extLst>
+              <a:ext uri="{909E8E84-426E-40DD-AFC4-6F175D3DCCD1}">
+                <a14:hiddenFill xmlns:a14="http://schemas.microsoft.com/office/drawing/2010/main">
+                  <a:solidFill>
+                    <a:srgbClr val="FFFFFF"/>
+                  </a:solidFill>
+                </a14:hiddenFill>
+              </a:ext>
+            </a:extLst>
+          </p:spPr>
+        </p:pic>
+        <p:pic>
+          <p:nvPicPr>
+            <p:cNvPr id="10" name="Picture 4" descr="Done - Free ui icons">
+              <a:extLst>
+                <a:ext uri="{FF2B5EF4-FFF2-40B4-BE49-F238E27FC236}">
+                  <a16:creationId xmlns:a16="http://schemas.microsoft.com/office/drawing/2014/main" id="{0FC5B5EA-27EA-7F62-675A-29D2A7442F18}"/>
+                </a:ext>
+              </a:extLst>
+            </p:cNvPr>
+            <p:cNvPicPr>
+              <a:picLocks noChangeAspect="1" noChangeArrowheads="1"/>
+            </p:cNvPicPr>
+            <p:nvPr/>
+          </p:nvPicPr>
+          <p:blipFill>
+            <a:blip r:embed="rId3">
+              <a:extLst>
+                <a:ext uri="{28A0092B-C50C-407E-A947-70E740481C1C}">
+                  <a14:useLocalDpi xmlns:a14="http://schemas.microsoft.com/office/drawing/2010/main" val="0"/>
+                </a:ext>
+              </a:extLst>
+            </a:blip>
+            <a:srcRect/>
+            <a:stretch>
+              <a:fillRect/>
+            </a:stretch>
+          </p:blipFill>
+          <p:spPr bwMode="auto">
+            <a:xfrm>
+              <a:off x="481935" y="1775618"/>
+              <a:ext cx="218784" cy="218784"/>
+            </a:xfrm>
+            <a:prstGeom prst="rect">
+              <a:avLst/>
+            </a:prstGeom>
+            <a:noFill/>
+            <a:extLst>
+              <a:ext uri="{909E8E84-426E-40DD-AFC4-6F175D3DCCD1}">
+                <a14:hiddenFill xmlns:a14="http://schemas.microsoft.com/office/drawing/2010/main">
+                  <a:solidFill>
+                    <a:srgbClr val="FFFFFF"/>
+                  </a:solidFill>
+                </a14:hiddenFill>
+              </a:ext>
+            </a:extLst>
+          </p:spPr>
+        </p:pic>
+        <p:pic>
+          <p:nvPicPr>
+            <p:cNvPr id="26" name="Picture 4" descr="Done - Free ui icons">
+              <a:extLst>
+                <a:ext uri="{FF2B5EF4-FFF2-40B4-BE49-F238E27FC236}">
+                  <a16:creationId xmlns:a16="http://schemas.microsoft.com/office/drawing/2014/main" id="{79B839C4-DB90-7C6E-9A6A-925BB046D624}"/>
+                </a:ext>
+              </a:extLst>
+            </p:cNvPr>
+            <p:cNvPicPr>
+              <a:picLocks noChangeAspect="1" noChangeArrowheads="1"/>
+            </p:cNvPicPr>
+            <p:nvPr/>
+          </p:nvPicPr>
+          <p:blipFill>
+            <a:blip r:embed="rId3">
+              <a:extLst>
+                <a:ext uri="{28A0092B-C50C-407E-A947-70E740481C1C}">
+                  <a14:useLocalDpi xmlns:a14="http://schemas.microsoft.com/office/drawing/2010/main" val="0"/>
+                </a:ext>
+              </a:extLst>
+            </a:blip>
+            <a:srcRect/>
+            <a:stretch>
+              <a:fillRect/>
+            </a:stretch>
+          </p:blipFill>
+          <p:spPr bwMode="auto">
+            <a:xfrm>
+              <a:off x="481935" y="2978757"/>
+              <a:ext cx="218784" cy="218784"/>
+            </a:xfrm>
+            <a:prstGeom prst="rect">
+              <a:avLst/>
+            </a:prstGeom>
+            <a:noFill/>
+            <a:extLst>
+              <a:ext uri="{909E8E84-426E-40DD-AFC4-6F175D3DCCD1}">
+                <a14:hiddenFill xmlns:a14="http://schemas.microsoft.com/office/drawing/2010/main">
+                  <a:solidFill>
+                    <a:srgbClr val="FFFFFF"/>
+                  </a:solidFill>
+                </a14:hiddenFill>
+              </a:ext>
+            </a:extLst>
+          </p:spPr>
+        </p:pic>
+      </p:grpSp>
+      <p:grpSp>
+        <p:nvGrpSpPr>
+          <p:cNvPr id="28" name="Group 27">
+            <a:extLst>
+              <a:ext uri="{FF2B5EF4-FFF2-40B4-BE49-F238E27FC236}">
+                <a16:creationId xmlns:a16="http://schemas.microsoft.com/office/drawing/2014/main" id="{EAD42C35-3A2D-3475-BF2D-FA11FC3194A0}"/>
+              </a:ext>
+            </a:extLst>
+          </p:cNvPr>
+          <p:cNvGrpSpPr/>
+          <p:nvPr/>
+        </p:nvGrpSpPr>
+        <p:grpSpPr>
+          <a:xfrm>
+            <a:off x="349229" y="3736101"/>
+            <a:ext cx="11463020" cy="2748831"/>
+            <a:chOff x="349229" y="3736101"/>
+            <a:chExt cx="11463020" cy="2748831"/>
+          </a:xfrm>
+        </p:grpSpPr>
+        <p:grpSp>
+          <p:nvGrpSpPr>
+            <p:cNvPr id="19" name="Group 18">
+              <a:extLst>
+                <a:ext uri="{FF2B5EF4-FFF2-40B4-BE49-F238E27FC236}">
+                  <a16:creationId xmlns:a16="http://schemas.microsoft.com/office/drawing/2014/main" id="{0EE453D6-60B7-EECE-1D45-02D4269E9E56}"/>
+                </a:ext>
+              </a:extLst>
+            </p:cNvPr>
+            <p:cNvGrpSpPr/>
+            <p:nvPr/>
+          </p:nvGrpSpPr>
+          <p:grpSpPr>
+            <a:xfrm>
+              <a:off x="349229" y="3736101"/>
+              <a:ext cx="11463020" cy="2748831"/>
+              <a:chOff x="1495426" y="2671763"/>
+              <a:chExt cx="2862702" cy="2748831"/>
+            </a:xfrm>
+          </p:grpSpPr>
+          <p:sp>
+            <p:nvSpPr>
+              <p:cNvPr id="21" name="Rectangle 20">
+                <a:extLst>
+                  <a:ext uri="{FF2B5EF4-FFF2-40B4-BE49-F238E27FC236}">
+                    <a16:creationId xmlns:a16="http://schemas.microsoft.com/office/drawing/2014/main" id="{4DB2A848-D3A1-C940-F3CF-ED43B0719646}"/>
+                  </a:ext>
+                </a:extLst>
+              </p:cNvPr>
+              <p:cNvSpPr/>
+              <p:nvPr/>
+            </p:nvSpPr>
+            <p:spPr>
+              <a:xfrm>
+                <a:off x="1495426" y="2671763"/>
+                <a:ext cx="2862702" cy="561336"/>
+              </a:xfrm>
+              <a:prstGeom prst="rect">
+                <a:avLst/>
+              </a:prstGeom>
+              <a:solidFill>
+                <a:schemeClr val="bg1">
+                  <a:lumMod val="50000"/>
+                </a:schemeClr>
+              </a:solidFill>
+              <a:ln w="9525">
+                <a:solidFill>
+                  <a:schemeClr val="bg2">
+                    <a:lumMod val="50000"/>
+                  </a:schemeClr>
+                </a:solidFill>
+              </a:ln>
+              <a:effectLst>
+                <a:outerShdw blurRad="50800" dist="38100" dir="2700000" algn="tl" rotWithShape="0">
+                  <a:prstClr val="black">
+                    <a:alpha val="40000"/>
+                  </a:prstClr>
+                </a:outerShdw>
+              </a:effectLst>
+            </p:spPr>
+            <p:style>
+              <a:lnRef idx="2">
+                <a:schemeClr val="accent1">
+                  <a:shade val="50000"/>
+                </a:schemeClr>
+              </a:lnRef>
+              <a:fillRef idx="1">
+                <a:schemeClr val="accent1"/>
+              </a:fillRef>
+              <a:effectRef idx="0">
+                <a:schemeClr val="accent1"/>
+              </a:effectRef>
+              <a:fontRef idx="minor">
+                <a:schemeClr val="lt1"/>
+              </a:fontRef>
+            </p:style>
+            <p:txBody>
+              <a:bodyPr lIns="182880" rtlCol="0" anchor="ctr"/>
+              <a:lstStyle/>
+              <a:p>
+                <a:r>
+                  <a:rPr lang="en-US" sz="2000" b="1" dirty="0">
+                    <a:solidFill>
+                      <a:schemeClr val="bg1">
+                        <a:lumMod val="95000"/>
+                      </a:schemeClr>
+                    </a:solidFill>
+                    <a:latin typeface="Avenir Book" panose="02000503020000020003" pitchFamily="2" charset="0"/>
+                    <a:ea typeface="Segoe UI Historic" panose="020B0502040204020203" pitchFamily="34" charset="0"/>
+                    <a:cs typeface="Segoe UI Historic" panose="020B0502040204020203" pitchFamily="34" charset="0"/>
+                  </a:rPr>
+                  <a:t>Visualization</a:t>
+                </a:r>
+              </a:p>
+            </p:txBody>
+          </p:sp>
+          <p:sp>
+            <p:nvSpPr>
+              <p:cNvPr id="22" name="Rectangle 21">
+                <a:extLst>
+                  <a:ext uri="{FF2B5EF4-FFF2-40B4-BE49-F238E27FC236}">
+                    <a16:creationId xmlns:a16="http://schemas.microsoft.com/office/drawing/2014/main" id="{07CEBE81-CCE1-C8C8-09B8-44C5FCBB1842}"/>
+                  </a:ext>
+                </a:extLst>
+              </p:cNvPr>
+              <p:cNvSpPr/>
+              <p:nvPr/>
+            </p:nvSpPr>
+            <p:spPr>
+              <a:xfrm>
+                <a:off x="1495426" y="3233099"/>
+                <a:ext cx="2862702" cy="2187495"/>
+              </a:xfrm>
+              <a:prstGeom prst="rect">
+                <a:avLst/>
+              </a:prstGeom>
+              <a:solidFill>
+                <a:schemeClr val="bg1"/>
+              </a:solidFill>
+              <a:ln w="9525">
+                <a:solidFill>
+                  <a:schemeClr val="bg2">
+                    <a:lumMod val="50000"/>
+                  </a:schemeClr>
+                </a:solidFill>
+              </a:ln>
+              <a:effectLst>
+                <a:outerShdw blurRad="50800" dist="38100" dir="2700000" algn="tl" rotWithShape="0">
+                  <a:prstClr val="black">
+                    <a:alpha val="40000"/>
+                  </a:prstClr>
+                </a:outerShdw>
+              </a:effectLst>
+            </p:spPr>
+            <p:style>
+              <a:lnRef idx="2">
+                <a:schemeClr val="accent1">
+                  <a:shade val="50000"/>
+                </a:schemeClr>
+              </a:lnRef>
+              <a:fillRef idx="1">
+                <a:schemeClr val="accent1"/>
+              </a:fillRef>
+              <a:effectRef idx="0">
+                <a:schemeClr val="accent1"/>
+              </a:effectRef>
+              <a:fontRef idx="minor">
+                <a:schemeClr val="lt1"/>
+              </a:fontRef>
+            </p:style>
+            <p:txBody>
+              <a:bodyPr lIns="182880" tIns="182880" rtlCol="0" anchor="t" anchorCtr="0"/>
+              <a:lstStyle/>
+              <a:p>
+                <a:r>
+                  <a:rPr lang="en-US" sz="2000" dirty="0">
+                    <a:solidFill>
+                      <a:schemeClr val="tx1"/>
+                    </a:solidFill>
+                    <a:latin typeface="Avenir Book" panose="02000503020000020003" pitchFamily="2" charset="0"/>
+                    <a:ea typeface="Segoe UI Historic" panose="020B0502040204020203" pitchFamily="34" charset="0"/>
+                    <a:cs typeface="Segoe UI Historic" panose="020B0502040204020203" pitchFamily="34" charset="0"/>
+                  </a:rPr>
+                  <a:t>Jupyter notebooks</a:t>
+                </a:r>
+              </a:p>
+            </p:txBody>
+          </p:sp>
+        </p:grpSp>
+        <p:pic>
+          <p:nvPicPr>
+            <p:cNvPr id="23" name="Picture 22">
+              <a:extLst>
+                <a:ext uri="{FF2B5EF4-FFF2-40B4-BE49-F238E27FC236}">
+                  <a16:creationId xmlns:a16="http://schemas.microsoft.com/office/drawing/2014/main" id="{2C1997C7-72C0-B43B-B676-B7F0A3F1AE4F}"/>
+                </a:ext>
+              </a:extLst>
+            </p:cNvPr>
+            <p:cNvPicPr>
+              <a:picLocks noChangeAspect="1"/>
+            </p:cNvPicPr>
+            <p:nvPr/>
+          </p:nvPicPr>
+          <p:blipFill>
+            <a:blip r:embed="rId5"/>
+            <a:stretch>
+              <a:fillRect/>
+            </a:stretch>
+          </p:blipFill>
+          <p:spPr>
+            <a:xfrm>
+              <a:off x="488371" y="5010743"/>
+              <a:ext cx="6056316" cy="1178498"/>
+            </a:xfrm>
+            <a:prstGeom prst="rect">
+              <a:avLst/>
+            </a:prstGeom>
+          </p:spPr>
+        </p:pic>
+        <p:pic>
+          <p:nvPicPr>
+            <p:cNvPr id="24" name="Picture 23">
+              <a:extLst>
+                <a:ext uri="{FF2B5EF4-FFF2-40B4-BE49-F238E27FC236}">
+                  <a16:creationId xmlns:a16="http://schemas.microsoft.com/office/drawing/2014/main" id="{D75CD318-07AF-8019-3C84-BCF722FF8B01}"/>
+                </a:ext>
+              </a:extLst>
+            </p:cNvPr>
+            <p:cNvPicPr>
+              <a:picLocks noChangeAspect="1"/>
+            </p:cNvPicPr>
+            <p:nvPr/>
+          </p:nvPicPr>
+          <p:blipFill>
+            <a:blip r:embed="rId6"/>
+            <a:stretch>
+              <a:fillRect/>
+            </a:stretch>
+          </p:blipFill>
+          <p:spPr>
+            <a:xfrm>
+              <a:off x="6778599" y="5194116"/>
+              <a:ext cx="2627439" cy="699067"/>
+            </a:xfrm>
+            <a:prstGeom prst="rect">
+              <a:avLst/>
+            </a:prstGeom>
+          </p:spPr>
+        </p:pic>
+        <p:pic>
+          <p:nvPicPr>
+            <p:cNvPr id="25" name="Picture 24">
+              <a:extLst>
+                <a:ext uri="{FF2B5EF4-FFF2-40B4-BE49-F238E27FC236}">
+                  <a16:creationId xmlns:a16="http://schemas.microsoft.com/office/drawing/2014/main" id="{54EEBD86-9A8E-07B1-05A6-7E741D85E836}"/>
+                </a:ext>
+              </a:extLst>
+            </p:cNvPr>
+            <p:cNvPicPr>
+              <a:picLocks noChangeAspect="1"/>
+            </p:cNvPicPr>
+            <p:nvPr/>
+          </p:nvPicPr>
+          <p:blipFill>
+            <a:blip r:embed="rId7"/>
+            <a:stretch>
+              <a:fillRect/>
+            </a:stretch>
+          </p:blipFill>
+          <p:spPr>
+            <a:xfrm>
+              <a:off x="9639950" y="4906424"/>
+              <a:ext cx="1648798" cy="1508203"/>
+            </a:xfrm>
+            <a:prstGeom prst="rect">
+              <a:avLst/>
+            </a:prstGeom>
+          </p:spPr>
+        </p:pic>
+        <p:pic>
+          <p:nvPicPr>
+            <p:cNvPr id="1034" name="Picture 10">
+              <a:extLst>
+                <a:ext uri="{FF2B5EF4-FFF2-40B4-BE49-F238E27FC236}">
+                  <a16:creationId xmlns:a16="http://schemas.microsoft.com/office/drawing/2014/main" id="{2E7BD58D-F987-E43F-5A9E-678CE5F372F6}"/>
+                </a:ext>
+              </a:extLst>
+            </p:cNvPr>
+            <p:cNvPicPr>
+              <a:picLocks noChangeAspect="1" noChangeArrowheads="1"/>
+            </p:cNvPicPr>
+            <p:nvPr/>
+          </p:nvPicPr>
+          <p:blipFill>
+            <a:blip r:embed="rId8">
+              <a:extLst>
+                <a:ext uri="{28A0092B-C50C-407E-A947-70E740481C1C}">
+                  <a14:useLocalDpi xmlns:a14="http://schemas.microsoft.com/office/drawing/2010/main" val="0"/>
+                </a:ext>
+              </a:extLst>
+            </a:blip>
+            <a:srcRect/>
+            <a:stretch>
+              <a:fillRect/>
+            </a:stretch>
+          </p:blipFill>
+          <p:spPr bwMode="auto">
+            <a:xfrm>
+              <a:off x="2734452" y="4377157"/>
+              <a:ext cx="477838" cy="553866"/>
+            </a:xfrm>
+            <a:prstGeom prst="rect">
+              <a:avLst/>
+            </a:prstGeom>
+            <a:noFill/>
+            <a:extLst>
+              <a:ext uri="{909E8E84-426E-40DD-AFC4-6F175D3DCCD1}">
+                <a14:hiddenFill xmlns:a14="http://schemas.microsoft.com/office/drawing/2010/main">
+                  <a:solidFill>
+                    <a:srgbClr val="FFFFFF"/>
+                  </a:solidFill>
+                </a14:hiddenFill>
+              </a:ext>
+            </a:extLst>
+          </p:spPr>
+        </p:pic>
+      </p:grpSp>
+      <p:grpSp>
+        <p:nvGrpSpPr>
+          <p:cNvPr id="29" name="Group 28">
+            <a:extLst>
+              <a:ext uri="{FF2B5EF4-FFF2-40B4-BE49-F238E27FC236}">
+                <a16:creationId xmlns:a16="http://schemas.microsoft.com/office/drawing/2014/main" id="{63FE704F-280A-2864-50CD-112A8D939FEB}"/>
+              </a:ext>
+            </a:extLst>
+          </p:cNvPr>
+          <p:cNvGrpSpPr/>
+          <p:nvPr/>
+        </p:nvGrpSpPr>
+        <p:grpSpPr>
+          <a:xfrm>
+            <a:off x="4468623" y="401202"/>
+            <a:ext cx="3997882" cy="3027798"/>
+            <a:chOff x="4468623" y="401202"/>
+            <a:chExt cx="3997882" cy="3027798"/>
+          </a:xfrm>
+        </p:grpSpPr>
+        <p:grpSp>
+          <p:nvGrpSpPr>
+            <p:cNvPr id="12" name="Group 11">
+              <a:extLst>
+                <a:ext uri="{FF2B5EF4-FFF2-40B4-BE49-F238E27FC236}">
+                  <a16:creationId xmlns:a16="http://schemas.microsoft.com/office/drawing/2014/main" id="{1B2152DB-216E-45D8-C8C5-CDCEEF42C5EB}"/>
+                </a:ext>
+              </a:extLst>
+            </p:cNvPr>
+            <p:cNvGrpSpPr/>
+            <p:nvPr/>
+          </p:nvGrpSpPr>
+          <p:grpSpPr>
+            <a:xfrm>
+              <a:off x="4468623" y="401202"/>
+              <a:ext cx="3997882" cy="3027798"/>
+              <a:chOff x="1495426" y="2671763"/>
+              <a:chExt cx="2862702" cy="3027798"/>
+            </a:xfrm>
+          </p:grpSpPr>
+          <p:sp>
+            <p:nvSpPr>
+              <p:cNvPr id="13" name="Rectangle 12">
+                <a:extLst>
+                  <a:ext uri="{FF2B5EF4-FFF2-40B4-BE49-F238E27FC236}">
+                    <a16:creationId xmlns:a16="http://schemas.microsoft.com/office/drawing/2014/main" id="{9AB9B94D-E69F-0F22-9A37-18CB6BD11038}"/>
+                  </a:ext>
+                </a:extLst>
+              </p:cNvPr>
+              <p:cNvSpPr/>
+              <p:nvPr/>
+            </p:nvSpPr>
+            <p:spPr>
+              <a:xfrm>
+                <a:off x="1495426" y="2671763"/>
+                <a:ext cx="2862702" cy="561336"/>
+              </a:xfrm>
+              <a:prstGeom prst="rect">
+                <a:avLst/>
+              </a:prstGeom>
+              <a:solidFill>
+                <a:schemeClr val="bg1">
+                  <a:lumMod val="50000"/>
+                </a:schemeClr>
+              </a:solidFill>
+              <a:ln w="9525">
+                <a:solidFill>
+                  <a:schemeClr val="bg2">
+                    <a:lumMod val="50000"/>
+                  </a:schemeClr>
+                </a:solidFill>
+              </a:ln>
+              <a:effectLst>
+                <a:outerShdw blurRad="50800" dist="38100" dir="2700000" algn="tl" rotWithShape="0">
+                  <a:prstClr val="black">
+                    <a:alpha val="40000"/>
+                  </a:prstClr>
+                </a:outerShdw>
+              </a:effectLst>
+            </p:spPr>
+            <p:style>
+              <a:lnRef idx="2">
+                <a:schemeClr val="accent1">
+                  <a:shade val="50000"/>
+                </a:schemeClr>
+              </a:lnRef>
+              <a:fillRef idx="1">
+                <a:schemeClr val="accent1"/>
+              </a:fillRef>
+              <a:effectRef idx="0">
+                <a:schemeClr val="accent1"/>
+              </a:effectRef>
+              <a:fontRef idx="minor">
+                <a:schemeClr val="lt1"/>
+              </a:fontRef>
+            </p:style>
+            <p:txBody>
+              <a:bodyPr lIns="182880" rtlCol="0" anchor="ctr"/>
+              <a:lstStyle/>
+              <a:p>
+                <a:r>
+                  <a:rPr lang="en-US" sz="2000" b="1" dirty="0">
+                    <a:solidFill>
+                      <a:schemeClr val="bg1">
+                        <a:lumMod val="95000"/>
+                      </a:schemeClr>
+                    </a:solidFill>
+                    <a:latin typeface="Avenir Book" panose="02000503020000020003" pitchFamily="2" charset="0"/>
+                    <a:ea typeface="Segoe UI Historic" panose="020B0502040204020203" pitchFamily="34" charset="0"/>
+                    <a:cs typeface="Segoe UI Historic" panose="020B0502040204020203" pitchFamily="34" charset="0"/>
+                  </a:rPr>
+                  <a:t>Circuit generation</a:t>
+                </a:r>
+              </a:p>
+            </p:txBody>
+          </p:sp>
+          <p:sp>
+            <p:nvSpPr>
+              <p:cNvPr id="14" name="Rectangle 13">
+                <a:extLst>
+                  <a:ext uri="{FF2B5EF4-FFF2-40B4-BE49-F238E27FC236}">
+                    <a16:creationId xmlns:a16="http://schemas.microsoft.com/office/drawing/2014/main" id="{25314255-D0B4-63DA-5D96-95AEE0CAA3B9}"/>
+                  </a:ext>
+                </a:extLst>
+              </p:cNvPr>
+              <p:cNvSpPr/>
+              <p:nvPr/>
+            </p:nvSpPr>
+            <p:spPr>
+              <a:xfrm>
+                <a:off x="1495426" y="3233099"/>
+                <a:ext cx="2862702" cy="2466462"/>
+              </a:xfrm>
+              <a:prstGeom prst="rect">
+                <a:avLst/>
+              </a:prstGeom>
+              <a:solidFill>
+                <a:schemeClr val="bg1"/>
+              </a:solidFill>
+              <a:ln w="9525">
+                <a:solidFill>
+                  <a:schemeClr val="bg2">
+                    <a:lumMod val="50000"/>
+                  </a:schemeClr>
+                </a:solidFill>
+              </a:ln>
+              <a:effectLst>
+                <a:outerShdw blurRad="50800" dist="38100" dir="2700000" algn="tl" rotWithShape="0">
+                  <a:prstClr val="black">
+                    <a:alpha val="40000"/>
+                  </a:prstClr>
+                </a:outerShdw>
+              </a:effectLst>
+            </p:spPr>
+            <p:style>
+              <a:lnRef idx="2">
+                <a:schemeClr val="accent1">
+                  <a:shade val="50000"/>
+                </a:schemeClr>
+              </a:lnRef>
+              <a:fillRef idx="1">
+                <a:schemeClr val="accent1"/>
+              </a:fillRef>
+              <a:effectRef idx="0">
+                <a:schemeClr val="accent1"/>
+              </a:effectRef>
+              <a:fontRef idx="minor">
+                <a:schemeClr val="lt1"/>
+              </a:fontRef>
+            </p:style>
+            <p:txBody>
+              <a:bodyPr lIns="182880" tIns="182880" rtlCol="0" anchor="t" anchorCtr="0"/>
+              <a:lstStyle/>
+              <a:p>
+                <a:r>
+                  <a:rPr lang="en-US" sz="2000" dirty="0">
+                    <a:solidFill>
+                      <a:schemeClr val="tx1"/>
+                    </a:solidFill>
+                    <a:latin typeface="Avenir Book" panose="02000503020000020003" pitchFamily="2" charset="0"/>
+                    <a:ea typeface="Segoe UI Historic" panose="020B0502040204020203" pitchFamily="34" charset="0"/>
+                    <a:cs typeface="Segoe UI Historic" panose="020B0502040204020203" pitchFamily="34" charset="0"/>
+                  </a:rPr>
+                  <a:t>Python classes and scripts</a:t>
+                </a:r>
+              </a:p>
+              <a:p>
+                <a:pPr marL="160020" indent="-251460">
+                  <a:buFont typeface="Arial" panose="020B0604020202020204" pitchFamily="34" charset="0"/>
+                  <a:buChar char="•"/>
+                </a:pPr>
+                <a:r>
+                  <a:rPr lang="en-US" sz="2000" dirty="0">
+                    <a:solidFill>
+                      <a:schemeClr val="tx1"/>
+                    </a:solidFill>
+                    <a:latin typeface="Avenir Book" panose="02000503020000020003" pitchFamily="2" charset="0"/>
+                    <a:ea typeface="Segoe UI Historic" panose="020B0502040204020203" pitchFamily="34" charset="0"/>
+                    <a:cs typeface="Segoe UI Historic" panose="020B0502040204020203" pitchFamily="34" charset="0"/>
+                  </a:rPr>
+                  <a:t>Qiskit Terra SDK</a:t>
+                </a:r>
+              </a:p>
+              <a:p>
+                <a:pPr marL="160020" indent="-251460">
+                  <a:buFont typeface="Arial" panose="020B0604020202020204" pitchFamily="34" charset="0"/>
+                  <a:buChar char="•"/>
+                </a:pPr>
+                <a:r>
+                  <a:rPr lang="en-US" sz="2000" dirty="0">
+                    <a:solidFill>
+                      <a:schemeClr val="tx1"/>
+                    </a:solidFill>
+                    <a:latin typeface="Avenir Book" panose="02000503020000020003" pitchFamily="2" charset="0"/>
+                    <a:ea typeface="Segoe UI Historic" panose="020B0502040204020203" pitchFamily="34" charset="0"/>
+                    <a:cs typeface="Segoe UI Historic" panose="020B0502040204020203" pitchFamily="34" charset="0"/>
+                  </a:rPr>
+                  <a:t>Clusters and processors</a:t>
+                </a:r>
+              </a:p>
+              <a:p>
+                <a:pPr marL="160020" indent="-251460">
+                  <a:buFont typeface="Arial" panose="020B0604020202020204" pitchFamily="34" charset="0"/>
+                  <a:buChar char="•"/>
+                </a:pPr>
+                <a:r>
+                  <a:rPr lang="en-US" sz="2000" dirty="0">
+                    <a:solidFill>
+                      <a:schemeClr val="tx1"/>
+                    </a:solidFill>
+                    <a:latin typeface="Avenir Book" panose="02000503020000020003" pitchFamily="2" charset="0"/>
+                    <a:ea typeface="Segoe UI Historic" panose="020B0502040204020203" pitchFamily="34" charset="0"/>
+                    <a:cs typeface="Segoe UI Historic" panose="020B0502040204020203" pitchFamily="34" charset="0"/>
+                  </a:rPr>
+                  <a:t>Teleportation and cat states</a:t>
+                </a:r>
+              </a:p>
+              <a:p>
+                <a:pPr marL="160020" indent="-251460">
+                  <a:buFont typeface="Arial" panose="020B0604020202020204" pitchFamily="34" charset="0"/>
+                  <a:buChar char="•"/>
+                </a:pPr>
+                <a:r>
+                  <a:rPr lang="en-US" sz="2000" dirty="0">
+                    <a:solidFill>
+                      <a:schemeClr val="tx1"/>
+                    </a:solidFill>
+                    <a:latin typeface="Avenir Book" panose="02000503020000020003" pitchFamily="2" charset="0"/>
+                    <a:ea typeface="Segoe UI Historic" panose="020B0502040204020203" pitchFamily="34" charset="0"/>
+                    <a:cs typeface="Segoe UI Historic" panose="020B0502040204020203" pitchFamily="34" charset="0"/>
+                  </a:rPr>
+                  <a:t>QFT and DQFT</a:t>
+                </a:r>
+              </a:p>
+              <a:p>
+                <a:endParaRPr lang="en-US" sz="2000" dirty="0">
+                  <a:solidFill>
+                    <a:schemeClr val="tx1"/>
+                  </a:solidFill>
+                  <a:latin typeface="Avenir Book" panose="02000503020000020003" pitchFamily="2" charset="0"/>
+                  <a:ea typeface="Segoe UI Historic" panose="020B0502040204020203" pitchFamily="34" charset="0"/>
+                  <a:cs typeface="Segoe UI Historic" panose="020B0502040204020203" pitchFamily="34" charset="0"/>
+                </a:endParaRPr>
+              </a:p>
+            </p:txBody>
+          </p:sp>
+        </p:grpSp>
+        <p:pic>
+          <p:nvPicPr>
+            <p:cNvPr id="1036" name="Picture 12" descr="Python icon - Free download on Iconfinder">
+              <a:extLst>
+                <a:ext uri="{FF2B5EF4-FFF2-40B4-BE49-F238E27FC236}">
+                  <a16:creationId xmlns:a16="http://schemas.microsoft.com/office/drawing/2014/main" id="{85CDF557-2B48-D3BA-832F-1CAE1868481F}"/>
+                </a:ext>
+              </a:extLst>
+            </p:cNvPr>
+            <p:cNvPicPr>
+              <a:picLocks noChangeAspect="1" noChangeArrowheads="1"/>
+            </p:cNvPicPr>
+            <p:nvPr/>
+          </p:nvPicPr>
+          <p:blipFill>
+            <a:blip r:embed="rId9">
+              <a:extLst>
+                <a:ext uri="{28A0092B-C50C-407E-A947-70E740481C1C}">
+                  <a14:useLocalDpi xmlns:a14="http://schemas.microsoft.com/office/drawing/2010/main" val="0"/>
+                </a:ext>
+              </a:extLst>
+            </a:blip>
+            <a:srcRect/>
+            <a:stretch>
+              <a:fillRect/>
+            </a:stretch>
+          </p:blipFill>
+          <p:spPr bwMode="auto">
+            <a:xfrm>
+              <a:off x="7624622" y="1140851"/>
+              <a:ext cx="335638" cy="335638"/>
+            </a:xfrm>
+            <a:prstGeom prst="rect">
+              <a:avLst/>
+            </a:prstGeom>
+            <a:noFill/>
+            <a:extLst>
+              <a:ext uri="{909E8E84-426E-40DD-AFC4-6F175D3DCCD1}">
+                <a14:hiddenFill xmlns:a14="http://schemas.microsoft.com/office/drawing/2010/main">
+                  <a:solidFill>
+                    <a:srgbClr val="FFFFFF"/>
+                  </a:solidFill>
+                </a14:hiddenFill>
+              </a:ext>
+            </a:extLst>
+          </p:spPr>
+        </p:pic>
+      </p:grpSp>
     </p:spTree>
     <p:extLst>
       <p:ext uri="{BB962C8B-B14F-4D97-AF65-F5344CB8AC3E}">

--- a/docs/end-of-hackathon-presentation.pptx
+++ b/docs/end-of-hackathon-presentation.pptx
@@ -5222,8 +5222,8 @@
         </p:nvGrpSpPr>
         <p:grpSpPr>
           <a:xfrm>
-            <a:off x="4468623" y="401202"/>
-            <a:ext cx="3997882" cy="3027798"/>
+            <a:off x="4468622" y="401202"/>
+            <a:ext cx="4937415" cy="3027798"/>
             <a:chOff x="4468623" y="401202"/>
             <a:chExt cx="3997882" cy="3027798"/>
           </a:xfrm>
@@ -5319,7 +5319,7 @@
                     <a:ea typeface="Segoe UI Historic" panose="020B0502040204020203" pitchFamily="34" charset="0"/>
                     <a:cs typeface="Segoe UI Historic" panose="020B0502040204020203" pitchFamily="34" charset="0"/>
                   </a:rPr>
-                  <a:t>Circuit generation</a:t>
+                  <a:t>Circuit generation and validation</a:t>
                 </a:r>
               </a:p>
             </p:txBody>
@@ -5408,7 +5408,7 @@
                     <a:ea typeface="Segoe UI Historic" panose="020B0502040204020203" pitchFamily="34" charset="0"/>
                     <a:cs typeface="Segoe UI Historic" panose="020B0502040204020203" pitchFamily="34" charset="0"/>
                   </a:rPr>
-                  <a:t>Qiskit Terra SDK</a:t>
+                  <a:t>Qiskit Terra and Aer</a:t>
                 </a:r>
               </a:p>
               <a:p>
@@ -5460,6 +5460,23 @@
                     <a:cs typeface="Segoe UI Historic" panose="020B0502040204020203" pitchFamily="34" charset="0"/>
                   </a:rPr>
                   <a:t>QFT and DQFT</a:t>
+                </a:r>
+              </a:p>
+              <a:p>
+                <a:pPr marL="160020" indent="-251460">
+                  <a:buFont typeface="Arial" panose="020B0604020202020204" pitchFamily="34" charset="0"/>
+                  <a:buChar char="•"/>
+                </a:pPr>
+                <a:r>
+                  <a:rPr lang="en-US" sz="2000" dirty="0">
+                    <a:solidFill>
+                      <a:schemeClr val="tx1"/>
+                    </a:solidFill>
+                    <a:latin typeface="Avenir Book" panose="02000503020000020003" pitchFamily="2" charset="0"/>
+                    <a:ea typeface="Segoe UI Historic" panose="020B0502040204020203" pitchFamily="34" charset="0"/>
+                    <a:cs typeface="Segoe UI Historic" panose="020B0502040204020203" pitchFamily="34" charset="0"/>
+                  </a:rPr>
+                  <a:t>Histogram comparison</a:t>
                 </a:r>
               </a:p>
               <a:p>

--- a/docs/end-of-hackathon-presentation.pptx
+++ b/docs/end-of-hackathon-presentation.pptx
@@ -6,7 +6,8 @@
   </p:sldMasterIdLst>
   <p:sldIdLst>
     <p:sldId id="258" r:id="rId2"/>
-    <p:sldId id="259" r:id="rId3"/>
+    <p:sldId id="260" r:id="rId3"/>
+    <p:sldId id="263" r:id="rId4"/>
   </p:sldIdLst>
   <p:sldSz cx="12192000" cy="6858000"/>
   <p:notesSz cx="6858000" cy="9144000"/>
@@ -4336,59 +4337,12 @@
           <a:chExt cx="0" cy="0"/>
         </a:xfrm>
       </p:grpSpPr>
-      <p:pic>
-        <p:nvPicPr>
-          <p:cNvPr id="3" name="Picture 11" descr="Learn Quantum Computation using Qiskit">
-            <a:extLst>
-              <a:ext uri="{FF2B5EF4-FFF2-40B4-BE49-F238E27FC236}">
-                <a16:creationId xmlns:a16="http://schemas.microsoft.com/office/drawing/2014/main" id="{F8FC5F44-5EA7-9A01-E11C-E69B69CCF613}"/>
-              </a:ext>
-            </a:extLst>
-          </p:cNvPr>
-          <p:cNvPicPr>
-            <a:picLocks noChangeAspect="1" noChangeArrowheads="1"/>
-          </p:cNvPicPr>
-          <p:nvPr/>
-        </p:nvPicPr>
-        <p:blipFill>
-          <a:blip r:embed="rId2">
-            <a:extLst>
-              <a:ext uri="{28A0092B-C50C-407E-A947-70E740481C1C}">
-                <a14:useLocalDpi xmlns:a14="http://schemas.microsoft.com/office/drawing/2010/main" val="0"/>
-              </a:ext>
-            </a:extLst>
-          </a:blip>
-          <a:srcRect/>
-          <a:stretch>
-            <a:fillRect/>
-          </a:stretch>
-        </p:blipFill>
-        <p:spPr bwMode="auto">
-          <a:xfrm>
-            <a:off x="10013952" y="308697"/>
-            <a:ext cx="1798297" cy="557784"/>
-          </a:xfrm>
-          <a:prstGeom prst="rect">
-            <a:avLst/>
-          </a:prstGeom>
-          <a:noFill/>
-          <a:extLst>
-            <a:ext uri="{909E8E84-426E-40DD-AFC4-6F175D3DCCD1}">
-              <a14:hiddenFill xmlns:a14="http://schemas.microsoft.com/office/drawing/2010/main">
-                <a:solidFill>
-                  <a:srgbClr val="FFFFFF"/>
-                </a:solidFill>
-              </a14:hiddenFill>
-            </a:ext>
-          </a:extLst>
-        </p:spPr>
-      </p:pic>
       <p:grpSp>
         <p:nvGrpSpPr>
-          <p:cNvPr id="27" name="Group 26">
-            <a:extLst>
-              <a:ext uri="{FF2B5EF4-FFF2-40B4-BE49-F238E27FC236}">
-                <a16:creationId xmlns:a16="http://schemas.microsoft.com/office/drawing/2014/main" id="{A438587C-D025-2125-859B-7C7C4007026E}"/>
+          <p:cNvPr id="28" name="Group 27">
+            <a:extLst>
+              <a:ext uri="{FF2B5EF4-FFF2-40B4-BE49-F238E27FC236}">
+                <a16:creationId xmlns:a16="http://schemas.microsoft.com/office/drawing/2014/main" id="{EAD42C35-3A2D-3475-BF2D-FA11FC3194A0}"/>
               </a:ext>
             </a:extLst>
           </p:cNvPr>
@@ -4397,508 +4351,10 @@
         </p:nvGrpSpPr>
         <p:grpSpPr>
           <a:xfrm>
-            <a:off x="342739" y="373068"/>
-            <a:ext cx="3792044" cy="3055932"/>
-            <a:chOff x="342739" y="373068"/>
-            <a:chExt cx="3792044" cy="3055932"/>
-          </a:xfrm>
-        </p:grpSpPr>
-        <p:grpSp>
-          <p:nvGrpSpPr>
-            <p:cNvPr id="5" name="Group 4">
-              <a:extLst>
-                <a:ext uri="{FF2B5EF4-FFF2-40B4-BE49-F238E27FC236}">
-                  <a16:creationId xmlns:a16="http://schemas.microsoft.com/office/drawing/2014/main" id="{F3812511-3B53-02C3-BA0F-C522749279BE}"/>
-                </a:ext>
-              </a:extLst>
-            </p:cNvPr>
-            <p:cNvGrpSpPr/>
-            <p:nvPr/>
-          </p:nvGrpSpPr>
-          <p:grpSpPr>
-            <a:xfrm>
-              <a:off x="342739" y="373068"/>
-              <a:ext cx="3792044" cy="3055932"/>
-              <a:chOff x="1495426" y="2671763"/>
-              <a:chExt cx="2862702" cy="3055932"/>
-            </a:xfrm>
-          </p:grpSpPr>
-          <p:sp>
-            <p:nvSpPr>
-              <p:cNvPr id="6" name="Rectangle 5">
-                <a:extLst>
-                  <a:ext uri="{FF2B5EF4-FFF2-40B4-BE49-F238E27FC236}">
-                    <a16:creationId xmlns:a16="http://schemas.microsoft.com/office/drawing/2014/main" id="{1D4E527F-F116-A22B-AB51-BDA86A50E456}"/>
-                  </a:ext>
-                </a:extLst>
-              </p:cNvPr>
-              <p:cNvSpPr/>
-              <p:nvPr/>
-            </p:nvSpPr>
-            <p:spPr>
-              <a:xfrm>
-                <a:off x="1495426" y="2671763"/>
-                <a:ext cx="2862702" cy="561336"/>
-              </a:xfrm>
-              <a:prstGeom prst="rect">
-                <a:avLst/>
-              </a:prstGeom>
-              <a:solidFill>
-                <a:schemeClr val="bg1">
-                  <a:lumMod val="50000"/>
-                </a:schemeClr>
-              </a:solidFill>
-              <a:ln w="9525">
-                <a:solidFill>
-                  <a:schemeClr val="bg2">
-                    <a:lumMod val="50000"/>
-                  </a:schemeClr>
-                </a:solidFill>
-              </a:ln>
-              <a:effectLst>
-                <a:outerShdw blurRad="50800" dist="38100" dir="2700000" algn="tl" rotWithShape="0">
-                  <a:prstClr val="black">
-                    <a:alpha val="40000"/>
-                  </a:prstClr>
-                </a:outerShdw>
-              </a:effectLst>
-            </p:spPr>
-            <p:style>
-              <a:lnRef idx="2">
-                <a:schemeClr val="accent1">
-                  <a:shade val="50000"/>
-                </a:schemeClr>
-              </a:lnRef>
-              <a:fillRef idx="1">
-                <a:schemeClr val="accent1"/>
-              </a:fillRef>
-              <a:effectRef idx="0">
-                <a:schemeClr val="accent1"/>
-              </a:effectRef>
-              <a:fontRef idx="minor">
-                <a:schemeClr val="lt1"/>
-              </a:fontRef>
-            </p:style>
-            <p:txBody>
-              <a:bodyPr lIns="182880" rtlCol="0" anchor="ctr"/>
-              <a:lstStyle/>
-              <a:p>
-                <a:r>
-                  <a:rPr lang="en-US" sz="2000" b="1" dirty="0">
-                    <a:solidFill>
-                      <a:schemeClr val="bg1">
-                        <a:lumMod val="95000"/>
-                      </a:schemeClr>
-                    </a:solidFill>
-                    <a:latin typeface="Avenir Book" panose="02000503020000020003" pitchFamily="2" charset="0"/>
-                    <a:ea typeface="Segoe UI Historic" panose="020B0502040204020203" pitchFamily="34" charset="0"/>
-                    <a:cs typeface="Segoe UI Historic" panose="020B0502040204020203" pitchFamily="34" charset="0"/>
-                  </a:rPr>
-                  <a:t>Progress</a:t>
-                </a:r>
-              </a:p>
-            </p:txBody>
-          </p:sp>
-          <p:sp>
-            <p:nvSpPr>
-              <p:cNvPr id="7" name="Rectangle 6">
-                <a:extLst>
-                  <a:ext uri="{FF2B5EF4-FFF2-40B4-BE49-F238E27FC236}">
-                    <a16:creationId xmlns:a16="http://schemas.microsoft.com/office/drawing/2014/main" id="{130ED0DF-A8CF-EFF7-DD4F-EEE9997D5F40}"/>
-                  </a:ext>
-                </a:extLst>
-              </p:cNvPr>
-              <p:cNvSpPr/>
-              <p:nvPr/>
-            </p:nvSpPr>
-            <p:spPr>
-              <a:xfrm>
-                <a:off x="1495426" y="3233099"/>
-                <a:ext cx="2862702" cy="2494596"/>
-              </a:xfrm>
-              <a:prstGeom prst="rect">
-                <a:avLst/>
-              </a:prstGeom>
-              <a:solidFill>
-                <a:schemeClr val="bg1"/>
-              </a:solidFill>
-              <a:ln w="9525">
-                <a:solidFill>
-                  <a:schemeClr val="bg2">
-                    <a:lumMod val="50000"/>
-                  </a:schemeClr>
-                </a:solidFill>
-              </a:ln>
-              <a:effectLst>
-                <a:outerShdw blurRad="50800" dist="38100" dir="2700000" algn="tl" rotWithShape="0">
-                  <a:prstClr val="black">
-                    <a:alpha val="40000"/>
-                  </a:prstClr>
-                </a:outerShdw>
-              </a:effectLst>
-            </p:spPr>
-            <p:style>
-              <a:lnRef idx="2">
-                <a:schemeClr val="accent1">
-                  <a:shade val="50000"/>
-                </a:schemeClr>
-              </a:lnRef>
-              <a:fillRef idx="1">
-                <a:schemeClr val="accent1"/>
-              </a:fillRef>
-              <a:effectRef idx="0">
-                <a:schemeClr val="accent1"/>
-              </a:effectRef>
-              <a:fontRef idx="minor">
-                <a:schemeClr val="lt1"/>
-              </a:fontRef>
-            </p:style>
-            <p:txBody>
-              <a:bodyPr lIns="182880" tIns="182880" rtlCol="0" anchor="t" anchorCtr="0"/>
-              <a:lstStyle/>
-              <a:p>
-                <a:r>
-                  <a:rPr lang="en-US" sz="2000" dirty="0">
-                    <a:solidFill>
-                      <a:schemeClr val="tx1"/>
-                    </a:solidFill>
-                    <a:latin typeface="Avenir Book" panose="02000503020000020003" pitchFamily="2" charset="0"/>
-                    <a:ea typeface="Segoe UI Historic" panose="020B0502040204020203" pitchFamily="34" charset="0"/>
-                    <a:cs typeface="Segoe UI Historic" panose="020B0502040204020203" pitchFamily="34" charset="0"/>
-                  </a:rPr>
-                  <a:t>    Local QFT</a:t>
-                </a:r>
-              </a:p>
-              <a:p>
-                <a:r>
-                  <a:rPr lang="en-US" sz="2000" dirty="0">
-                    <a:solidFill>
-                      <a:schemeClr val="tx1"/>
-                    </a:solidFill>
-                    <a:latin typeface="Avenir Book" panose="02000503020000020003" pitchFamily="2" charset="0"/>
-                    <a:ea typeface="Segoe UI Historic" panose="020B0502040204020203" pitchFamily="34" charset="0"/>
-                    <a:cs typeface="Segoe UI Historic" panose="020B0502040204020203" pitchFamily="34" charset="0"/>
-                  </a:rPr>
-                  <a:t>    Teleport-based DQFT</a:t>
-                </a:r>
-              </a:p>
-              <a:p>
-                <a:r>
-                  <a:rPr lang="en-US" sz="2000" dirty="0">
-                    <a:solidFill>
-                      <a:schemeClr val="tx1"/>
-                    </a:solidFill>
-                    <a:latin typeface="Avenir Book" panose="02000503020000020003" pitchFamily="2" charset="0"/>
-                    <a:ea typeface="Segoe UI Historic" panose="020B0502040204020203" pitchFamily="34" charset="0"/>
-                    <a:cs typeface="Segoe UI Historic" panose="020B0502040204020203" pitchFamily="34" charset="0"/>
-                  </a:rPr>
-                  <a:t>    Cat-state-based DQFT</a:t>
-                </a:r>
-              </a:p>
-              <a:p>
-                <a:r>
-                  <a:rPr lang="en-US" sz="2000" dirty="0">
-                    <a:solidFill>
-                      <a:schemeClr val="tx1"/>
-                    </a:solidFill>
-                    <a:latin typeface="Avenir Book" panose="02000503020000020003" pitchFamily="2" charset="0"/>
-                    <a:ea typeface="Segoe UI Historic" panose="020B0502040204020203" pitchFamily="34" charset="0"/>
-                    <a:cs typeface="Segoe UI Historic" panose="020B0502040204020203" pitchFamily="34" charset="0"/>
-                  </a:rPr>
-                  <a:t>    Histogram-based validation</a:t>
-                </a:r>
-              </a:p>
-              <a:p>
-                <a:r>
-                  <a:rPr lang="en-US" sz="2000" dirty="0">
-                    <a:solidFill>
-                      <a:schemeClr val="tx1"/>
-                    </a:solidFill>
-                    <a:latin typeface="Avenir Book" panose="02000503020000020003" pitchFamily="2" charset="0"/>
-                    <a:ea typeface="Segoe UI Historic" panose="020B0502040204020203" pitchFamily="34" charset="0"/>
-                    <a:cs typeface="Segoe UI Historic" panose="020B0502040204020203" pitchFamily="34" charset="0"/>
-                  </a:rPr>
-                  <a:t>    State-based validation</a:t>
-                </a:r>
-              </a:p>
-              <a:p>
-                <a:r>
-                  <a:rPr lang="en-US" sz="2000" dirty="0">
-                    <a:solidFill>
-                      <a:schemeClr val="tx1"/>
-                    </a:solidFill>
-                    <a:latin typeface="Avenir Book" panose="02000503020000020003" pitchFamily="2" charset="0"/>
-                    <a:ea typeface="Segoe UI Historic" panose="020B0502040204020203" pitchFamily="34" charset="0"/>
-                    <a:cs typeface="Segoe UI Historic" panose="020B0502040204020203" pitchFamily="34" charset="0"/>
-                  </a:rPr>
-                  <a:t>    Benchmarking</a:t>
-                </a:r>
-              </a:p>
-              <a:p>
-                <a:r>
-                  <a:rPr lang="en-US" sz="2000" dirty="0">
-                    <a:solidFill>
-                      <a:schemeClr val="tx1"/>
-                    </a:solidFill>
-                    <a:latin typeface="Avenir Book" panose="02000503020000020003" pitchFamily="2" charset="0"/>
-                    <a:ea typeface="Segoe UI Historic" panose="020B0502040204020203" pitchFamily="34" charset="0"/>
-                    <a:cs typeface="Segoe UI Historic" panose="020B0502040204020203" pitchFamily="34" charset="0"/>
-                  </a:rPr>
-                  <a:t>    Documentation			</a:t>
-                </a:r>
-              </a:p>
-              <a:p>
-                <a:endParaRPr lang="en-US" sz="2000" dirty="0">
-                  <a:solidFill>
-                    <a:schemeClr val="tx1"/>
-                  </a:solidFill>
-                  <a:latin typeface="Avenir Book" panose="02000503020000020003" pitchFamily="2" charset="0"/>
-                  <a:ea typeface="Segoe UI Historic" panose="020B0502040204020203" pitchFamily="34" charset="0"/>
-                  <a:cs typeface="Segoe UI Historic" panose="020B0502040204020203" pitchFamily="34" charset="0"/>
-                </a:endParaRPr>
-              </a:p>
-            </p:txBody>
-          </p:sp>
-        </p:grpSp>
-        <p:pic>
-          <p:nvPicPr>
-            <p:cNvPr id="1028" name="Picture 4" descr="Done - Free ui icons">
-              <a:extLst>
-                <a:ext uri="{FF2B5EF4-FFF2-40B4-BE49-F238E27FC236}">
-                  <a16:creationId xmlns:a16="http://schemas.microsoft.com/office/drawing/2014/main" id="{D6342F84-4858-ECF9-AB32-1AC0FF9536BC}"/>
-                </a:ext>
-              </a:extLst>
-            </p:cNvPr>
-            <p:cNvPicPr>
-              <a:picLocks noChangeAspect="1" noChangeArrowheads="1"/>
-            </p:cNvPicPr>
-            <p:nvPr/>
-          </p:nvPicPr>
-          <p:blipFill>
-            <a:blip r:embed="rId3">
-              <a:extLst>
-                <a:ext uri="{28A0092B-C50C-407E-A947-70E740481C1C}">
-                  <a14:useLocalDpi xmlns:a14="http://schemas.microsoft.com/office/drawing/2010/main" val="0"/>
-                </a:ext>
-              </a:extLst>
-            </a:blip>
-            <a:srcRect/>
-            <a:stretch>
-              <a:fillRect/>
-            </a:stretch>
-          </p:blipFill>
-          <p:spPr bwMode="auto">
-            <a:xfrm>
-              <a:off x="481935" y="1152375"/>
-              <a:ext cx="218784" cy="218784"/>
-            </a:xfrm>
-            <a:prstGeom prst="rect">
-              <a:avLst/>
-            </a:prstGeom>
-            <a:noFill/>
-            <a:extLst>
-              <a:ext uri="{909E8E84-426E-40DD-AFC4-6F175D3DCCD1}">
-                <a14:hiddenFill xmlns:a14="http://schemas.microsoft.com/office/drawing/2010/main">
-                  <a:solidFill>
-                    <a:srgbClr val="FFFFFF"/>
-                  </a:solidFill>
-                </a14:hiddenFill>
-              </a:ext>
-            </a:extLst>
-          </p:spPr>
-        </p:pic>
-        <p:pic>
-          <p:nvPicPr>
-            <p:cNvPr id="8" name="Picture 7">
-              <a:extLst>
-                <a:ext uri="{FF2B5EF4-FFF2-40B4-BE49-F238E27FC236}">
-                  <a16:creationId xmlns:a16="http://schemas.microsoft.com/office/drawing/2014/main" id="{6466FEEE-7DF0-20B3-547D-B85A6B129078}"/>
-                </a:ext>
-              </a:extLst>
-            </p:cNvPr>
-            <p:cNvPicPr>
-              <a:picLocks noChangeAspect="1"/>
-            </p:cNvPicPr>
-            <p:nvPr/>
-          </p:nvPicPr>
-          <p:blipFill>
-            <a:blip r:embed="rId4">
-              <a:grayscl/>
-            </a:blip>
-            <a:stretch>
-              <a:fillRect/>
-            </a:stretch>
-          </p:blipFill>
-          <p:spPr>
-            <a:xfrm>
-              <a:off x="465207" y="2026062"/>
-              <a:ext cx="265113" cy="300462"/>
-            </a:xfrm>
-            <a:prstGeom prst="rect">
-              <a:avLst/>
-            </a:prstGeom>
-          </p:spPr>
-        </p:pic>
-        <p:pic>
-          <p:nvPicPr>
-            <p:cNvPr id="9" name="Picture 4" descr="Done - Free ui icons">
-              <a:extLst>
-                <a:ext uri="{FF2B5EF4-FFF2-40B4-BE49-F238E27FC236}">
-                  <a16:creationId xmlns:a16="http://schemas.microsoft.com/office/drawing/2014/main" id="{5BF886B6-AB80-8377-1A44-DE4328B8E8C9}"/>
-                </a:ext>
-              </a:extLst>
-            </p:cNvPr>
-            <p:cNvPicPr>
-              <a:picLocks noChangeAspect="1" noChangeArrowheads="1"/>
-            </p:cNvPicPr>
-            <p:nvPr/>
-          </p:nvPicPr>
-          <p:blipFill>
-            <a:blip r:embed="rId3">
-              <a:extLst>
-                <a:ext uri="{28A0092B-C50C-407E-A947-70E740481C1C}">
-                  <a14:useLocalDpi xmlns:a14="http://schemas.microsoft.com/office/drawing/2010/main" val="0"/>
-                </a:ext>
-              </a:extLst>
-            </a:blip>
-            <a:srcRect/>
-            <a:stretch>
-              <a:fillRect/>
-            </a:stretch>
-          </p:blipFill>
-          <p:spPr bwMode="auto">
-            <a:xfrm>
-              <a:off x="488371" y="1479738"/>
-              <a:ext cx="218784" cy="218784"/>
-            </a:xfrm>
-            <a:prstGeom prst="rect">
-              <a:avLst/>
-            </a:prstGeom>
-            <a:noFill/>
-            <a:extLst>
-              <a:ext uri="{909E8E84-426E-40DD-AFC4-6F175D3DCCD1}">
-                <a14:hiddenFill xmlns:a14="http://schemas.microsoft.com/office/drawing/2010/main">
-                  <a:solidFill>
-                    <a:srgbClr val="FFFFFF"/>
-                  </a:solidFill>
-                </a14:hiddenFill>
-              </a:ext>
-            </a:extLst>
-          </p:spPr>
-        </p:pic>
-        <p:pic>
-          <p:nvPicPr>
-            <p:cNvPr id="10" name="Picture 4" descr="Done - Free ui icons">
-              <a:extLst>
-                <a:ext uri="{FF2B5EF4-FFF2-40B4-BE49-F238E27FC236}">
-                  <a16:creationId xmlns:a16="http://schemas.microsoft.com/office/drawing/2014/main" id="{0FC5B5EA-27EA-7F62-675A-29D2A7442F18}"/>
-                </a:ext>
-              </a:extLst>
-            </p:cNvPr>
-            <p:cNvPicPr>
-              <a:picLocks noChangeAspect="1" noChangeArrowheads="1"/>
-            </p:cNvPicPr>
-            <p:nvPr/>
-          </p:nvPicPr>
-          <p:blipFill>
-            <a:blip r:embed="rId3">
-              <a:extLst>
-                <a:ext uri="{28A0092B-C50C-407E-A947-70E740481C1C}">
-                  <a14:useLocalDpi xmlns:a14="http://schemas.microsoft.com/office/drawing/2010/main" val="0"/>
-                </a:ext>
-              </a:extLst>
-            </a:blip>
-            <a:srcRect/>
-            <a:stretch>
-              <a:fillRect/>
-            </a:stretch>
-          </p:blipFill>
-          <p:spPr bwMode="auto">
-            <a:xfrm>
-              <a:off x="481935" y="1775618"/>
-              <a:ext cx="218784" cy="218784"/>
-            </a:xfrm>
-            <a:prstGeom prst="rect">
-              <a:avLst/>
-            </a:prstGeom>
-            <a:noFill/>
-            <a:extLst>
-              <a:ext uri="{909E8E84-426E-40DD-AFC4-6F175D3DCCD1}">
-                <a14:hiddenFill xmlns:a14="http://schemas.microsoft.com/office/drawing/2010/main">
-                  <a:solidFill>
-                    <a:srgbClr val="FFFFFF"/>
-                  </a:solidFill>
-                </a14:hiddenFill>
-              </a:ext>
-            </a:extLst>
-          </p:spPr>
-        </p:pic>
-        <p:pic>
-          <p:nvPicPr>
-            <p:cNvPr id="26" name="Picture 4" descr="Done - Free ui icons">
-              <a:extLst>
-                <a:ext uri="{FF2B5EF4-FFF2-40B4-BE49-F238E27FC236}">
-                  <a16:creationId xmlns:a16="http://schemas.microsoft.com/office/drawing/2014/main" id="{79B839C4-DB90-7C6E-9A6A-925BB046D624}"/>
-                </a:ext>
-              </a:extLst>
-            </p:cNvPr>
-            <p:cNvPicPr>
-              <a:picLocks noChangeAspect="1" noChangeArrowheads="1"/>
-            </p:cNvPicPr>
-            <p:nvPr/>
-          </p:nvPicPr>
-          <p:blipFill>
-            <a:blip r:embed="rId3">
-              <a:extLst>
-                <a:ext uri="{28A0092B-C50C-407E-A947-70E740481C1C}">
-                  <a14:useLocalDpi xmlns:a14="http://schemas.microsoft.com/office/drawing/2010/main" val="0"/>
-                </a:ext>
-              </a:extLst>
-            </a:blip>
-            <a:srcRect/>
-            <a:stretch>
-              <a:fillRect/>
-            </a:stretch>
-          </p:blipFill>
-          <p:spPr bwMode="auto">
-            <a:xfrm>
-              <a:off x="481935" y="2978757"/>
-              <a:ext cx="218784" cy="218784"/>
-            </a:xfrm>
-            <a:prstGeom prst="rect">
-              <a:avLst/>
-            </a:prstGeom>
-            <a:noFill/>
-            <a:extLst>
-              <a:ext uri="{909E8E84-426E-40DD-AFC4-6F175D3DCCD1}">
-                <a14:hiddenFill xmlns:a14="http://schemas.microsoft.com/office/drawing/2010/main">
-                  <a:solidFill>
-                    <a:srgbClr val="FFFFFF"/>
-                  </a:solidFill>
-                </a14:hiddenFill>
-              </a:ext>
-            </a:extLst>
-          </p:spPr>
-        </p:pic>
-      </p:grpSp>
-      <p:grpSp>
-        <p:nvGrpSpPr>
-          <p:cNvPr id="28" name="Group 27">
-            <a:extLst>
-              <a:ext uri="{FF2B5EF4-FFF2-40B4-BE49-F238E27FC236}">
-                <a16:creationId xmlns:a16="http://schemas.microsoft.com/office/drawing/2014/main" id="{EAD42C35-3A2D-3475-BF2D-FA11FC3194A0}"/>
-              </a:ext>
-            </a:extLst>
-          </p:cNvPr>
-          <p:cNvGrpSpPr/>
-          <p:nvPr/>
-        </p:nvGrpSpPr>
-        <p:grpSpPr>
-          <a:xfrm>
-            <a:off x="349229" y="3736101"/>
-            <a:ext cx="11463020" cy="2748831"/>
+            <a:off x="349229" y="3936129"/>
+            <a:ext cx="11463020" cy="2654609"/>
             <a:chOff x="349229" y="3736101"/>
-            <a:chExt cx="11463020" cy="2748831"/>
+            <a:chExt cx="11463020" cy="2654609"/>
           </a:xfrm>
         </p:grpSpPr>
         <p:grpSp>
@@ -4916,9 +4372,9 @@
           <p:grpSpPr>
             <a:xfrm>
               <a:off x="349229" y="3736101"/>
-              <a:ext cx="11463020" cy="2748831"/>
+              <a:ext cx="11463020" cy="2654609"/>
               <a:chOff x="1495426" y="2671763"/>
-              <a:chExt cx="2862702" cy="2748831"/>
+              <a:chExt cx="2862702" cy="2654609"/>
             </a:xfrm>
           </p:grpSpPr>
           <p:sp>
@@ -4992,7 +4448,7 @@
                     <a:ea typeface="Segoe UI Historic" panose="020B0502040204020203" pitchFamily="34" charset="0"/>
                     <a:cs typeface="Segoe UI Historic" panose="020B0502040204020203" pitchFamily="34" charset="0"/>
                   </a:rPr>
-                  <a:t>Visualization</a:t>
+                  <a:t>DQFT execution and visualization</a:t>
                 </a:r>
               </a:p>
             </p:txBody>
@@ -5011,8 +4467,8 @@
             </p:nvSpPr>
             <p:spPr>
               <a:xfrm>
-                <a:off x="1495426" y="3233099"/>
-                <a:ext cx="2862702" cy="2187495"/>
+                <a:off x="1495426" y="3233100"/>
+                <a:ext cx="2862702" cy="2093272"/>
               </a:xfrm>
               <a:prstGeom prst="rect">
                 <a:avLst/>
@@ -5085,14 +4541,14 @@
             <p:nvPr/>
           </p:nvPicPr>
           <p:blipFill>
-            <a:blip r:embed="rId5"/>
+            <a:blip r:embed="rId2"/>
             <a:stretch>
               <a:fillRect/>
             </a:stretch>
           </p:blipFill>
           <p:spPr>
             <a:xfrm>
-              <a:off x="488371" y="5010743"/>
+              <a:off x="488371" y="4982167"/>
               <a:ext cx="6056316" cy="1178498"/>
             </a:xfrm>
             <a:prstGeom prst="rect">
@@ -5115,14 +4571,14 @@
             <p:nvPr/>
           </p:nvPicPr>
           <p:blipFill>
-            <a:blip r:embed="rId6"/>
+            <a:blip r:embed="rId3"/>
             <a:stretch>
               <a:fillRect/>
             </a:stretch>
           </p:blipFill>
           <p:spPr>
             <a:xfrm>
-              <a:off x="6778599" y="5194116"/>
+              <a:off x="6778599" y="5165540"/>
               <a:ext cx="2627439" cy="699067"/>
             </a:xfrm>
             <a:prstGeom prst="rect">
@@ -5145,14 +4601,14 @@
             <p:nvPr/>
           </p:nvPicPr>
           <p:blipFill>
-            <a:blip r:embed="rId7"/>
+            <a:blip r:embed="rId4"/>
             <a:stretch>
               <a:fillRect/>
             </a:stretch>
           </p:blipFill>
           <p:spPr>
             <a:xfrm>
-              <a:off x="9639950" y="4906424"/>
+              <a:off x="9639950" y="4877848"/>
               <a:ext cx="1648798" cy="1508203"/>
             </a:xfrm>
             <a:prstGeom prst="rect">
@@ -5175,7 +4631,7 @@
             <p:nvPr/>
           </p:nvPicPr>
           <p:blipFill>
-            <a:blip r:embed="rId8">
+            <a:blip r:embed="rId5">
               <a:extLst>
                 <a:ext uri="{28A0092B-C50C-407E-A947-70E740481C1C}">
                   <a14:useLocalDpi xmlns:a14="http://schemas.microsoft.com/office/drawing/2010/main" val="0"/>
@@ -5210,10 +4666,10 @@
       </p:grpSp>
       <p:grpSp>
         <p:nvGrpSpPr>
-          <p:cNvPr id="29" name="Group 28">
-            <a:extLst>
-              <a:ext uri="{FF2B5EF4-FFF2-40B4-BE49-F238E27FC236}">
-                <a16:creationId xmlns:a16="http://schemas.microsoft.com/office/drawing/2014/main" id="{63FE704F-280A-2864-50CD-112A8D939FEB}"/>
+          <p:cNvPr id="12" name="Group 11">
+            <a:extLst>
+              <a:ext uri="{FF2B5EF4-FFF2-40B4-BE49-F238E27FC236}">
+                <a16:creationId xmlns:a16="http://schemas.microsoft.com/office/drawing/2014/main" id="{1B2152DB-216E-45D8-C8C5-CDCEEF42C5EB}"/>
               </a:ext>
             </a:extLst>
           </p:cNvPr>
@@ -5222,328 +4678,2892 @@
         </p:nvGrpSpPr>
         <p:grpSpPr>
           <a:xfrm>
-            <a:off x="4468622" y="401202"/>
-            <a:ext cx="4937415" cy="3027798"/>
-            <a:chOff x="4468623" y="401202"/>
-            <a:chExt cx="3997882" cy="3027798"/>
+            <a:off x="349229" y="1246798"/>
+            <a:ext cx="5452481" cy="2487772"/>
+            <a:chOff x="1495426" y="2671763"/>
+            <a:chExt cx="2862702" cy="2487772"/>
           </a:xfrm>
         </p:grpSpPr>
-        <p:grpSp>
-          <p:nvGrpSpPr>
-            <p:cNvPr id="12" name="Group 11">
+        <p:sp>
+          <p:nvSpPr>
+            <p:cNvPr id="13" name="Rectangle 12">
               <a:extLst>
                 <a:ext uri="{FF2B5EF4-FFF2-40B4-BE49-F238E27FC236}">
-                  <a16:creationId xmlns:a16="http://schemas.microsoft.com/office/drawing/2014/main" id="{1B2152DB-216E-45D8-C8C5-CDCEEF42C5EB}"/>
+                  <a16:creationId xmlns:a16="http://schemas.microsoft.com/office/drawing/2014/main" id="{9AB9B94D-E69F-0F22-9A37-18CB6BD11038}"/>
                 </a:ext>
               </a:extLst>
             </p:cNvPr>
-            <p:cNvGrpSpPr/>
+            <p:cNvSpPr/>
             <p:nvPr/>
-          </p:nvGrpSpPr>
-          <p:grpSpPr>
+          </p:nvSpPr>
+          <p:spPr>
             <a:xfrm>
-              <a:off x="4468623" y="401202"/>
-              <a:ext cx="3997882" cy="3027798"/>
-              <a:chOff x="1495426" y="2671763"/>
-              <a:chExt cx="2862702" cy="3027798"/>
+              <a:off x="1495426" y="2671763"/>
+              <a:ext cx="2862702" cy="561336"/>
             </a:xfrm>
-          </p:grpSpPr>
-          <p:sp>
-            <p:nvSpPr>
-              <p:cNvPr id="13" name="Rectangle 12">
-                <a:extLst>
-                  <a:ext uri="{FF2B5EF4-FFF2-40B4-BE49-F238E27FC236}">
-                    <a16:creationId xmlns:a16="http://schemas.microsoft.com/office/drawing/2014/main" id="{9AB9B94D-E69F-0F22-9A37-18CB6BD11038}"/>
-                  </a:ext>
-                </a:extLst>
-              </p:cNvPr>
-              <p:cNvSpPr/>
-              <p:nvPr/>
-            </p:nvSpPr>
-            <p:spPr>
-              <a:xfrm>
-                <a:off x="1495426" y="2671763"/>
-                <a:ext cx="2862702" cy="561336"/>
-              </a:xfrm>
-              <a:prstGeom prst="rect">
-                <a:avLst/>
-              </a:prstGeom>
+            <a:prstGeom prst="rect">
+              <a:avLst/>
+            </a:prstGeom>
+            <a:solidFill>
+              <a:schemeClr val="bg1">
+                <a:lumMod val="50000"/>
+              </a:schemeClr>
+            </a:solidFill>
+            <a:ln w="9525">
               <a:solidFill>
-                <a:schemeClr val="bg1">
+                <a:schemeClr val="bg2">
                   <a:lumMod val="50000"/>
                 </a:schemeClr>
               </a:solidFill>
-              <a:ln w="9525">
-                <a:solidFill>
-                  <a:schemeClr val="bg2">
-                    <a:lumMod val="50000"/>
-                  </a:schemeClr>
-                </a:solidFill>
-              </a:ln>
-              <a:effectLst>
-                <a:outerShdw blurRad="50800" dist="38100" dir="2700000" algn="tl" rotWithShape="0">
-                  <a:prstClr val="black">
-                    <a:alpha val="40000"/>
-                  </a:prstClr>
-                </a:outerShdw>
-              </a:effectLst>
-            </p:spPr>
-            <p:style>
-              <a:lnRef idx="2">
-                <a:schemeClr val="accent1">
-                  <a:shade val="50000"/>
+            </a:ln>
+            <a:effectLst>
+              <a:outerShdw blurRad="50800" dist="38100" dir="2700000" algn="tl" rotWithShape="0">
+                <a:prstClr val="black">
+                  <a:alpha val="40000"/>
+                </a:prstClr>
+              </a:outerShdw>
+            </a:effectLst>
+          </p:spPr>
+          <p:style>
+            <a:lnRef idx="2">
+              <a:schemeClr val="accent1">
+                <a:shade val="50000"/>
+              </a:schemeClr>
+            </a:lnRef>
+            <a:fillRef idx="1">
+              <a:schemeClr val="accent1"/>
+            </a:fillRef>
+            <a:effectRef idx="0">
+              <a:schemeClr val="accent1"/>
+            </a:effectRef>
+            <a:fontRef idx="minor">
+              <a:schemeClr val="lt1"/>
+            </a:fontRef>
+          </p:style>
+          <p:txBody>
+            <a:bodyPr lIns="182880" rtlCol="0" anchor="ctr"/>
+            <a:lstStyle/>
+            <a:p>
+              <a:r>
+                <a:rPr lang="en-US" sz="2000" b="1" dirty="0">
+                  <a:solidFill>
+                    <a:schemeClr val="bg1">
+                      <a:lumMod val="95000"/>
+                    </a:schemeClr>
+                  </a:solidFill>
+                  <a:latin typeface="Avenir Book" panose="02000503020000020003" pitchFamily="2" charset="0"/>
+                  <a:ea typeface="Segoe UI Historic" panose="020B0502040204020203" pitchFamily="34" charset="0"/>
+                  <a:cs typeface="Segoe UI Historic" panose="020B0502040204020203" pitchFamily="34" charset="0"/>
+                </a:rPr>
+                <a:t>DQFT circuit generation</a:t>
+              </a:r>
+            </a:p>
+          </p:txBody>
+        </p:sp>
+        <p:sp>
+          <p:nvSpPr>
+            <p:cNvPr id="14" name="Rectangle 13">
+              <a:extLst>
+                <a:ext uri="{FF2B5EF4-FFF2-40B4-BE49-F238E27FC236}">
+                  <a16:creationId xmlns:a16="http://schemas.microsoft.com/office/drawing/2014/main" id="{25314255-D0B4-63DA-5D96-95AEE0CAA3B9}"/>
+                </a:ext>
+              </a:extLst>
+            </p:cNvPr>
+            <p:cNvSpPr/>
+            <p:nvPr/>
+          </p:nvSpPr>
+          <p:spPr>
+            <a:xfrm>
+              <a:off x="1495426" y="3233099"/>
+              <a:ext cx="2862702" cy="1926436"/>
+            </a:xfrm>
+            <a:prstGeom prst="rect">
+              <a:avLst/>
+            </a:prstGeom>
+            <a:solidFill>
+              <a:schemeClr val="bg1"/>
+            </a:solidFill>
+            <a:ln w="9525">
+              <a:solidFill>
+                <a:schemeClr val="bg2">
+                  <a:lumMod val="50000"/>
                 </a:schemeClr>
-              </a:lnRef>
-              <a:fillRef idx="1">
-                <a:schemeClr val="accent1"/>
-              </a:fillRef>
-              <a:effectRef idx="0">
-                <a:schemeClr val="accent1"/>
-              </a:effectRef>
-              <a:fontRef idx="minor">
-                <a:schemeClr val="lt1"/>
-              </a:fontRef>
-            </p:style>
-            <p:txBody>
-              <a:bodyPr lIns="182880" rtlCol="0" anchor="ctr"/>
-              <a:lstStyle/>
-              <a:p>
-                <a:r>
-                  <a:rPr lang="en-US" sz="2000" b="1" dirty="0">
-                    <a:solidFill>
-                      <a:schemeClr val="bg1">
-                        <a:lumMod val="95000"/>
-                      </a:schemeClr>
-                    </a:solidFill>
-                    <a:latin typeface="Avenir Book" panose="02000503020000020003" pitchFamily="2" charset="0"/>
-                    <a:ea typeface="Segoe UI Historic" panose="020B0502040204020203" pitchFamily="34" charset="0"/>
-                    <a:cs typeface="Segoe UI Historic" panose="020B0502040204020203" pitchFamily="34" charset="0"/>
-                  </a:rPr>
-                  <a:t>Circuit generation and validation</a:t>
-                </a:r>
-              </a:p>
-            </p:txBody>
-          </p:sp>
-          <p:sp>
-            <p:nvSpPr>
-              <p:cNvPr id="14" name="Rectangle 13">
-                <a:extLst>
-                  <a:ext uri="{FF2B5EF4-FFF2-40B4-BE49-F238E27FC236}">
-                    <a16:creationId xmlns:a16="http://schemas.microsoft.com/office/drawing/2014/main" id="{25314255-D0B4-63DA-5D96-95AEE0CAA3B9}"/>
-                  </a:ext>
-                </a:extLst>
-              </p:cNvPr>
-              <p:cNvSpPr/>
-              <p:nvPr/>
-            </p:nvSpPr>
-            <p:spPr>
-              <a:xfrm>
-                <a:off x="1495426" y="3233099"/>
-                <a:ext cx="2862702" cy="2466462"/>
-              </a:xfrm>
-              <a:prstGeom prst="rect">
-                <a:avLst/>
-              </a:prstGeom>
-              <a:solidFill>
-                <a:schemeClr val="bg1"/>
               </a:solidFill>
-              <a:ln w="9525">
-                <a:solidFill>
-                  <a:schemeClr val="bg2">
-                    <a:lumMod val="50000"/>
-                  </a:schemeClr>
-                </a:solidFill>
-              </a:ln>
-              <a:effectLst>
-                <a:outerShdw blurRad="50800" dist="38100" dir="2700000" algn="tl" rotWithShape="0">
-                  <a:prstClr val="black">
-                    <a:alpha val="40000"/>
-                  </a:prstClr>
-                </a:outerShdw>
-              </a:effectLst>
-            </p:spPr>
-            <p:style>
-              <a:lnRef idx="2">
-                <a:schemeClr val="accent1">
-                  <a:shade val="50000"/>
-                </a:schemeClr>
-              </a:lnRef>
-              <a:fillRef idx="1">
-                <a:schemeClr val="accent1"/>
-              </a:fillRef>
-              <a:effectRef idx="0">
-                <a:schemeClr val="accent1"/>
-              </a:effectRef>
-              <a:fontRef idx="minor">
-                <a:schemeClr val="lt1"/>
-              </a:fontRef>
-            </p:style>
-            <p:txBody>
-              <a:bodyPr lIns="182880" tIns="182880" rtlCol="0" anchor="t" anchorCtr="0"/>
-              <a:lstStyle/>
-              <a:p>
-                <a:r>
-                  <a:rPr lang="en-US" sz="2000" dirty="0">
-                    <a:solidFill>
-                      <a:schemeClr val="tx1"/>
-                    </a:solidFill>
-                    <a:latin typeface="Avenir Book" panose="02000503020000020003" pitchFamily="2" charset="0"/>
-                    <a:ea typeface="Segoe UI Historic" panose="020B0502040204020203" pitchFamily="34" charset="0"/>
-                    <a:cs typeface="Segoe UI Historic" panose="020B0502040204020203" pitchFamily="34" charset="0"/>
-                  </a:rPr>
-                  <a:t>Python classes and scripts</a:t>
-                </a:r>
-              </a:p>
-              <a:p>
-                <a:pPr marL="160020" indent="-251460">
-                  <a:buFont typeface="Arial" panose="020B0604020202020204" pitchFamily="34" charset="0"/>
-                  <a:buChar char="•"/>
-                </a:pPr>
-                <a:r>
-                  <a:rPr lang="en-US" sz="2000" dirty="0">
-                    <a:solidFill>
-                      <a:schemeClr val="tx1"/>
-                    </a:solidFill>
-                    <a:latin typeface="Avenir Book" panose="02000503020000020003" pitchFamily="2" charset="0"/>
-                    <a:ea typeface="Segoe UI Historic" panose="020B0502040204020203" pitchFamily="34" charset="0"/>
-                    <a:cs typeface="Segoe UI Historic" panose="020B0502040204020203" pitchFamily="34" charset="0"/>
-                  </a:rPr>
-                  <a:t>Qiskit Terra and Aer</a:t>
-                </a:r>
-              </a:p>
-              <a:p>
-                <a:pPr marL="160020" indent="-251460">
-                  <a:buFont typeface="Arial" panose="020B0604020202020204" pitchFamily="34" charset="0"/>
-                  <a:buChar char="•"/>
-                </a:pPr>
-                <a:r>
-                  <a:rPr lang="en-US" sz="2000" dirty="0">
-                    <a:solidFill>
-                      <a:schemeClr val="tx1"/>
-                    </a:solidFill>
-                    <a:latin typeface="Avenir Book" panose="02000503020000020003" pitchFamily="2" charset="0"/>
-                    <a:ea typeface="Segoe UI Historic" panose="020B0502040204020203" pitchFamily="34" charset="0"/>
-                    <a:cs typeface="Segoe UI Historic" panose="020B0502040204020203" pitchFamily="34" charset="0"/>
-                  </a:rPr>
-                  <a:t>Clusters and processors</a:t>
-                </a:r>
-              </a:p>
-              <a:p>
-                <a:pPr marL="160020" indent="-251460">
-                  <a:buFont typeface="Arial" panose="020B0604020202020204" pitchFamily="34" charset="0"/>
-                  <a:buChar char="•"/>
-                </a:pPr>
-                <a:r>
-                  <a:rPr lang="en-US" sz="2000" dirty="0">
-                    <a:solidFill>
-                      <a:schemeClr val="tx1"/>
-                    </a:solidFill>
-                    <a:latin typeface="Avenir Book" panose="02000503020000020003" pitchFamily="2" charset="0"/>
-                    <a:ea typeface="Segoe UI Historic" panose="020B0502040204020203" pitchFamily="34" charset="0"/>
-                    <a:cs typeface="Segoe UI Historic" panose="020B0502040204020203" pitchFamily="34" charset="0"/>
-                  </a:rPr>
-                  <a:t>Teleportation and cat states</a:t>
-                </a:r>
-              </a:p>
-              <a:p>
-                <a:pPr marL="160020" indent="-251460">
-                  <a:buFont typeface="Arial" panose="020B0604020202020204" pitchFamily="34" charset="0"/>
-                  <a:buChar char="•"/>
-                </a:pPr>
-                <a:r>
-                  <a:rPr lang="en-US" sz="2000" dirty="0">
-                    <a:solidFill>
-                      <a:schemeClr val="tx1"/>
-                    </a:solidFill>
-                    <a:latin typeface="Avenir Book" panose="02000503020000020003" pitchFamily="2" charset="0"/>
-                    <a:ea typeface="Segoe UI Historic" panose="020B0502040204020203" pitchFamily="34" charset="0"/>
-                    <a:cs typeface="Segoe UI Historic" panose="020B0502040204020203" pitchFamily="34" charset="0"/>
-                  </a:rPr>
-                  <a:t>QFT and DQFT</a:t>
-                </a:r>
-              </a:p>
-              <a:p>
-                <a:pPr marL="160020" indent="-251460">
-                  <a:buFont typeface="Arial" panose="020B0604020202020204" pitchFamily="34" charset="0"/>
-                  <a:buChar char="•"/>
-                </a:pPr>
-                <a:r>
-                  <a:rPr lang="en-US" sz="2000" dirty="0">
-                    <a:solidFill>
-                      <a:schemeClr val="tx1"/>
-                    </a:solidFill>
-                    <a:latin typeface="Avenir Book" panose="02000503020000020003" pitchFamily="2" charset="0"/>
-                    <a:ea typeface="Segoe UI Historic" panose="020B0502040204020203" pitchFamily="34" charset="0"/>
-                    <a:cs typeface="Segoe UI Historic" panose="020B0502040204020203" pitchFamily="34" charset="0"/>
-                  </a:rPr>
-                  <a:t>Histogram comparison</a:t>
-                </a:r>
-              </a:p>
-              <a:p>
-                <a:endParaRPr lang="en-US" sz="2000" dirty="0">
+            </a:ln>
+            <a:effectLst>
+              <a:outerShdw blurRad="50800" dist="38100" dir="2700000" algn="tl" rotWithShape="0">
+                <a:prstClr val="black">
+                  <a:alpha val="40000"/>
+                </a:prstClr>
+              </a:outerShdw>
+            </a:effectLst>
+          </p:spPr>
+          <p:style>
+            <a:lnRef idx="2">
+              <a:schemeClr val="accent1">
+                <a:shade val="50000"/>
+              </a:schemeClr>
+            </a:lnRef>
+            <a:fillRef idx="1">
+              <a:schemeClr val="accent1"/>
+            </a:fillRef>
+            <a:effectRef idx="0">
+              <a:schemeClr val="accent1"/>
+            </a:effectRef>
+            <a:fontRef idx="minor">
+              <a:schemeClr val="lt1"/>
+            </a:fontRef>
+          </p:style>
+          <p:txBody>
+            <a:bodyPr lIns="182880" tIns="182880" rtlCol="0" anchor="t" anchorCtr="0"/>
+            <a:lstStyle/>
+            <a:p>
+              <a:pPr marL="160020" indent="-251460">
+                <a:buFont typeface="Arial" panose="020B0604020202020204" pitchFamily="34" charset="0"/>
+                <a:buChar char="•"/>
+              </a:pPr>
+              <a:r>
+                <a:rPr lang="en-US" sz="2000" dirty="0">
                   <a:solidFill>
                     <a:schemeClr val="tx1"/>
                   </a:solidFill>
                   <a:latin typeface="Avenir Book" panose="02000503020000020003" pitchFamily="2" charset="0"/>
                   <a:ea typeface="Segoe UI Historic" panose="020B0502040204020203" pitchFamily="34" charset="0"/>
                   <a:cs typeface="Segoe UI Historic" panose="020B0502040204020203" pitchFamily="34" charset="0"/>
-                </a:endParaRPr>
-              </a:p>
-            </p:txBody>
-          </p:sp>
-        </p:grpSp>
-        <p:pic>
-          <p:nvPicPr>
-            <p:cNvPr id="1036" name="Picture 12" descr="Python icon - Free download on Iconfinder">
+                </a:rPr>
+                <a:t>Python classes and scripts</a:t>
+              </a:r>
+            </a:p>
+            <a:p>
+              <a:pPr marL="160020" indent="-251460">
+                <a:buFont typeface="Arial" panose="020B0604020202020204" pitchFamily="34" charset="0"/>
+                <a:buChar char="•"/>
+              </a:pPr>
+              <a:r>
+                <a:rPr lang="en-US" sz="2000" dirty="0">
+                  <a:solidFill>
+                    <a:schemeClr val="tx1"/>
+                  </a:solidFill>
+                  <a:latin typeface="Avenir Book" panose="02000503020000020003" pitchFamily="2" charset="0"/>
+                  <a:ea typeface="Segoe UI Historic" panose="020B0502040204020203" pitchFamily="34" charset="0"/>
+                  <a:cs typeface="Segoe UI Historic" panose="020B0502040204020203" pitchFamily="34" charset="0"/>
+                </a:rPr>
+                <a:t>Cluster and processor abstractions</a:t>
+              </a:r>
+            </a:p>
+            <a:p>
+              <a:pPr marL="160020" indent="-251460">
+                <a:buFont typeface="Arial" panose="020B0604020202020204" pitchFamily="34" charset="0"/>
+                <a:buChar char="•"/>
+              </a:pPr>
+              <a:r>
+                <a:rPr lang="en-US" sz="2000" dirty="0">
+                  <a:solidFill>
+                    <a:schemeClr val="tx1"/>
+                  </a:solidFill>
+                  <a:latin typeface="Avenir Book" panose="02000503020000020003" pitchFamily="2" charset="0"/>
+                  <a:ea typeface="Segoe UI Historic" panose="020B0502040204020203" pitchFamily="34" charset="0"/>
+                  <a:cs typeface="Segoe UI Historic" panose="020B0502040204020203" pitchFamily="34" charset="0"/>
+                </a:rPr>
+                <a:t>Teleportation and cat state abstractions</a:t>
+              </a:r>
+            </a:p>
+            <a:p>
+              <a:pPr marL="160020" indent="-251460">
+                <a:buFont typeface="Arial" panose="020B0604020202020204" pitchFamily="34" charset="0"/>
+                <a:buChar char="•"/>
+              </a:pPr>
+              <a:r>
+                <a:rPr lang="en-US" sz="2000" dirty="0">
+                  <a:solidFill>
+                    <a:schemeClr val="tx1"/>
+                  </a:solidFill>
+                  <a:latin typeface="Avenir Book" panose="02000503020000020003" pitchFamily="2" charset="0"/>
+                  <a:ea typeface="Segoe UI Historic" panose="020B0502040204020203" pitchFamily="34" charset="0"/>
+                  <a:cs typeface="Segoe UI Historic" panose="020B0502040204020203" pitchFamily="34" charset="0"/>
+                </a:rPr>
+                <a:t>QFT and DQFT algorithms</a:t>
+              </a:r>
+            </a:p>
+          </p:txBody>
+        </p:sp>
+      </p:grpSp>
+      <p:grpSp>
+        <p:nvGrpSpPr>
+          <p:cNvPr id="17" name="Group 16">
+            <a:extLst>
+              <a:ext uri="{FF2B5EF4-FFF2-40B4-BE49-F238E27FC236}">
+                <a16:creationId xmlns:a16="http://schemas.microsoft.com/office/drawing/2014/main" id="{7533717E-A5AB-6982-3A14-4D4DBA1A0AD5}"/>
+              </a:ext>
+            </a:extLst>
+          </p:cNvPr>
+          <p:cNvGrpSpPr/>
+          <p:nvPr/>
+        </p:nvGrpSpPr>
+        <p:grpSpPr>
+          <a:xfrm>
+            <a:off x="6359768" y="1255894"/>
+            <a:ext cx="5452481" cy="2478676"/>
+            <a:chOff x="1495426" y="2671763"/>
+            <a:chExt cx="2862702" cy="2478676"/>
+          </a:xfrm>
+        </p:grpSpPr>
+        <p:sp>
+          <p:nvSpPr>
+            <p:cNvPr id="18" name="Rectangle 17">
               <a:extLst>
                 <a:ext uri="{FF2B5EF4-FFF2-40B4-BE49-F238E27FC236}">
-                  <a16:creationId xmlns:a16="http://schemas.microsoft.com/office/drawing/2014/main" id="{85CDF557-2B48-D3BA-832F-1CAE1868481F}"/>
+                  <a16:creationId xmlns:a16="http://schemas.microsoft.com/office/drawing/2014/main" id="{A18C3AD8-D725-A8FC-8BAC-B3BC0CCEF6F0}"/>
                 </a:ext>
               </a:extLst>
             </p:cNvPr>
-            <p:cNvPicPr>
-              <a:picLocks noChangeAspect="1" noChangeArrowheads="1"/>
-            </p:cNvPicPr>
+            <p:cNvSpPr/>
             <p:nvPr/>
-          </p:nvPicPr>
-          <p:blipFill>
-            <a:blip r:embed="rId9">
-              <a:extLst>
-                <a:ext uri="{28A0092B-C50C-407E-A947-70E740481C1C}">
-                  <a14:useLocalDpi xmlns:a14="http://schemas.microsoft.com/office/drawing/2010/main" val="0"/>
-                </a:ext>
-              </a:extLst>
-            </a:blip>
-            <a:srcRect/>
-            <a:stretch>
-              <a:fillRect/>
-            </a:stretch>
-          </p:blipFill>
-          <p:spPr bwMode="auto">
+          </p:nvSpPr>
+          <p:spPr>
             <a:xfrm>
-              <a:off x="7624622" y="1140851"/>
-              <a:ext cx="335638" cy="335638"/>
+              <a:off x="1495426" y="2671763"/>
+              <a:ext cx="2862702" cy="561336"/>
             </a:xfrm>
             <a:prstGeom prst="rect">
               <a:avLst/>
             </a:prstGeom>
-            <a:noFill/>
-            <a:extLst>
-              <a:ext uri="{909E8E84-426E-40DD-AFC4-6F175D3DCCD1}">
-                <a14:hiddenFill xmlns:a14="http://schemas.microsoft.com/office/drawing/2010/main">
+            <a:solidFill>
+              <a:schemeClr val="bg1">
+                <a:lumMod val="50000"/>
+              </a:schemeClr>
+            </a:solidFill>
+            <a:ln w="9525">
+              <a:solidFill>
+                <a:schemeClr val="bg2">
+                  <a:lumMod val="50000"/>
+                </a:schemeClr>
+              </a:solidFill>
+            </a:ln>
+            <a:effectLst>
+              <a:outerShdw blurRad="50800" dist="38100" dir="2700000" algn="tl" rotWithShape="0">
+                <a:prstClr val="black">
+                  <a:alpha val="40000"/>
+                </a:prstClr>
+              </a:outerShdw>
+            </a:effectLst>
+          </p:spPr>
+          <p:style>
+            <a:lnRef idx="2">
+              <a:schemeClr val="accent1">
+                <a:shade val="50000"/>
+              </a:schemeClr>
+            </a:lnRef>
+            <a:fillRef idx="1">
+              <a:schemeClr val="accent1"/>
+            </a:fillRef>
+            <a:effectRef idx="0">
+              <a:schemeClr val="accent1"/>
+            </a:effectRef>
+            <a:fontRef idx="minor">
+              <a:schemeClr val="lt1"/>
+            </a:fontRef>
+          </p:style>
+          <p:txBody>
+            <a:bodyPr lIns="182880" rtlCol="0" anchor="ctr"/>
+            <a:lstStyle/>
+            <a:p>
+              <a:r>
+                <a:rPr lang="en-US" sz="2000" b="1" dirty="0">
                   <a:solidFill>
-                    <a:srgbClr val="FFFFFF"/>
+                    <a:schemeClr val="bg1">
+                      <a:lumMod val="95000"/>
+                    </a:schemeClr>
                   </a:solidFill>
-                </a14:hiddenFill>
-              </a:ext>
-            </a:extLst>
+                  <a:latin typeface="Avenir Book" panose="02000503020000020003" pitchFamily="2" charset="0"/>
+                  <a:ea typeface="Segoe UI Historic" panose="020B0502040204020203" pitchFamily="34" charset="0"/>
+                  <a:cs typeface="Segoe UI Historic" panose="020B0502040204020203" pitchFamily="34" charset="0"/>
+                </a:rPr>
+                <a:t>DQFT circuit validation</a:t>
+              </a:r>
+            </a:p>
+          </p:txBody>
+        </p:sp>
+        <p:sp>
+          <p:nvSpPr>
+            <p:cNvPr id="20" name="Rectangle 19">
+              <a:extLst>
+                <a:ext uri="{FF2B5EF4-FFF2-40B4-BE49-F238E27FC236}">
+                  <a16:creationId xmlns:a16="http://schemas.microsoft.com/office/drawing/2014/main" id="{7733339F-A583-6ADA-D618-BA8863E2AE87}"/>
+                </a:ext>
+              </a:extLst>
+            </p:cNvPr>
+            <p:cNvSpPr/>
+            <p:nvPr/>
+          </p:nvSpPr>
+          <p:spPr>
+            <a:xfrm>
+              <a:off x="1495426" y="3233099"/>
+              <a:ext cx="2862702" cy="1917340"/>
+            </a:xfrm>
+            <a:prstGeom prst="rect">
+              <a:avLst/>
+            </a:prstGeom>
+            <a:solidFill>
+              <a:schemeClr val="bg1"/>
+            </a:solidFill>
+            <a:ln w="9525">
+              <a:solidFill>
+                <a:schemeClr val="bg2">
+                  <a:lumMod val="50000"/>
+                </a:schemeClr>
+              </a:solidFill>
+            </a:ln>
+            <a:effectLst>
+              <a:outerShdw blurRad="50800" dist="38100" dir="2700000" algn="tl" rotWithShape="0">
+                <a:prstClr val="black">
+                  <a:alpha val="40000"/>
+                </a:prstClr>
+              </a:outerShdw>
+            </a:effectLst>
           </p:spPr>
-        </p:pic>
+          <p:style>
+            <a:lnRef idx="2">
+              <a:schemeClr val="accent1">
+                <a:shade val="50000"/>
+              </a:schemeClr>
+            </a:lnRef>
+            <a:fillRef idx="1">
+              <a:schemeClr val="accent1"/>
+            </a:fillRef>
+            <a:effectRef idx="0">
+              <a:schemeClr val="accent1"/>
+            </a:effectRef>
+            <a:fontRef idx="minor">
+              <a:schemeClr val="lt1"/>
+            </a:fontRef>
+          </p:style>
+          <p:txBody>
+            <a:bodyPr lIns="182880" tIns="182880" rtlCol="0" anchor="t" anchorCtr="0"/>
+            <a:lstStyle/>
+            <a:p>
+              <a:pPr marL="160020" indent="-251460">
+                <a:buFont typeface="Arial" panose="020B0604020202020204" pitchFamily="34" charset="0"/>
+                <a:buChar char="•"/>
+              </a:pPr>
+              <a:r>
+                <a:rPr lang="en-US" sz="2000" dirty="0">
+                  <a:solidFill>
+                    <a:schemeClr val="tx1"/>
+                  </a:solidFill>
+                  <a:latin typeface="Avenir Book" panose="02000503020000020003" pitchFamily="2" charset="0"/>
+                  <a:ea typeface="Segoe UI Historic" panose="020B0502040204020203" pitchFamily="34" charset="0"/>
+                  <a:cs typeface="Segoe UI Historic" panose="020B0502040204020203" pitchFamily="34" charset="0"/>
+                </a:rPr>
+                <a:t>Python classes and scripts</a:t>
+              </a:r>
+            </a:p>
+            <a:p>
+              <a:pPr marL="160020" indent="-251460">
+                <a:buFont typeface="Arial" panose="020B0604020202020204" pitchFamily="34" charset="0"/>
+                <a:buChar char="•"/>
+              </a:pPr>
+              <a:r>
+                <a:rPr lang="en-US" sz="2000" dirty="0">
+                  <a:solidFill>
+                    <a:schemeClr val="tx1"/>
+                  </a:solidFill>
+                  <a:latin typeface="Avenir Book" panose="02000503020000020003" pitchFamily="2" charset="0"/>
+                  <a:ea typeface="Segoe UI Historic" panose="020B0502040204020203" pitchFamily="34" charset="0"/>
+                  <a:cs typeface="Segoe UI Historic" panose="020B0502040204020203" pitchFamily="34" charset="0"/>
+                </a:rPr>
+                <a:t>Use states and counts from simulator</a:t>
+              </a:r>
+            </a:p>
+            <a:p>
+              <a:pPr marL="160020" indent="-251460">
+                <a:buFont typeface="Arial" panose="020B0604020202020204" pitchFamily="34" charset="0"/>
+                <a:buChar char="•"/>
+              </a:pPr>
+              <a:r>
+                <a:rPr lang="en-US" sz="2000" dirty="0">
+                  <a:solidFill>
+                    <a:schemeClr val="tx1"/>
+                  </a:solidFill>
+                  <a:latin typeface="Avenir Book" panose="02000503020000020003" pitchFamily="2" charset="0"/>
+                  <a:ea typeface="Segoe UI Historic" panose="020B0502040204020203" pitchFamily="34" charset="0"/>
+                  <a:cs typeface="Segoe UI Historic" panose="020B0502040204020203" pitchFamily="34" charset="0"/>
+                </a:rPr>
+                <a:t>Compare histograms</a:t>
+              </a:r>
+            </a:p>
+            <a:p>
+              <a:pPr marL="160020" indent="-251460">
+                <a:buFont typeface="Arial" panose="020B0604020202020204" pitchFamily="34" charset="0"/>
+                <a:buChar char="•"/>
+              </a:pPr>
+              <a:r>
+                <a:rPr lang="en-US" sz="2000" dirty="0">
+                  <a:solidFill>
+                    <a:schemeClr val="tx1"/>
+                  </a:solidFill>
+                  <a:latin typeface="Avenir Book" panose="02000503020000020003" pitchFamily="2" charset="0"/>
+                  <a:ea typeface="Segoe UI Historic" panose="020B0502040204020203" pitchFamily="34" charset="0"/>
+                  <a:cs typeface="Segoe UI Historic" panose="020B0502040204020203" pitchFamily="34" charset="0"/>
+                </a:rPr>
+                <a:t>Compare state vectors</a:t>
+              </a:r>
+            </a:p>
+            <a:p>
+              <a:pPr marL="160020" indent="-251460">
+                <a:buFont typeface="Arial" panose="020B0604020202020204" pitchFamily="34" charset="0"/>
+                <a:buChar char="•"/>
+              </a:pPr>
+              <a:r>
+                <a:rPr lang="en-US" sz="2000" dirty="0">
+                  <a:solidFill>
+                    <a:schemeClr val="tx1"/>
+                  </a:solidFill>
+                  <a:latin typeface="Avenir Book" panose="02000503020000020003" pitchFamily="2" charset="0"/>
+                  <a:ea typeface="Segoe UI Historic" panose="020B0502040204020203" pitchFamily="34" charset="0"/>
+                  <a:cs typeface="Segoe UI Historic" panose="020B0502040204020203" pitchFamily="34" charset="0"/>
+                </a:rPr>
+                <a:t>Compare density matrices</a:t>
+              </a:r>
+            </a:p>
+            <a:p>
+              <a:endParaRPr lang="en-US" sz="2000" dirty="0">
+                <a:solidFill>
+                  <a:schemeClr val="tx1"/>
+                </a:solidFill>
+                <a:latin typeface="Avenir Book" panose="02000503020000020003" pitchFamily="2" charset="0"/>
+                <a:ea typeface="Segoe UI Historic" panose="020B0502040204020203" pitchFamily="34" charset="0"/>
+                <a:cs typeface="Segoe UI Historic" panose="020B0502040204020203" pitchFamily="34" charset="0"/>
+              </a:endParaRPr>
+            </a:p>
+          </p:txBody>
+        </p:sp>
       </p:grpSp>
+      <p:sp>
+        <p:nvSpPr>
+          <p:cNvPr id="30" name="Rectangle 29">
+            <a:extLst>
+              <a:ext uri="{FF2B5EF4-FFF2-40B4-BE49-F238E27FC236}">
+                <a16:creationId xmlns:a16="http://schemas.microsoft.com/office/drawing/2014/main" id="{41C33452-251A-EFE5-7DF0-598194EF831A}"/>
+              </a:ext>
+            </a:extLst>
+          </p:cNvPr>
+          <p:cNvSpPr/>
+          <p:nvPr/>
+        </p:nvSpPr>
+        <p:spPr>
+          <a:xfrm>
+            <a:off x="352787" y="206524"/>
+            <a:ext cx="11459461" cy="830574"/>
+          </a:xfrm>
+          <a:prstGeom prst="rect">
+            <a:avLst/>
+          </a:prstGeom>
+          <a:solidFill>
+            <a:schemeClr val="bg1">
+              <a:lumMod val="50000"/>
+            </a:schemeClr>
+          </a:solidFill>
+          <a:ln w="9525">
+            <a:solidFill>
+              <a:schemeClr val="bg2">
+                <a:lumMod val="50000"/>
+              </a:schemeClr>
+            </a:solidFill>
+          </a:ln>
+          <a:effectLst>
+            <a:outerShdw blurRad="50800" dist="38100" dir="2700000" algn="tl" rotWithShape="0">
+              <a:prstClr val="black">
+                <a:alpha val="40000"/>
+              </a:prstClr>
+            </a:outerShdw>
+          </a:effectLst>
+        </p:spPr>
+        <p:style>
+          <a:lnRef idx="2">
+            <a:schemeClr val="accent1">
+              <a:shade val="50000"/>
+            </a:schemeClr>
+          </a:lnRef>
+          <a:fillRef idx="1">
+            <a:schemeClr val="accent1"/>
+          </a:fillRef>
+          <a:effectRef idx="0">
+            <a:schemeClr val="accent1"/>
+          </a:effectRef>
+          <a:fontRef idx="minor">
+            <a:schemeClr val="lt1"/>
+          </a:fontRef>
+        </p:style>
+        <p:txBody>
+          <a:bodyPr rtlCol="0" anchor="ctr"/>
+          <a:lstStyle/>
+          <a:p>
+            <a:pPr algn="ctr"/>
+            <a:r>
+              <a:rPr lang="en-US" sz="3600" b="1" dirty="0">
+                <a:solidFill>
+                  <a:schemeClr val="bg1">
+                    <a:lumMod val="95000"/>
+                  </a:schemeClr>
+                </a:solidFill>
+                <a:latin typeface="Avenir Book" panose="02000503020000020003" pitchFamily="2" charset="0"/>
+                <a:ea typeface="Segoe UI Historic" panose="020B0502040204020203" pitchFamily="34" charset="0"/>
+                <a:cs typeface="Segoe UI Historic" panose="020B0502040204020203" pitchFamily="34" charset="0"/>
+              </a:rPr>
+              <a:t>How did we do it?</a:t>
+            </a:r>
+          </a:p>
+        </p:txBody>
+      </p:sp>
     </p:spTree>
     <p:extLst>
       <p:ext uri="{BB962C8B-B14F-4D97-AF65-F5344CB8AC3E}">
-        <p14:creationId xmlns:p14="http://schemas.microsoft.com/office/powerpoint/2010/main" val="2415026236"/>
+        <p14:creationId xmlns:p14="http://schemas.microsoft.com/office/powerpoint/2010/main" val="4226737505"/>
+      </p:ext>
+    </p:extLst>
+  </p:cSld>
+  <p:clrMapOvr>
+    <a:masterClrMapping/>
+  </p:clrMapOvr>
+</p:sld>
+</file>
+
+<file path=ppt/slides/slide3.xml><?xml version="1.0" encoding="utf-8"?>
+<p:sld xmlns:a="http://schemas.openxmlformats.org/drawingml/2006/main" xmlns:r="http://schemas.openxmlformats.org/officeDocument/2006/relationships" xmlns:p="http://schemas.openxmlformats.org/presentationml/2006/main">
+  <p:cSld>
+    <p:spTree>
+      <p:nvGrpSpPr>
+        <p:cNvPr id="1" name=""/>
+        <p:cNvGrpSpPr/>
+        <p:nvPr/>
+      </p:nvGrpSpPr>
+      <p:grpSpPr>
+        <a:xfrm>
+          <a:off x="0" y="0"/>
+          <a:ext cx="0" cy="0"/>
+          <a:chOff x="0" y="0"/>
+          <a:chExt cx="0" cy="0"/>
+        </a:xfrm>
+      </p:grpSpPr>
+      <p:sp>
+        <p:nvSpPr>
+          <p:cNvPr id="30" name="Rectangle 29">
+            <a:extLst>
+              <a:ext uri="{FF2B5EF4-FFF2-40B4-BE49-F238E27FC236}">
+                <a16:creationId xmlns:a16="http://schemas.microsoft.com/office/drawing/2014/main" id="{41C33452-251A-EFE5-7DF0-598194EF831A}"/>
+              </a:ext>
+            </a:extLst>
+          </p:cNvPr>
+          <p:cNvSpPr/>
+          <p:nvPr/>
+        </p:nvSpPr>
+        <p:spPr>
+          <a:xfrm>
+            <a:off x="352787" y="206524"/>
+            <a:ext cx="11459461" cy="830574"/>
+          </a:xfrm>
+          <a:prstGeom prst="rect">
+            <a:avLst/>
+          </a:prstGeom>
+          <a:solidFill>
+            <a:schemeClr val="bg1">
+              <a:lumMod val="50000"/>
+            </a:schemeClr>
+          </a:solidFill>
+          <a:ln w="9525">
+            <a:solidFill>
+              <a:schemeClr val="bg2">
+                <a:lumMod val="50000"/>
+              </a:schemeClr>
+            </a:solidFill>
+          </a:ln>
+          <a:effectLst>
+            <a:outerShdw blurRad="50800" dist="38100" dir="2700000" algn="tl" rotWithShape="0">
+              <a:prstClr val="black">
+                <a:alpha val="40000"/>
+              </a:prstClr>
+            </a:outerShdw>
+          </a:effectLst>
+        </p:spPr>
+        <p:style>
+          <a:lnRef idx="2">
+            <a:schemeClr val="accent1">
+              <a:shade val="50000"/>
+            </a:schemeClr>
+          </a:lnRef>
+          <a:fillRef idx="1">
+            <a:schemeClr val="accent1"/>
+          </a:fillRef>
+          <a:effectRef idx="0">
+            <a:schemeClr val="accent1"/>
+          </a:effectRef>
+          <a:fontRef idx="minor">
+            <a:schemeClr val="lt1"/>
+          </a:fontRef>
+        </p:style>
+        <p:txBody>
+          <a:bodyPr rtlCol="0" anchor="ctr"/>
+          <a:lstStyle/>
+          <a:p>
+            <a:pPr algn="ctr"/>
+            <a:r>
+              <a:rPr lang="en-US" sz="3600" b="1" dirty="0">
+                <a:solidFill>
+                  <a:schemeClr val="bg1">
+                    <a:lumMod val="95000"/>
+                  </a:schemeClr>
+                </a:solidFill>
+                <a:latin typeface="Avenir Book" panose="02000503020000020003" pitchFamily="2" charset="0"/>
+                <a:ea typeface="Segoe UI Historic" panose="020B0502040204020203" pitchFamily="34" charset="0"/>
+                <a:cs typeface="Segoe UI Historic" panose="020B0502040204020203" pitchFamily="34" charset="0"/>
+              </a:rPr>
+              <a:t>How far did we get?</a:t>
+            </a:r>
+          </a:p>
+        </p:txBody>
+      </p:sp>
+      <p:graphicFrame>
+        <p:nvGraphicFramePr>
+          <p:cNvPr id="2" name="Table 8">
+            <a:extLst>
+              <a:ext uri="{FF2B5EF4-FFF2-40B4-BE49-F238E27FC236}">
+                <a16:creationId xmlns:a16="http://schemas.microsoft.com/office/drawing/2014/main" id="{AC7CED85-00C3-AC25-7157-D4379DD173AD}"/>
+              </a:ext>
+            </a:extLst>
+          </p:cNvPr>
+          <p:cNvGraphicFramePr>
+            <a:graphicFrameLocks noGrp="1"/>
+          </p:cNvGraphicFramePr>
+          <p:nvPr>
+            <p:extLst>
+              <p:ext uri="{D42A27DB-BD31-4B8C-83A1-F6EECF244321}">
+                <p14:modId xmlns:p14="http://schemas.microsoft.com/office/powerpoint/2010/main" val="2802322224"/>
+              </p:ext>
+            </p:extLst>
+          </p:nvPr>
+        </p:nvGraphicFramePr>
+        <p:xfrm>
+          <a:off x="461166" y="1416640"/>
+          <a:ext cx="11212515" cy="4209520"/>
+        </p:xfrm>
+        <a:graphic>
+          <a:graphicData uri="http://schemas.openxmlformats.org/drawingml/2006/table">
+            <a:tbl>
+              <a:tblPr firstRow="1" bandRow="1">
+                <a:tableStyleId>{5C22544A-7EE6-4342-B048-85BDC9FD1C3A}</a:tableStyleId>
+              </a:tblPr>
+              <a:tblGrid>
+                <a:gridCol w="5226051">
+                  <a:extLst>
+                    <a:ext uri="{9D8B030D-6E8A-4147-A177-3AD203B41FA5}">
+                      <a16:colId xmlns:a16="http://schemas.microsoft.com/office/drawing/2014/main" val="128549810"/>
+                    </a:ext>
+                  </a:extLst>
+                </a:gridCol>
+                <a:gridCol w="1995488">
+                  <a:extLst>
+                    <a:ext uri="{9D8B030D-6E8A-4147-A177-3AD203B41FA5}">
+                      <a16:colId xmlns:a16="http://schemas.microsoft.com/office/drawing/2014/main" val="289495259"/>
+                    </a:ext>
+                  </a:extLst>
+                </a:gridCol>
+                <a:gridCol w="1995488">
+                  <a:extLst>
+                    <a:ext uri="{9D8B030D-6E8A-4147-A177-3AD203B41FA5}">
+                      <a16:colId xmlns:a16="http://schemas.microsoft.com/office/drawing/2014/main" val="1387644251"/>
+                    </a:ext>
+                  </a:extLst>
+                </a:gridCol>
+                <a:gridCol w="1995488">
+                  <a:extLst>
+                    <a:ext uri="{9D8B030D-6E8A-4147-A177-3AD203B41FA5}">
+                      <a16:colId xmlns:a16="http://schemas.microsoft.com/office/drawing/2014/main" val="1824570835"/>
+                    </a:ext>
+                  </a:extLst>
+                </a:gridCol>
+              </a:tblGrid>
+              <a:tr h="601360">
+                <a:tc>
+                  <a:txBody>
+                    <a:bodyPr/>
+                    <a:lstStyle/>
+                    <a:p>
+                      <a:endParaRPr lang="en-US" dirty="0"/>
+                    </a:p>
+                  </a:txBody>
+                  <a:tcPr>
+                    <a:lnR w="12700" cap="flat" cmpd="sng" algn="ctr">
+                      <a:solidFill>
+                        <a:schemeClr val="tx1"/>
+                      </a:solidFill>
+                      <a:prstDash val="solid"/>
+                      <a:round/>
+                      <a:headEnd type="none" w="med" len="med"/>
+                      <a:tailEnd type="none" w="med" len="med"/>
+                    </a:lnR>
+                    <a:lnB w="12700" cap="flat" cmpd="sng" algn="ctr">
+                      <a:solidFill>
+                        <a:schemeClr val="tx1"/>
+                      </a:solidFill>
+                      <a:prstDash val="solid"/>
+                      <a:round/>
+                      <a:headEnd type="none" w="med" len="med"/>
+                      <a:tailEnd type="none" w="med" len="med"/>
+                    </a:lnB>
+                    <a:solidFill>
+                      <a:schemeClr val="bg1"/>
+                    </a:solidFill>
+                  </a:tcPr>
+                </a:tc>
+                <a:tc>
+                  <a:txBody>
+                    <a:bodyPr/>
+                    <a:lstStyle/>
+                    <a:p>
+                      <a:endParaRPr lang="en-US" dirty="0"/>
+                    </a:p>
+                  </a:txBody>
+                  <a:tcPr>
+                    <a:lnL w="12700" cap="flat" cmpd="sng" algn="ctr">
+                      <a:solidFill>
+                        <a:schemeClr val="tx1"/>
+                      </a:solidFill>
+                      <a:prstDash val="solid"/>
+                      <a:round/>
+                      <a:headEnd type="none" w="med" len="med"/>
+                      <a:tailEnd type="none" w="med" len="med"/>
+                    </a:lnL>
+                    <a:lnR w="12700" cap="flat" cmpd="sng" algn="ctr">
+                      <a:solidFill>
+                        <a:schemeClr val="tx1"/>
+                      </a:solidFill>
+                      <a:prstDash val="solid"/>
+                      <a:round/>
+                      <a:headEnd type="none" w="med" len="med"/>
+                      <a:tailEnd type="none" w="med" len="med"/>
+                    </a:lnR>
+                    <a:lnT w="12700" cap="flat" cmpd="sng" algn="ctr">
+                      <a:solidFill>
+                        <a:schemeClr val="tx1"/>
+                      </a:solidFill>
+                      <a:prstDash val="solid"/>
+                      <a:round/>
+                      <a:headEnd type="none" w="med" len="med"/>
+                      <a:tailEnd type="none" w="med" len="med"/>
+                    </a:lnT>
+                    <a:lnB w="12700" cap="flat" cmpd="sng" algn="ctr">
+                      <a:solidFill>
+                        <a:schemeClr val="tx1"/>
+                      </a:solidFill>
+                      <a:prstDash val="solid"/>
+                      <a:round/>
+                      <a:headEnd type="none" w="med" len="med"/>
+                      <a:tailEnd type="none" w="med" len="med"/>
+                    </a:lnB>
+                    <a:solidFill>
+                      <a:schemeClr val="bg1"/>
+                    </a:solidFill>
+                  </a:tcPr>
+                </a:tc>
+                <a:tc>
+                  <a:txBody>
+                    <a:bodyPr/>
+                    <a:lstStyle/>
+                    <a:p>
+                      <a:endParaRPr lang="en-US" dirty="0"/>
+                    </a:p>
+                  </a:txBody>
+                  <a:tcPr>
+                    <a:lnL w="12700" cap="flat" cmpd="sng" algn="ctr">
+                      <a:solidFill>
+                        <a:schemeClr val="tx1"/>
+                      </a:solidFill>
+                      <a:prstDash val="solid"/>
+                      <a:round/>
+                      <a:headEnd type="none" w="med" len="med"/>
+                      <a:tailEnd type="none" w="med" len="med"/>
+                    </a:lnL>
+                    <a:lnR w="12700" cap="flat" cmpd="sng" algn="ctr">
+                      <a:solidFill>
+                        <a:schemeClr val="tx1"/>
+                      </a:solidFill>
+                      <a:prstDash val="solid"/>
+                      <a:round/>
+                      <a:headEnd type="none" w="med" len="med"/>
+                      <a:tailEnd type="none" w="med" len="med"/>
+                    </a:lnR>
+                    <a:lnT w="12700" cap="flat" cmpd="sng" algn="ctr">
+                      <a:solidFill>
+                        <a:schemeClr val="tx1"/>
+                      </a:solidFill>
+                      <a:prstDash val="solid"/>
+                      <a:round/>
+                      <a:headEnd type="none" w="med" len="med"/>
+                      <a:tailEnd type="none" w="med" len="med"/>
+                    </a:lnT>
+                    <a:lnB w="12700" cap="flat" cmpd="sng" algn="ctr">
+                      <a:solidFill>
+                        <a:schemeClr val="tx1"/>
+                      </a:solidFill>
+                      <a:prstDash val="solid"/>
+                      <a:round/>
+                      <a:headEnd type="none" w="med" len="med"/>
+                      <a:tailEnd type="none" w="med" len="med"/>
+                    </a:lnB>
+                    <a:solidFill>
+                      <a:schemeClr val="bg1"/>
+                    </a:solidFill>
+                  </a:tcPr>
+                </a:tc>
+                <a:tc>
+                  <a:txBody>
+                    <a:bodyPr/>
+                    <a:lstStyle/>
+                    <a:p>
+                      <a:endParaRPr lang="en-US" dirty="0"/>
+                    </a:p>
+                  </a:txBody>
+                  <a:tcPr>
+                    <a:lnL w="12700" cap="flat" cmpd="sng" algn="ctr">
+                      <a:solidFill>
+                        <a:schemeClr val="tx1"/>
+                      </a:solidFill>
+                      <a:prstDash val="solid"/>
+                      <a:round/>
+                      <a:headEnd type="none" w="med" len="med"/>
+                      <a:tailEnd type="none" w="med" len="med"/>
+                    </a:lnL>
+                    <a:lnR w="12700" cap="flat" cmpd="sng" algn="ctr">
+                      <a:solidFill>
+                        <a:schemeClr val="tx1"/>
+                      </a:solidFill>
+                      <a:prstDash val="solid"/>
+                      <a:round/>
+                      <a:headEnd type="none" w="med" len="med"/>
+                      <a:tailEnd type="none" w="med" len="med"/>
+                    </a:lnR>
+                    <a:lnT w="12700" cap="flat" cmpd="sng" algn="ctr">
+                      <a:solidFill>
+                        <a:schemeClr val="tx1"/>
+                      </a:solidFill>
+                      <a:prstDash val="solid"/>
+                      <a:round/>
+                      <a:headEnd type="none" w="med" len="med"/>
+                      <a:tailEnd type="none" w="med" len="med"/>
+                    </a:lnT>
+                    <a:lnB w="12700" cap="flat" cmpd="sng" algn="ctr">
+                      <a:solidFill>
+                        <a:schemeClr val="tx1"/>
+                      </a:solidFill>
+                      <a:prstDash val="solid"/>
+                      <a:round/>
+                      <a:headEnd type="none" w="med" len="med"/>
+                      <a:tailEnd type="none" w="med" len="med"/>
+                    </a:lnB>
+                    <a:solidFill>
+                      <a:schemeClr val="bg1"/>
+                    </a:solidFill>
+                  </a:tcPr>
+                </a:tc>
+                <a:extLst>
+                  <a:ext uri="{0D108BD9-81ED-4DB2-BD59-A6C34878D82A}">
+                    <a16:rowId xmlns:a16="http://schemas.microsoft.com/office/drawing/2014/main" val="232304175"/>
+                  </a:ext>
+                </a:extLst>
+              </a:tr>
+              <a:tr h="601360">
+                <a:tc>
+                  <a:txBody>
+                    <a:bodyPr/>
+                    <a:lstStyle/>
+                    <a:p>
+                      <a:pPr marL="0" marR="0" lvl="0" indent="0" algn="l" defTabSz="914400" rtl="0" eaLnBrk="1" fontAlgn="auto" latinLnBrk="0" hangingPunct="1">
+                        <a:lnSpc>
+                          <a:spcPct val="100000"/>
+                        </a:lnSpc>
+                        <a:spcBef>
+                          <a:spcPts val="0"/>
+                        </a:spcBef>
+                        <a:spcAft>
+                          <a:spcPts val="0"/>
+                        </a:spcAft>
+                        <a:buClrTx/>
+                        <a:buSzTx/>
+                        <a:buFontTx/>
+                        <a:buNone/>
+                        <a:tabLst/>
+                        <a:defRPr/>
+                      </a:pPr>
+                      <a:r>
+                        <a:rPr lang="en-US" sz="2400" dirty="0">
+                          <a:solidFill>
+                            <a:schemeClr val="tx1"/>
+                          </a:solidFill>
+                          <a:latin typeface="Avenir Book" panose="02000503020000020003" pitchFamily="2" charset="0"/>
+                          <a:ea typeface="Segoe UI Historic" panose="020B0502040204020203" pitchFamily="34" charset="0"/>
+                          <a:cs typeface="Segoe UI Historic" panose="020B0502040204020203" pitchFamily="34" charset="0"/>
+                        </a:rPr>
+                        <a:t>Non-distributed QFT</a:t>
+                      </a:r>
+                    </a:p>
+                  </a:txBody>
+                  <a:tcPr anchor="ctr">
+                    <a:lnL w="12700" cap="flat" cmpd="sng" algn="ctr">
+                      <a:solidFill>
+                        <a:schemeClr val="tx1"/>
+                      </a:solidFill>
+                      <a:prstDash val="solid"/>
+                      <a:round/>
+                      <a:headEnd type="none" w="med" len="med"/>
+                      <a:tailEnd type="none" w="med" len="med"/>
+                    </a:lnL>
+                    <a:lnR w="12700" cap="flat" cmpd="sng" algn="ctr">
+                      <a:solidFill>
+                        <a:schemeClr val="tx1"/>
+                      </a:solidFill>
+                      <a:prstDash val="solid"/>
+                      <a:round/>
+                      <a:headEnd type="none" w="med" len="med"/>
+                      <a:tailEnd type="none" w="med" len="med"/>
+                    </a:lnR>
+                    <a:lnT w="12700" cap="flat" cmpd="sng" algn="ctr">
+                      <a:solidFill>
+                        <a:schemeClr val="tx1"/>
+                      </a:solidFill>
+                      <a:prstDash val="solid"/>
+                      <a:round/>
+                      <a:headEnd type="none" w="med" len="med"/>
+                      <a:tailEnd type="none" w="med" len="med"/>
+                    </a:lnT>
+                    <a:lnB w="12700" cap="flat" cmpd="sng" algn="ctr">
+                      <a:solidFill>
+                        <a:schemeClr val="tx1"/>
+                      </a:solidFill>
+                      <a:prstDash val="solid"/>
+                      <a:round/>
+                      <a:headEnd type="none" w="med" len="med"/>
+                      <a:tailEnd type="none" w="med" len="med"/>
+                    </a:lnB>
+                    <a:solidFill>
+                      <a:schemeClr val="bg1"/>
+                    </a:solidFill>
+                  </a:tcPr>
+                </a:tc>
+                <a:tc>
+                  <a:txBody>
+                    <a:bodyPr/>
+                    <a:lstStyle/>
+                    <a:p>
+                      <a:endParaRPr lang="en-US" dirty="0"/>
+                    </a:p>
+                  </a:txBody>
+                  <a:tcPr anchor="ctr">
+                    <a:lnL w="12700" cap="flat" cmpd="sng" algn="ctr">
+                      <a:solidFill>
+                        <a:schemeClr val="tx1"/>
+                      </a:solidFill>
+                      <a:prstDash val="solid"/>
+                      <a:round/>
+                      <a:headEnd type="none" w="med" len="med"/>
+                      <a:tailEnd type="none" w="med" len="med"/>
+                    </a:lnL>
+                    <a:lnR w="12700" cap="flat" cmpd="sng" algn="ctr">
+                      <a:solidFill>
+                        <a:schemeClr val="tx1"/>
+                      </a:solidFill>
+                      <a:prstDash val="solid"/>
+                      <a:round/>
+                      <a:headEnd type="none" w="med" len="med"/>
+                      <a:tailEnd type="none" w="med" len="med"/>
+                    </a:lnR>
+                    <a:lnT w="12700" cap="flat" cmpd="sng" algn="ctr">
+                      <a:solidFill>
+                        <a:schemeClr val="tx1"/>
+                      </a:solidFill>
+                      <a:prstDash val="solid"/>
+                      <a:round/>
+                      <a:headEnd type="none" w="med" len="med"/>
+                      <a:tailEnd type="none" w="med" len="med"/>
+                    </a:lnT>
+                    <a:lnB w="12700" cap="flat" cmpd="sng" algn="ctr">
+                      <a:solidFill>
+                        <a:schemeClr val="tx1"/>
+                      </a:solidFill>
+                      <a:prstDash val="solid"/>
+                      <a:round/>
+                      <a:headEnd type="none" w="med" len="med"/>
+                      <a:tailEnd type="none" w="med" len="med"/>
+                    </a:lnB>
+                    <a:solidFill>
+                      <a:schemeClr val="bg1"/>
+                    </a:solidFill>
+                  </a:tcPr>
+                </a:tc>
+                <a:tc>
+                  <a:txBody>
+                    <a:bodyPr/>
+                    <a:lstStyle/>
+                    <a:p>
+                      <a:endParaRPr lang="en-US"/>
+                    </a:p>
+                  </a:txBody>
+                  <a:tcPr anchor="ctr">
+                    <a:lnL w="12700" cap="flat" cmpd="sng" algn="ctr">
+                      <a:solidFill>
+                        <a:schemeClr val="tx1"/>
+                      </a:solidFill>
+                      <a:prstDash val="solid"/>
+                      <a:round/>
+                      <a:headEnd type="none" w="med" len="med"/>
+                      <a:tailEnd type="none" w="med" len="med"/>
+                    </a:lnL>
+                    <a:lnR w="12700" cap="flat" cmpd="sng" algn="ctr">
+                      <a:solidFill>
+                        <a:schemeClr val="tx1"/>
+                      </a:solidFill>
+                      <a:prstDash val="solid"/>
+                      <a:round/>
+                      <a:headEnd type="none" w="med" len="med"/>
+                      <a:tailEnd type="none" w="med" len="med"/>
+                    </a:lnR>
+                    <a:lnT w="12700" cap="flat" cmpd="sng" algn="ctr">
+                      <a:solidFill>
+                        <a:schemeClr val="tx1"/>
+                      </a:solidFill>
+                      <a:prstDash val="solid"/>
+                      <a:round/>
+                      <a:headEnd type="none" w="med" len="med"/>
+                      <a:tailEnd type="none" w="med" len="med"/>
+                    </a:lnT>
+                    <a:lnB w="12700" cap="flat" cmpd="sng" algn="ctr">
+                      <a:solidFill>
+                        <a:schemeClr val="tx1"/>
+                      </a:solidFill>
+                      <a:prstDash val="solid"/>
+                      <a:round/>
+                      <a:headEnd type="none" w="med" len="med"/>
+                      <a:tailEnd type="none" w="med" len="med"/>
+                    </a:lnB>
+                    <a:solidFill>
+                      <a:schemeClr val="bg1"/>
+                    </a:solidFill>
+                  </a:tcPr>
+                </a:tc>
+                <a:tc>
+                  <a:txBody>
+                    <a:bodyPr/>
+                    <a:lstStyle/>
+                    <a:p>
+                      <a:endParaRPr lang="en-US"/>
+                    </a:p>
+                  </a:txBody>
+                  <a:tcPr anchor="ctr">
+                    <a:lnL w="12700" cap="flat" cmpd="sng" algn="ctr">
+                      <a:solidFill>
+                        <a:schemeClr val="tx1"/>
+                      </a:solidFill>
+                      <a:prstDash val="solid"/>
+                      <a:round/>
+                      <a:headEnd type="none" w="med" len="med"/>
+                      <a:tailEnd type="none" w="med" len="med"/>
+                    </a:lnL>
+                    <a:lnR w="12700" cap="flat" cmpd="sng" algn="ctr">
+                      <a:solidFill>
+                        <a:schemeClr val="tx1"/>
+                      </a:solidFill>
+                      <a:prstDash val="solid"/>
+                      <a:round/>
+                      <a:headEnd type="none" w="med" len="med"/>
+                      <a:tailEnd type="none" w="med" len="med"/>
+                    </a:lnR>
+                    <a:lnT w="12700" cap="flat" cmpd="sng" algn="ctr">
+                      <a:solidFill>
+                        <a:schemeClr val="tx1"/>
+                      </a:solidFill>
+                      <a:prstDash val="solid"/>
+                      <a:round/>
+                      <a:headEnd type="none" w="med" len="med"/>
+                      <a:tailEnd type="none" w="med" len="med"/>
+                    </a:lnT>
+                    <a:lnB w="12700" cap="flat" cmpd="sng" algn="ctr">
+                      <a:solidFill>
+                        <a:schemeClr val="tx1"/>
+                      </a:solidFill>
+                      <a:prstDash val="solid"/>
+                      <a:round/>
+                      <a:headEnd type="none" w="med" len="med"/>
+                      <a:tailEnd type="none" w="med" len="med"/>
+                    </a:lnB>
+                    <a:solidFill>
+                      <a:schemeClr val="bg1"/>
+                    </a:solidFill>
+                  </a:tcPr>
+                </a:tc>
+                <a:extLst>
+                  <a:ext uri="{0D108BD9-81ED-4DB2-BD59-A6C34878D82A}">
+                    <a16:rowId xmlns:a16="http://schemas.microsoft.com/office/drawing/2014/main" val="3249702011"/>
+                  </a:ext>
+                </a:extLst>
+              </a:tr>
+              <a:tr h="601360">
+                <a:tc>
+                  <a:txBody>
+                    <a:bodyPr/>
+                    <a:lstStyle/>
+                    <a:p>
+                      <a:pPr marL="0" marR="0" lvl="0" indent="0" algn="l" defTabSz="914400" rtl="0" eaLnBrk="1" fontAlgn="auto" latinLnBrk="0" hangingPunct="1">
+                        <a:lnSpc>
+                          <a:spcPct val="100000"/>
+                        </a:lnSpc>
+                        <a:spcBef>
+                          <a:spcPts val="0"/>
+                        </a:spcBef>
+                        <a:spcAft>
+                          <a:spcPts val="0"/>
+                        </a:spcAft>
+                        <a:buClrTx/>
+                        <a:buSzTx/>
+                        <a:buFontTx/>
+                        <a:buNone/>
+                        <a:tabLst/>
+                        <a:defRPr/>
+                      </a:pPr>
+                      <a:r>
+                        <a:rPr lang="en-US" sz="2400" dirty="0">
+                          <a:solidFill>
+                            <a:schemeClr val="tx1"/>
+                          </a:solidFill>
+                          <a:latin typeface="Avenir Book" panose="02000503020000020003" pitchFamily="2" charset="0"/>
+                          <a:ea typeface="Segoe UI Historic" panose="020B0502040204020203" pitchFamily="34" charset="0"/>
+                          <a:cs typeface="Segoe UI Historic" panose="020B0502040204020203" pitchFamily="34" charset="0"/>
+                        </a:rPr>
+                        <a:t>Distributed QFT using teleportation</a:t>
+                      </a:r>
+                    </a:p>
+                  </a:txBody>
+                  <a:tcPr anchor="ctr">
+                    <a:lnL w="12700" cap="flat" cmpd="sng" algn="ctr">
+                      <a:solidFill>
+                        <a:schemeClr val="tx1"/>
+                      </a:solidFill>
+                      <a:prstDash val="solid"/>
+                      <a:round/>
+                      <a:headEnd type="none" w="med" len="med"/>
+                      <a:tailEnd type="none" w="med" len="med"/>
+                    </a:lnL>
+                    <a:lnR w="12700" cap="flat" cmpd="sng" algn="ctr">
+                      <a:solidFill>
+                        <a:schemeClr val="tx1"/>
+                      </a:solidFill>
+                      <a:prstDash val="solid"/>
+                      <a:round/>
+                      <a:headEnd type="none" w="med" len="med"/>
+                      <a:tailEnd type="none" w="med" len="med"/>
+                    </a:lnR>
+                    <a:lnT w="12700" cap="flat" cmpd="sng" algn="ctr">
+                      <a:solidFill>
+                        <a:schemeClr val="tx1"/>
+                      </a:solidFill>
+                      <a:prstDash val="solid"/>
+                      <a:round/>
+                      <a:headEnd type="none" w="med" len="med"/>
+                      <a:tailEnd type="none" w="med" len="med"/>
+                    </a:lnT>
+                    <a:lnB w="12700" cap="flat" cmpd="sng" algn="ctr">
+                      <a:solidFill>
+                        <a:schemeClr val="tx1"/>
+                      </a:solidFill>
+                      <a:prstDash val="solid"/>
+                      <a:round/>
+                      <a:headEnd type="none" w="med" len="med"/>
+                      <a:tailEnd type="none" w="med" len="med"/>
+                    </a:lnB>
+                    <a:solidFill>
+                      <a:schemeClr val="bg1"/>
+                    </a:solidFill>
+                  </a:tcPr>
+                </a:tc>
+                <a:tc>
+                  <a:txBody>
+                    <a:bodyPr/>
+                    <a:lstStyle/>
+                    <a:p>
+                      <a:endParaRPr lang="en-US" dirty="0"/>
+                    </a:p>
+                  </a:txBody>
+                  <a:tcPr anchor="ctr">
+                    <a:lnL w="12700" cap="flat" cmpd="sng" algn="ctr">
+                      <a:solidFill>
+                        <a:schemeClr val="tx1"/>
+                      </a:solidFill>
+                      <a:prstDash val="solid"/>
+                      <a:round/>
+                      <a:headEnd type="none" w="med" len="med"/>
+                      <a:tailEnd type="none" w="med" len="med"/>
+                    </a:lnL>
+                    <a:lnR w="12700" cap="flat" cmpd="sng" algn="ctr">
+                      <a:solidFill>
+                        <a:schemeClr val="tx1"/>
+                      </a:solidFill>
+                      <a:prstDash val="solid"/>
+                      <a:round/>
+                      <a:headEnd type="none" w="med" len="med"/>
+                      <a:tailEnd type="none" w="med" len="med"/>
+                    </a:lnR>
+                    <a:lnT w="12700" cap="flat" cmpd="sng" algn="ctr">
+                      <a:solidFill>
+                        <a:schemeClr val="tx1"/>
+                      </a:solidFill>
+                      <a:prstDash val="solid"/>
+                      <a:round/>
+                      <a:headEnd type="none" w="med" len="med"/>
+                      <a:tailEnd type="none" w="med" len="med"/>
+                    </a:lnT>
+                    <a:lnB w="12700" cap="flat" cmpd="sng" algn="ctr">
+                      <a:solidFill>
+                        <a:schemeClr val="tx1"/>
+                      </a:solidFill>
+                      <a:prstDash val="solid"/>
+                      <a:round/>
+                      <a:headEnd type="none" w="med" len="med"/>
+                      <a:tailEnd type="none" w="med" len="med"/>
+                    </a:lnB>
+                    <a:solidFill>
+                      <a:schemeClr val="bg1"/>
+                    </a:solidFill>
+                  </a:tcPr>
+                </a:tc>
+                <a:tc>
+                  <a:txBody>
+                    <a:bodyPr/>
+                    <a:lstStyle/>
+                    <a:p>
+                      <a:endParaRPr lang="en-US"/>
+                    </a:p>
+                  </a:txBody>
+                  <a:tcPr anchor="ctr">
+                    <a:lnL w="12700" cap="flat" cmpd="sng" algn="ctr">
+                      <a:solidFill>
+                        <a:schemeClr val="tx1"/>
+                      </a:solidFill>
+                      <a:prstDash val="solid"/>
+                      <a:round/>
+                      <a:headEnd type="none" w="med" len="med"/>
+                      <a:tailEnd type="none" w="med" len="med"/>
+                    </a:lnL>
+                    <a:lnR w="12700" cap="flat" cmpd="sng" algn="ctr">
+                      <a:solidFill>
+                        <a:schemeClr val="tx1"/>
+                      </a:solidFill>
+                      <a:prstDash val="solid"/>
+                      <a:round/>
+                      <a:headEnd type="none" w="med" len="med"/>
+                      <a:tailEnd type="none" w="med" len="med"/>
+                    </a:lnR>
+                    <a:lnT w="12700" cap="flat" cmpd="sng" algn="ctr">
+                      <a:solidFill>
+                        <a:schemeClr val="tx1"/>
+                      </a:solidFill>
+                      <a:prstDash val="solid"/>
+                      <a:round/>
+                      <a:headEnd type="none" w="med" len="med"/>
+                      <a:tailEnd type="none" w="med" len="med"/>
+                    </a:lnT>
+                    <a:lnB w="12700" cap="flat" cmpd="sng" algn="ctr">
+                      <a:solidFill>
+                        <a:schemeClr val="tx1"/>
+                      </a:solidFill>
+                      <a:prstDash val="solid"/>
+                      <a:round/>
+                      <a:headEnd type="none" w="med" len="med"/>
+                      <a:tailEnd type="none" w="med" len="med"/>
+                    </a:lnB>
+                    <a:solidFill>
+                      <a:schemeClr val="bg1"/>
+                    </a:solidFill>
+                  </a:tcPr>
+                </a:tc>
+                <a:tc>
+                  <a:txBody>
+                    <a:bodyPr/>
+                    <a:lstStyle/>
+                    <a:p>
+                      <a:endParaRPr lang="en-US"/>
+                    </a:p>
+                  </a:txBody>
+                  <a:tcPr anchor="ctr">
+                    <a:lnL w="12700" cap="flat" cmpd="sng" algn="ctr">
+                      <a:solidFill>
+                        <a:schemeClr val="tx1"/>
+                      </a:solidFill>
+                      <a:prstDash val="solid"/>
+                      <a:round/>
+                      <a:headEnd type="none" w="med" len="med"/>
+                      <a:tailEnd type="none" w="med" len="med"/>
+                    </a:lnL>
+                    <a:lnR w="12700" cap="flat" cmpd="sng" algn="ctr">
+                      <a:solidFill>
+                        <a:schemeClr val="tx1"/>
+                      </a:solidFill>
+                      <a:prstDash val="solid"/>
+                      <a:round/>
+                      <a:headEnd type="none" w="med" len="med"/>
+                      <a:tailEnd type="none" w="med" len="med"/>
+                    </a:lnR>
+                    <a:lnT w="12700" cap="flat" cmpd="sng" algn="ctr">
+                      <a:solidFill>
+                        <a:schemeClr val="tx1"/>
+                      </a:solidFill>
+                      <a:prstDash val="solid"/>
+                      <a:round/>
+                      <a:headEnd type="none" w="med" len="med"/>
+                      <a:tailEnd type="none" w="med" len="med"/>
+                    </a:lnT>
+                    <a:lnB w="12700" cap="flat" cmpd="sng" algn="ctr">
+                      <a:solidFill>
+                        <a:schemeClr val="tx1"/>
+                      </a:solidFill>
+                      <a:prstDash val="solid"/>
+                      <a:round/>
+                      <a:headEnd type="none" w="med" len="med"/>
+                      <a:tailEnd type="none" w="med" len="med"/>
+                    </a:lnB>
+                    <a:solidFill>
+                      <a:schemeClr val="bg1"/>
+                    </a:solidFill>
+                  </a:tcPr>
+                </a:tc>
+                <a:extLst>
+                  <a:ext uri="{0D108BD9-81ED-4DB2-BD59-A6C34878D82A}">
+                    <a16:rowId xmlns:a16="http://schemas.microsoft.com/office/drawing/2014/main" val="3013888013"/>
+                  </a:ext>
+                </a:extLst>
+              </a:tr>
+              <a:tr h="601360">
+                <a:tc>
+                  <a:txBody>
+                    <a:bodyPr/>
+                    <a:lstStyle/>
+                    <a:p>
+                      <a:pPr marL="0" marR="0" lvl="0" indent="0" algn="l" defTabSz="914400" rtl="0" eaLnBrk="1" fontAlgn="auto" latinLnBrk="0" hangingPunct="1">
+                        <a:lnSpc>
+                          <a:spcPct val="100000"/>
+                        </a:lnSpc>
+                        <a:spcBef>
+                          <a:spcPts val="0"/>
+                        </a:spcBef>
+                        <a:spcAft>
+                          <a:spcPts val="0"/>
+                        </a:spcAft>
+                        <a:buClrTx/>
+                        <a:buSzTx/>
+                        <a:buFontTx/>
+                        <a:buNone/>
+                        <a:tabLst/>
+                        <a:defRPr/>
+                      </a:pPr>
+                      <a:r>
+                        <a:rPr lang="en-US" sz="2400" dirty="0">
+                          <a:solidFill>
+                            <a:schemeClr val="tx1"/>
+                          </a:solidFill>
+                          <a:latin typeface="Avenir Book" panose="02000503020000020003" pitchFamily="2" charset="0"/>
+                          <a:ea typeface="Segoe UI Historic" panose="020B0502040204020203" pitchFamily="34" charset="0"/>
+                          <a:cs typeface="Segoe UI Historic" panose="020B0502040204020203" pitchFamily="34" charset="0"/>
+                        </a:rPr>
+                        <a:t>Distributed QFT using cat-states</a:t>
+                      </a:r>
+                    </a:p>
+                  </a:txBody>
+                  <a:tcPr anchor="ctr">
+                    <a:lnL w="12700" cap="flat" cmpd="sng" algn="ctr">
+                      <a:solidFill>
+                        <a:schemeClr val="tx1"/>
+                      </a:solidFill>
+                      <a:prstDash val="solid"/>
+                      <a:round/>
+                      <a:headEnd type="none" w="med" len="med"/>
+                      <a:tailEnd type="none" w="med" len="med"/>
+                    </a:lnL>
+                    <a:lnR w="12700" cap="flat" cmpd="sng" algn="ctr">
+                      <a:solidFill>
+                        <a:schemeClr val="tx1"/>
+                      </a:solidFill>
+                      <a:prstDash val="solid"/>
+                      <a:round/>
+                      <a:headEnd type="none" w="med" len="med"/>
+                      <a:tailEnd type="none" w="med" len="med"/>
+                    </a:lnR>
+                    <a:lnT w="12700" cap="flat" cmpd="sng" algn="ctr">
+                      <a:solidFill>
+                        <a:schemeClr val="tx1"/>
+                      </a:solidFill>
+                      <a:prstDash val="solid"/>
+                      <a:round/>
+                      <a:headEnd type="none" w="med" len="med"/>
+                      <a:tailEnd type="none" w="med" len="med"/>
+                    </a:lnT>
+                    <a:lnB w="12700" cap="flat" cmpd="sng" algn="ctr">
+                      <a:solidFill>
+                        <a:schemeClr val="tx1"/>
+                      </a:solidFill>
+                      <a:prstDash val="solid"/>
+                      <a:round/>
+                      <a:headEnd type="none" w="med" len="med"/>
+                      <a:tailEnd type="none" w="med" len="med"/>
+                    </a:lnB>
+                    <a:solidFill>
+                      <a:schemeClr val="bg1"/>
+                    </a:solidFill>
+                  </a:tcPr>
+                </a:tc>
+                <a:tc>
+                  <a:txBody>
+                    <a:bodyPr/>
+                    <a:lstStyle/>
+                    <a:p>
+                      <a:endParaRPr lang="en-US"/>
+                    </a:p>
+                  </a:txBody>
+                  <a:tcPr anchor="ctr">
+                    <a:lnL w="12700" cap="flat" cmpd="sng" algn="ctr">
+                      <a:solidFill>
+                        <a:schemeClr val="tx1"/>
+                      </a:solidFill>
+                      <a:prstDash val="solid"/>
+                      <a:round/>
+                      <a:headEnd type="none" w="med" len="med"/>
+                      <a:tailEnd type="none" w="med" len="med"/>
+                    </a:lnL>
+                    <a:lnR w="12700" cap="flat" cmpd="sng" algn="ctr">
+                      <a:solidFill>
+                        <a:schemeClr val="tx1"/>
+                      </a:solidFill>
+                      <a:prstDash val="solid"/>
+                      <a:round/>
+                      <a:headEnd type="none" w="med" len="med"/>
+                      <a:tailEnd type="none" w="med" len="med"/>
+                    </a:lnR>
+                    <a:lnT w="12700" cap="flat" cmpd="sng" algn="ctr">
+                      <a:solidFill>
+                        <a:schemeClr val="tx1"/>
+                      </a:solidFill>
+                      <a:prstDash val="solid"/>
+                      <a:round/>
+                      <a:headEnd type="none" w="med" len="med"/>
+                      <a:tailEnd type="none" w="med" len="med"/>
+                    </a:lnT>
+                    <a:lnB w="12700" cap="flat" cmpd="sng" algn="ctr">
+                      <a:solidFill>
+                        <a:schemeClr val="tx1"/>
+                      </a:solidFill>
+                      <a:prstDash val="solid"/>
+                      <a:round/>
+                      <a:headEnd type="none" w="med" len="med"/>
+                      <a:tailEnd type="none" w="med" len="med"/>
+                    </a:lnB>
+                    <a:solidFill>
+                      <a:schemeClr val="bg1"/>
+                    </a:solidFill>
+                  </a:tcPr>
+                </a:tc>
+                <a:tc>
+                  <a:txBody>
+                    <a:bodyPr/>
+                    <a:lstStyle/>
+                    <a:p>
+                      <a:endParaRPr lang="en-US" dirty="0"/>
+                    </a:p>
+                  </a:txBody>
+                  <a:tcPr anchor="ctr">
+                    <a:lnL w="12700" cap="flat" cmpd="sng" algn="ctr">
+                      <a:solidFill>
+                        <a:schemeClr val="tx1"/>
+                      </a:solidFill>
+                      <a:prstDash val="solid"/>
+                      <a:round/>
+                      <a:headEnd type="none" w="med" len="med"/>
+                      <a:tailEnd type="none" w="med" len="med"/>
+                    </a:lnL>
+                    <a:lnR w="12700" cap="flat" cmpd="sng" algn="ctr">
+                      <a:solidFill>
+                        <a:schemeClr val="tx1"/>
+                      </a:solidFill>
+                      <a:prstDash val="solid"/>
+                      <a:round/>
+                      <a:headEnd type="none" w="med" len="med"/>
+                      <a:tailEnd type="none" w="med" len="med"/>
+                    </a:lnR>
+                    <a:lnT w="12700" cap="flat" cmpd="sng" algn="ctr">
+                      <a:solidFill>
+                        <a:schemeClr val="tx1"/>
+                      </a:solidFill>
+                      <a:prstDash val="solid"/>
+                      <a:round/>
+                      <a:headEnd type="none" w="med" len="med"/>
+                      <a:tailEnd type="none" w="med" len="med"/>
+                    </a:lnT>
+                    <a:lnB w="12700" cap="flat" cmpd="sng" algn="ctr">
+                      <a:solidFill>
+                        <a:schemeClr val="tx1"/>
+                      </a:solidFill>
+                      <a:prstDash val="solid"/>
+                      <a:round/>
+                      <a:headEnd type="none" w="med" len="med"/>
+                      <a:tailEnd type="none" w="med" len="med"/>
+                    </a:lnB>
+                    <a:solidFill>
+                      <a:schemeClr val="bg1"/>
+                    </a:solidFill>
+                  </a:tcPr>
+                </a:tc>
+                <a:tc>
+                  <a:txBody>
+                    <a:bodyPr/>
+                    <a:lstStyle/>
+                    <a:p>
+                      <a:endParaRPr lang="en-US"/>
+                    </a:p>
+                  </a:txBody>
+                  <a:tcPr anchor="ctr">
+                    <a:lnL w="12700" cap="flat" cmpd="sng" algn="ctr">
+                      <a:solidFill>
+                        <a:schemeClr val="tx1"/>
+                      </a:solidFill>
+                      <a:prstDash val="solid"/>
+                      <a:round/>
+                      <a:headEnd type="none" w="med" len="med"/>
+                      <a:tailEnd type="none" w="med" len="med"/>
+                    </a:lnL>
+                    <a:lnR w="12700" cap="flat" cmpd="sng" algn="ctr">
+                      <a:solidFill>
+                        <a:schemeClr val="tx1"/>
+                      </a:solidFill>
+                      <a:prstDash val="solid"/>
+                      <a:round/>
+                      <a:headEnd type="none" w="med" len="med"/>
+                      <a:tailEnd type="none" w="med" len="med"/>
+                    </a:lnR>
+                    <a:lnT w="12700" cap="flat" cmpd="sng" algn="ctr">
+                      <a:solidFill>
+                        <a:schemeClr val="tx1"/>
+                      </a:solidFill>
+                      <a:prstDash val="solid"/>
+                      <a:round/>
+                      <a:headEnd type="none" w="med" len="med"/>
+                      <a:tailEnd type="none" w="med" len="med"/>
+                    </a:lnT>
+                    <a:lnB w="12700" cap="flat" cmpd="sng" algn="ctr">
+                      <a:solidFill>
+                        <a:schemeClr val="tx1"/>
+                      </a:solidFill>
+                      <a:prstDash val="solid"/>
+                      <a:round/>
+                      <a:headEnd type="none" w="med" len="med"/>
+                      <a:tailEnd type="none" w="med" len="med"/>
+                    </a:lnB>
+                    <a:solidFill>
+                      <a:schemeClr val="bg1"/>
+                    </a:solidFill>
+                  </a:tcPr>
+                </a:tc>
+                <a:extLst>
+                  <a:ext uri="{0D108BD9-81ED-4DB2-BD59-A6C34878D82A}">
+                    <a16:rowId xmlns:a16="http://schemas.microsoft.com/office/drawing/2014/main" val="3840371796"/>
+                  </a:ext>
+                </a:extLst>
+              </a:tr>
+              <a:tr h="601360">
+                <a:tc>
+                  <a:txBody>
+                    <a:bodyPr/>
+                    <a:lstStyle/>
+                    <a:p>
+                      <a:pPr marL="0" marR="0" lvl="0" indent="0" algn="l" defTabSz="914400" rtl="0" eaLnBrk="1" fontAlgn="auto" latinLnBrk="0" hangingPunct="1">
+                        <a:lnSpc>
+                          <a:spcPct val="100000"/>
+                        </a:lnSpc>
+                        <a:spcBef>
+                          <a:spcPts val="0"/>
+                        </a:spcBef>
+                        <a:spcAft>
+                          <a:spcPts val="0"/>
+                        </a:spcAft>
+                        <a:buClrTx/>
+                        <a:buSzTx/>
+                        <a:buFontTx/>
+                        <a:buNone/>
+                        <a:tabLst/>
+                        <a:defRPr/>
+                      </a:pPr>
+                      <a:r>
+                        <a:rPr lang="en-US" sz="2400" dirty="0">
+                          <a:solidFill>
+                            <a:schemeClr val="tx1"/>
+                          </a:solidFill>
+                          <a:latin typeface="Avenir Book" panose="02000503020000020003" pitchFamily="2" charset="0"/>
+                          <a:ea typeface="Segoe UI Historic" panose="020B0502040204020203" pitchFamily="34" charset="0"/>
+                          <a:cs typeface="Segoe UI Historic" panose="020B0502040204020203" pitchFamily="34" charset="0"/>
+                        </a:rPr>
+                        <a:t>Validation using histograms</a:t>
+                      </a:r>
+                    </a:p>
+                  </a:txBody>
+                  <a:tcPr anchor="ctr">
+                    <a:lnL w="12700" cap="flat" cmpd="sng" algn="ctr">
+                      <a:solidFill>
+                        <a:schemeClr val="tx1"/>
+                      </a:solidFill>
+                      <a:prstDash val="solid"/>
+                      <a:round/>
+                      <a:headEnd type="none" w="med" len="med"/>
+                      <a:tailEnd type="none" w="med" len="med"/>
+                    </a:lnL>
+                    <a:lnR w="12700" cap="flat" cmpd="sng" algn="ctr">
+                      <a:solidFill>
+                        <a:schemeClr val="tx1"/>
+                      </a:solidFill>
+                      <a:prstDash val="solid"/>
+                      <a:round/>
+                      <a:headEnd type="none" w="med" len="med"/>
+                      <a:tailEnd type="none" w="med" len="med"/>
+                    </a:lnR>
+                    <a:lnT w="12700" cap="flat" cmpd="sng" algn="ctr">
+                      <a:solidFill>
+                        <a:schemeClr val="tx1"/>
+                      </a:solidFill>
+                      <a:prstDash val="solid"/>
+                      <a:round/>
+                      <a:headEnd type="none" w="med" len="med"/>
+                      <a:tailEnd type="none" w="med" len="med"/>
+                    </a:lnT>
+                    <a:lnB w="12700" cap="flat" cmpd="sng" algn="ctr">
+                      <a:solidFill>
+                        <a:schemeClr val="tx1"/>
+                      </a:solidFill>
+                      <a:prstDash val="solid"/>
+                      <a:round/>
+                      <a:headEnd type="none" w="med" len="med"/>
+                      <a:tailEnd type="none" w="med" len="med"/>
+                    </a:lnB>
+                    <a:solidFill>
+                      <a:schemeClr val="bg1"/>
+                    </a:solidFill>
+                  </a:tcPr>
+                </a:tc>
+                <a:tc>
+                  <a:txBody>
+                    <a:bodyPr/>
+                    <a:lstStyle/>
+                    <a:p>
+                      <a:endParaRPr lang="en-US" dirty="0"/>
+                    </a:p>
+                  </a:txBody>
+                  <a:tcPr anchor="ctr">
+                    <a:lnL w="12700" cap="flat" cmpd="sng" algn="ctr">
+                      <a:solidFill>
+                        <a:schemeClr val="tx1"/>
+                      </a:solidFill>
+                      <a:prstDash val="solid"/>
+                      <a:round/>
+                      <a:headEnd type="none" w="med" len="med"/>
+                      <a:tailEnd type="none" w="med" len="med"/>
+                    </a:lnL>
+                    <a:lnR w="12700" cap="flat" cmpd="sng" algn="ctr">
+                      <a:solidFill>
+                        <a:schemeClr val="tx1"/>
+                      </a:solidFill>
+                      <a:prstDash val="solid"/>
+                      <a:round/>
+                      <a:headEnd type="none" w="med" len="med"/>
+                      <a:tailEnd type="none" w="med" len="med"/>
+                    </a:lnR>
+                    <a:lnT w="12700" cap="flat" cmpd="sng" algn="ctr">
+                      <a:solidFill>
+                        <a:schemeClr val="tx1"/>
+                      </a:solidFill>
+                      <a:prstDash val="solid"/>
+                      <a:round/>
+                      <a:headEnd type="none" w="med" len="med"/>
+                      <a:tailEnd type="none" w="med" len="med"/>
+                    </a:lnT>
+                    <a:lnB w="12700" cap="flat" cmpd="sng" algn="ctr">
+                      <a:solidFill>
+                        <a:schemeClr val="tx1"/>
+                      </a:solidFill>
+                      <a:prstDash val="solid"/>
+                      <a:round/>
+                      <a:headEnd type="none" w="med" len="med"/>
+                      <a:tailEnd type="none" w="med" len="med"/>
+                    </a:lnB>
+                    <a:solidFill>
+                      <a:schemeClr val="bg1"/>
+                    </a:solidFill>
+                  </a:tcPr>
+                </a:tc>
+                <a:tc>
+                  <a:txBody>
+                    <a:bodyPr/>
+                    <a:lstStyle/>
+                    <a:p>
+                      <a:endParaRPr lang="en-US" dirty="0"/>
+                    </a:p>
+                  </a:txBody>
+                  <a:tcPr anchor="ctr">
+                    <a:lnL w="12700" cap="flat" cmpd="sng" algn="ctr">
+                      <a:solidFill>
+                        <a:schemeClr val="tx1"/>
+                      </a:solidFill>
+                      <a:prstDash val="solid"/>
+                      <a:round/>
+                      <a:headEnd type="none" w="med" len="med"/>
+                      <a:tailEnd type="none" w="med" len="med"/>
+                    </a:lnL>
+                    <a:lnR w="12700" cap="flat" cmpd="sng" algn="ctr">
+                      <a:solidFill>
+                        <a:schemeClr val="tx1"/>
+                      </a:solidFill>
+                      <a:prstDash val="solid"/>
+                      <a:round/>
+                      <a:headEnd type="none" w="med" len="med"/>
+                      <a:tailEnd type="none" w="med" len="med"/>
+                    </a:lnR>
+                    <a:lnT w="12700" cap="flat" cmpd="sng" algn="ctr">
+                      <a:solidFill>
+                        <a:schemeClr val="tx1"/>
+                      </a:solidFill>
+                      <a:prstDash val="solid"/>
+                      <a:round/>
+                      <a:headEnd type="none" w="med" len="med"/>
+                      <a:tailEnd type="none" w="med" len="med"/>
+                    </a:lnT>
+                    <a:lnB w="12700" cap="flat" cmpd="sng" algn="ctr">
+                      <a:solidFill>
+                        <a:schemeClr val="tx1"/>
+                      </a:solidFill>
+                      <a:prstDash val="solid"/>
+                      <a:round/>
+                      <a:headEnd type="none" w="med" len="med"/>
+                      <a:tailEnd type="none" w="med" len="med"/>
+                    </a:lnB>
+                    <a:solidFill>
+                      <a:schemeClr val="bg1"/>
+                    </a:solidFill>
+                  </a:tcPr>
+                </a:tc>
+                <a:tc>
+                  <a:txBody>
+                    <a:bodyPr/>
+                    <a:lstStyle/>
+                    <a:p>
+                      <a:endParaRPr lang="en-US" dirty="0"/>
+                    </a:p>
+                  </a:txBody>
+                  <a:tcPr anchor="ctr">
+                    <a:lnL w="12700" cap="flat" cmpd="sng" algn="ctr">
+                      <a:solidFill>
+                        <a:schemeClr val="tx1"/>
+                      </a:solidFill>
+                      <a:prstDash val="solid"/>
+                      <a:round/>
+                      <a:headEnd type="none" w="med" len="med"/>
+                      <a:tailEnd type="none" w="med" len="med"/>
+                    </a:lnL>
+                    <a:lnR w="12700" cap="flat" cmpd="sng" algn="ctr">
+                      <a:solidFill>
+                        <a:schemeClr val="tx1"/>
+                      </a:solidFill>
+                      <a:prstDash val="solid"/>
+                      <a:round/>
+                      <a:headEnd type="none" w="med" len="med"/>
+                      <a:tailEnd type="none" w="med" len="med"/>
+                    </a:lnR>
+                    <a:lnT w="12700" cap="flat" cmpd="sng" algn="ctr">
+                      <a:solidFill>
+                        <a:schemeClr val="tx1"/>
+                      </a:solidFill>
+                      <a:prstDash val="solid"/>
+                      <a:round/>
+                      <a:headEnd type="none" w="med" len="med"/>
+                      <a:tailEnd type="none" w="med" len="med"/>
+                    </a:lnT>
+                    <a:lnB w="12700" cap="flat" cmpd="sng" algn="ctr">
+                      <a:solidFill>
+                        <a:schemeClr val="tx1"/>
+                      </a:solidFill>
+                      <a:prstDash val="solid"/>
+                      <a:round/>
+                      <a:headEnd type="none" w="med" len="med"/>
+                      <a:tailEnd type="none" w="med" len="med"/>
+                    </a:lnB>
+                    <a:solidFill>
+                      <a:schemeClr val="bg1"/>
+                    </a:solidFill>
+                  </a:tcPr>
+                </a:tc>
+                <a:extLst>
+                  <a:ext uri="{0D108BD9-81ED-4DB2-BD59-A6C34878D82A}">
+                    <a16:rowId xmlns:a16="http://schemas.microsoft.com/office/drawing/2014/main" val="1790207145"/>
+                  </a:ext>
+                </a:extLst>
+              </a:tr>
+              <a:tr h="601360">
+                <a:tc>
+                  <a:txBody>
+                    <a:bodyPr/>
+                    <a:lstStyle/>
+                    <a:p>
+                      <a:pPr marL="0" marR="0" lvl="0" indent="0" algn="l" defTabSz="914400" rtl="0" eaLnBrk="1" fontAlgn="auto" latinLnBrk="0" hangingPunct="1">
+                        <a:lnSpc>
+                          <a:spcPct val="100000"/>
+                        </a:lnSpc>
+                        <a:spcBef>
+                          <a:spcPts val="0"/>
+                        </a:spcBef>
+                        <a:spcAft>
+                          <a:spcPts val="0"/>
+                        </a:spcAft>
+                        <a:buClrTx/>
+                        <a:buSzTx/>
+                        <a:buFontTx/>
+                        <a:buNone/>
+                        <a:tabLst/>
+                        <a:defRPr/>
+                      </a:pPr>
+                      <a:r>
+                        <a:rPr lang="en-US" sz="2400" dirty="0">
+                          <a:solidFill>
+                            <a:schemeClr val="tx1"/>
+                          </a:solidFill>
+                          <a:latin typeface="Avenir Book" panose="02000503020000020003" pitchFamily="2" charset="0"/>
+                          <a:ea typeface="Segoe UI Historic" panose="020B0502040204020203" pitchFamily="34" charset="0"/>
+                          <a:cs typeface="Segoe UI Historic" panose="020B0502040204020203" pitchFamily="34" charset="0"/>
+                        </a:rPr>
+                        <a:t>Validation using state vector / DM</a:t>
+                      </a:r>
+                    </a:p>
+                  </a:txBody>
+                  <a:tcPr anchor="ctr">
+                    <a:lnL w="12700" cap="flat" cmpd="sng" algn="ctr">
+                      <a:solidFill>
+                        <a:schemeClr val="tx1"/>
+                      </a:solidFill>
+                      <a:prstDash val="solid"/>
+                      <a:round/>
+                      <a:headEnd type="none" w="med" len="med"/>
+                      <a:tailEnd type="none" w="med" len="med"/>
+                    </a:lnL>
+                    <a:lnR w="12700" cap="flat" cmpd="sng" algn="ctr">
+                      <a:solidFill>
+                        <a:schemeClr val="tx1"/>
+                      </a:solidFill>
+                      <a:prstDash val="solid"/>
+                      <a:round/>
+                      <a:headEnd type="none" w="med" len="med"/>
+                      <a:tailEnd type="none" w="med" len="med"/>
+                    </a:lnR>
+                    <a:lnT w="12700" cap="flat" cmpd="sng" algn="ctr">
+                      <a:solidFill>
+                        <a:schemeClr val="tx1"/>
+                      </a:solidFill>
+                      <a:prstDash val="solid"/>
+                      <a:round/>
+                      <a:headEnd type="none" w="med" len="med"/>
+                      <a:tailEnd type="none" w="med" len="med"/>
+                    </a:lnT>
+                    <a:lnB w="12700" cap="flat" cmpd="sng" algn="ctr">
+                      <a:solidFill>
+                        <a:schemeClr val="tx1"/>
+                      </a:solidFill>
+                      <a:prstDash val="solid"/>
+                      <a:round/>
+                      <a:headEnd type="none" w="med" len="med"/>
+                      <a:tailEnd type="none" w="med" len="med"/>
+                    </a:lnB>
+                    <a:solidFill>
+                      <a:schemeClr val="bg1"/>
+                    </a:solidFill>
+                  </a:tcPr>
+                </a:tc>
+                <a:tc>
+                  <a:txBody>
+                    <a:bodyPr/>
+                    <a:lstStyle/>
+                    <a:p>
+                      <a:endParaRPr lang="en-US" dirty="0"/>
+                    </a:p>
+                  </a:txBody>
+                  <a:tcPr anchor="ctr">
+                    <a:lnL w="12700" cap="flat" cmpd="sng" algn="ctr">
+                      <a:solidFill>
+                        <a:schemeClr val="tx1"/>
+                      </a:solidFill>
+                      <a:prstDash val="solid"/>
+                      <a:round/>
+                      <a:headEnd type="none" w="med" len="med"/>
+                      <a:tailEnd type="none" w="med" len="med"/>
+                    </a:lnL>
+                    <a:lnR w="12700" cap="flat" cmpd="sng" algn="ctr">
+                      <a:solidFill>
+                        <a:schemeClr val="tx1"/>
+                      </a:solidFill>
+                      <a:prstDash val="solid"/>
+                      <a:round/>
+                      <a:headEnd type="none" w="med" len="med"/>
+                      <a:tailEnd type="none" w="med" len="med"/>
+                    </a:lnR>
+                    <a:lnT w="12700" cap="flat" cmpd="sng" algn="ctr">
+                      <a:solidFill>
+                        <a:schemeClr val="tx1"/>
+                      </a:solidFill>
+                      <a:prstDash val="solid"/>
+                      <a:round/>
+                      <a:headEnd type="none" w="med" len="med"/>
+                      <a:tailEnd type="none" w="med" len="med"/>
+                    </a:lnT>
+                    <a:lnB w="12700" cap="flat" cmpd="sng" algn="ctr">
+                      <a:solidFill>
+                        <a:schemeClr val="tx1"/>
+                      </a:solidFill>
+                      <a:prstDash val="solid"/>
+                      <a:round/>
+                      <a:headEnd type="none" w="med" len="med"/>
+                      <a:tailEnd type="none" w="med" len="med"/>
+                    </a:lnB>
+                    <a:solidFill>
+                      <a:schemeClr val="bg1"/>
+                    </a:solidFill>
+                  </a:tcPr>
+                </a:tc>
+                <a:tc>
+                  <a:txBody>
+                    <a:bodyPr/>
+                    <a:lstStyle/>
+                    <a:p>
+                      <a:endParaRPr lang="en-US" dirty="0"/>
+                    </a:p>
+                  </a:txBody>
+                  <a:tcPr anchor="ctr">
+                    <a:lnL w="12700" cap="flat" cmpd="sng" algn="ctr">
+                      <a:solidFill>
+                        <a:schemeClr val="tx1"/>
+                      </a:solidFill>
+                      <a:prstDash val="solid"/>
+                      <a:round/>
+                      <a:headEnd type="none" w="med" len="med"/>
+                      <a:tailEnd type="none" w="med" len="med"/>
+                    </a:lnL>
+                    <a:lnR w="12700" cap="flat" cmpd="sng" algn="ctr">
+                      <a:solidFill>
+                        <a:schemeClr val="tx1"/>
+                      </a:solidFill>
+                      <a:prstDash val="solid"/>
+                      <a:round/>
+                      <a:headEnd type="none" w="med" len="med"/>
+                      <a:tailEnd type="none" w="med" len="med"/>
+                    </a:lnR>
+                    <a:lnT w="12700" cap="flat" cmpd="sng" algn="ctr">
+                      <a:solidFill>
+                        <a:schemeClr val="tx1"/>
+                      </a:solidFill>
+                      <a:prstDash val="solid"/>
+                      <a:round/>
+                      <a:headEnd type="none" w="med" len="med"/>
+                      <a:tailEnd type="none" w="med" len="med"/>
+                    </a:lnT>
+                    <a:lnB w="12700" cap="flat" cmpd="sng" algn="ctr">
+                      <a:solidFill>
+                        <a:schemeClr val="tx1"/>
+                      </a:solidFill>
+                      <a:prstDash val="solid"/>
+                      <a:round/>
+                      <a:headEnd type="none" w="med" len="med"/>
+                      <a:tailEnd type="none" w="med" len="med"/>
+                    </a:lnB>
+                    <a:solidFill>
+                      <a:schemeClr val="bg1"/>
+                    </a:solidFill>
+                  </a:tcPr>
+                </a:tc>
+                <a:tc>
+                  <a:txBody>
+                    <a:bodyPr/>
+                    <a:lstStyle/>
+                    <a:p>
+                      <a:endParaRPr lang="en-US" dirty="0"/>
+                    </a:p>
+                  </a:txBody>
+                  <a:tcPr anchor="ctr">
+                    <a:lnL w="12700" cap="flat" cmpd="sng" algn="ctr">
+                      <a:solidFill>
+                        <a:schemeClr val="tx1"/>
+                      </a:solidFill>
+                      <a:prstDash val="solid"/>
+                      <a:round/>
+                      <a:headEnd type="none" w="med" len="med"/>
+                      <a:tailEnd type="none" w="med" len="med"/>
+                    </a:lnL>
+                    <a:lnR w="12700" cap="flat" cmpd="sng" algn="ctr">
+                      <a:solidFill>
+                        <a:schemeClr val="tx1"/>
+                      </a:solidFill>
+                      <a:prstDash val="solid"/>
+                      <a:round/>
+                      <a:headEnd type="none" w="med" len="med"/>
+                      <a:tailEnd type="none" w="med" len="med"/>
+                    </a:lnR>
+                    <a:lnT w="12700" cap="flat" cmpd="sng" algn="ctr">
+                      <a:solidFill>
+                        <a:schemeClr val="tx1"/>
+                      </a:solidFill>
+                      <a:prstDash val="solid"/>
+                      <a:round/>
+                      <a:headEnd type="none" w="med" len="med"/>
+                      <a:tailEnd type="none" w="med" len="med"/>
+                    </a:lnT>
+                    <a:lnB w="12700" cap="flat" cmpd="sng" algn="ctr">
+                      <a:solidFill>
+                        <a:schemeClr val="tx1"/>
+                      </a:solidFill>
+                      <a:prstDash val="solid"/>
+                      <a:round/>
+                      <a:headEnd type="none" w="med" len="med"/>
+                      <a:tailEnd type="none" w="med" len="med"/>
+                    </a:lnB>
+                    <a:solidFill>
+                      <a:schemeClr val="bg1"/>
+                    </a:solidFill>
+                  </a:tcPr>
+                </a:tc>
+                <a:extLst>
+                  <a:ext uri="{0D108BD9-81ED-4DB2-BD59-A6C34878D82A}">
+                    <a16:rowId xmlns:a16="http://schemas.microsoft.com/office/drawing/2014/main" val="100417815"/>
+                  </a:ext>
+                </a:extLst>
+              </a:tr>
+              <a:tr h="601360">
+                <a:tc>
+                  <a:txBody>
+                    <a:bodyPr/>
+                    <a:lstStyle/>
+                    <a:p>
+                      <a:pPr marL="0" marR="0" lvl="0" indent="0" algn="l" defTabSz="914400" rtl="0" eaLnBrk="1" fontAlgn="auto" latinLnBrk="0" hangingPunct="1">
+                        <a:lnSpc>
+                          <a:spcPct val="100000"/>
+                        </a:lnSpc>
+                        <a:spcBef>
+                          <a:spcPts val="0"/>
+                        </a:spcBef>
+                        <a:spcAft>
+                          <a:spcPts val="0"/>
+                        </a:spcAft>
+                        <a:buClrTx/>
+                        <a:buSzTx/>
+                        <a:buFontTx/>
+                        <a:buNone/>
+                        <a:tabLst/>
+                        <a:defRPr/>
+                      </a:pPr>
+                      <a:r>
+                        <a:rPr lang="en-US" sz="2400" dirty="0">
+                          <a:solidFill>
+                            <a:schemeClr val="tx1"/>
+                          </a:solidFill>
+                          <a:latin typeface="Avenir Book" panose="02000503020000020003" pitchFamily="2" charset="0"/>
+                          <a:ea typeface="Segoe UI Historic" panose="020B0502040204020203" pitchFamily="34" charset="0"/>
+                          <a:cs typeface="Segoe UI Historic" panose="020B0502040204020203" pitchFamily="34" charset="0"/>
+                        </a:rPr>
+                        <a:t>Documentation and visualization</a:t>
+                      </a:r>
+                    </a:p>
+                  </a:txBody>
+                  <a:tcPr anchor="ctr">
+                    <a:lnL w="12700" cap="flat" cmpd="sng" algn="ctr">
+                      <a:solidFill>
+                        <a:schemeClr val="tx1"/>
+                      </a:solidFill>
+                      <a:prstDash val="solid"/>
+                      <a:round/>
+                      <a:headEnd type="none" w="med" len="med"/>
+                      <a:tailEnd type="none" w="med" len="med"/>
+                    </a:lnL>
+                    <a:lnR w="12700" cap="flat" cmpd="sng" algn="ctr">
+                      <a:solidFill>
+                        <a:schemeClr val="tx1"/>
+                      </a:solidFill>
+                      <a:prstDash val="solid"/>
+                      <a:round/>
+                      <a:headEnd type="none" w="med" len="med"/>
+                      <a:tailEnd type="none" w="med" len="med"/>
+                    </a:lnR>
+                    <a:lnT w="12700" cap="flat" cmpd="sng" algn="ctr">
+                      <a:solidFill>
+                        <a:schemeClr val="tx1"/>
+                      </a:solidFill>
+                      <a:prstDash val="solid"/>
+                      <a:round/>
+                      <a:headEnd type="none" w="med" len="med"/>
+                      <a:tailEnd type="none" w="med" len="med"/>
+                    </a:lnT>
+                    <a:lnB w="12700" cap="flat" cmpd="sng" algn="ctr">
+                      <a:solidFill>
+                        <a:schemeClr val="tx1"/>
+                      </a:solidFill>
+                      <a:prstDash val="solid"/>
+                      <a:round/>
+                      <a:headEnd type="none" w="med" len="med"/>
+                      <a:tailEnd type="none" w="med" len="med"/>
+                    </a:lnB>
+                    <a:solidFill>
+                      <a:schemeClr val="bg1"/>
+                    </a:solidFill>
+                  </a:tcPr>
+                </a:tc>
+                <a:tc>
+                  <a:txBody>
+                    <a:bodyPr/>
+                    <a:lstStyle/>
+                    <a:p>
+                      <a:endParaRPr lang="en-US" dirty="0"/>
+                    </a:p>
+                  </a:txBody>
+                  <a:tcPr anchor="ctr">
+                    <a:lnL w="12700" cap="flat" cmpd="sng" algn="ctr">
+                      <a:solidFill>
+                        <a:schemeClr val="tx1"/>
+                      </a:solidFill>
+                      <a:prstDash val="solid"/>
+                      <a:round/>
+                      <a:headEnd type="none" w="med" len="med"/>
+                      <a:tailEnd type="none" w="med" len="med"/>
+                    </a:lnL>
+                    <a:lnR w="12700" cap="flat" cmpd="sng" algn="ctr">
+                      <a:solidFill>
+                        <a:schemeClr val="tx1"/>
+                      </a:solidFill>
+                      <a:prstDash val="solid"/>
+                      <a:round/>
+                      <a:headEnd type="none" w="med" len="med"/>
+                      <a:tailEnd type="none" w="med" len="med"/>
+                    </a:lnR>
+                    <a:lnT w="12700" cap="flat" cmpd="sng" algn="ctr">
+                      <a:solidFill>
+                        <a:schemeClr val="tx1"/>
+                      </a:solidFill>
+                      <a:prstDash val="solid"/>
+                      <a:round/>
+                      <a:headEnd type="none" w="med" len="med"/>
+                      <a:tailEnd type="none" w="med" len="med"/>
+                    </a:lnT>
+                    <a:lnB w="12700" cap="flat" cmpd="sng" algn="ctr">
+                      <a:solidFill>
+                        <a:schemeClr val="tx1"/>
+                      </a:solidFill>
+                      <a:prstDash val="solid"/>
+                      <a:round/>
+                      <a:headEnd type="none" w="med" len="med"/>
+                      <a:tailEnd type="none" w="med" len="med"/>
+                    </a:lnB>
+                    <a:solidFill>
+                      <a:schemeClr val="bg1"/>
+                    </a:solidFill>
+                  </a:tcPr>
+                </a:tc>
+                <a:tc>
+                  <a:txBody>
+                    <a:bodyPr/>
+                    <a:lstStyle/>
+                    <a:p>
+                      <a:endParaRPr lang="en-US" dirty="0"/>
+                    </a:p>
+                  </a:txBody>
+                  <a:tcPr anchor="ctr">
+                    <a:lnL w="12700" cap="flat" cmpd="sng" algn="ctr">
+                      <a:solidFill>
+                        <a:schemeClr val="tx1"/>
+                      </a:solidFill>
+                      <a:prstDash val="solid"/>
+                      <a:round/>
+                      <a:headEnd type="none" w="med" len="med"/>
+                      <a:tailEnd type="none" w="med" len="med"/>
+                    </a:lnL>
+                    <a:lnR w="12700" cap="flat" cmpd="sng" algn="ctr">
+                      <a:solidFill>
+                        <a:schemeClr val="tx1"/>
+                      </a:solidFill>
+                      <a:prstDash val="solid"/>
+                      <a:round/>
+                      <a:headEnd type="none" w="med" len="med"/>
+                      <a:tailEnd type="none" w="med" len="med"/>
+                    </a:lnR>
+                    <a:lnT w="12700" cap="flat" cmpd="sng" algn="ctr">
+                      <a:solidFill>
+                        <a:schemeClr val="tx1"/>
+                      </a:solidFill>
+                      <a:prstDash val="solid"/>
+                      <a:round/>
+                      <a:headEnd type="none" w="med" len="med"/>
+                      <a:tailEnd type="none" w="med" len="med"/>
+                    </a:lnT>
+                    <a:lnB w="12700" cap="flat" cmpd="sng" algn="ctr">
+                      <a:solidFill>
+                        <a:schemeClr val="tx1"/>
+                      </a:solidFill>
+                      <a:prstDash val="solid"/>
+                      <a:round/>
+                      <a:headEnd type="none" w="med" len="med"/>
+                      <a:tailEnd type="none" w="med" len="med"/>
+                    </a:lnB>
+                    <a:solidFill>
+                      <a:schemeClr val="bg1"/>
+                    </a:solidFill>
+                  </a:tcPr>
+                </a:tc>
+                <a:tc>
+                  <a:txBody>
+                    <a:bodyPr/>
+                    <a:lstStyle/>
+                    <a:p>
+                      <a:endParaRPr lang="en-US" dirty="0"/>
+                    </a:p>
+                  </a:txBody>
+                  <a:tcPr anchor="ctr">
+                    <a:lnL w="12700" cap="flat" cmpd="sng" algn="ctr">
+                      <a:solidFill>
+                        <a:schemeClr val="tx1"/>
+                      </a:solidFill>
+                      <a:prstDash val="solid"/>
+                      <a:round/>
+                      <a:headEnd type="none" w="med" len="med"/>
+                      <a:tailEnd type="none" w="med" len="med"/>
+                    </a:lnL>
+                    <a:lnR w="12700" cap="flat" cmpd="sng" algn="ctr">
+                      <a:solidFill>
+                        <a:schemeClr val="tx1"/>
+                      </a:solidFill>
+                      <a:prstDash val="solid"/>
+                      <a:round/>
+                      <a:headEnd type="none" w="med" len="med"/>
+                      <a:tailEnd type="none" w="med" len="med"/>
+                    </a:lnR>
+                    <a:lnT w="12700" cap="flat" cmpd="sng" algn="ctr">
+                      <a:solidFill>
+                        <a:schemeClr val="tx1"/>
+                      </a:solidFill>
+                      <a:prstDash val="solid"/>
+                      <a:round/>
+                      <a:headEnd type="none" w="med" len="med"/>
+                      <a:tailEnd type="none" w="med" len="med"/>
+                    </a:lnT>
+                    <a:lnB w="12700" cap="flat" cmpd="sng" algn="ctr">
+                      <a:solidFill>
+                        <a:schemeClr val="tx1"/>
+                      </a:solidFill>
+                      <a:prstDash val="solid"/>
+                      <a:round/>
+                      <a:headEnd type="none" w="med" len="med"/>
+                      <a:tailEnd type="none" w="med" len="med"/>
+                    </a:lnB>
+                    <a:solidFill>
+                      <a:schemeClr val="bg1"/>
+                    </a:solidFill>
+                  </a:tcPr>
+                </a:tc>
+                <a:extLst>
+                  <a:ext uri="{0D108BD9-81ED-4DB2-BD59-A6C34878D82A}">
+                    <a16:rowId xmlns:a16="http://schemas.microsoft.com/office/drawing/2014/main" val="1567677508"/>
+                  </a:ext>
+                </a:extLst>
+              </a:tr>
+            </a:tbl>
+          </a:graphicData>
+        </a:graphic>
+      </p:graphicFrame>
+      <p:pic>
+        <p:nvPicPr>
+          <p:cNvPr id="9" name="Picture 8">
+            <a:extLst>
+              <a:ext uri="{FF2B5EF4-FFF2-40B4-BE49-F238E27FC236}">
+                <a16:creationId xmlns:a16="http://schemas.microsoft.com/office/drawing/2014/main" id="{CB7C50E8-1517-79A9-18D4-3454C3E93AD0}"/>
+              </a:ext>
+            </a:extLst>
+          </p:cNvPr>
+          <p:cNvPicPr>
+            <a:picLocks noChangeAspect="1"/>
+          </p:cNvPicPr>
+          <p:nvPr/>
+        </p:nvPicPr>
+        <p:blipFill rotWithShape="1">
+          <a:blip r:embed="rId2"/>
+          <a:srcRect t="14536" b="15763"/>
+          <a:stretch/>
+        </p:blipFill>
+        <p:spPr>
+          <a:xfrm>
+            <a:off x="7865603" y="1496096"/>
+            <a:ext cx="1670881" cy="469080"/>
+          </a:xfrm>
+          <a:prstGeom prst="rect">
+            <a:avLst/>
+          </a:prstGeom>
+        </p:spPr>
+      </p:pic>
+      <p:pic>
+        <p:nvPicPr>
+          <p:cNvPr id="10" name="Picture 11" descr="Learn Quantum Computation using Qiskit">
+            <a:extLst>
+              <a:ext uri="{FF2B5EF4-FFF2-40B4-BE49-F238E27FC236}">
+                <a16:creationId xmlns:a16="http://schemas.microsoft.com/office/drawing/2014/main" id="{3133E935-465C-6D1A-CE3E-BCF5CE9845B4}"/>
+              </a:ext>
+            </a:extLst>
+          </p:cNvPr>
+          <p:cNvPicPr>
+            <a:picLocks noChangeAspect="1" noChangeArrowheads="1"/>
+          </p:cNvPicPr>
+          <p:nvPr/>
+        </p:nvPicPr>
+        <p:blipFill>
+          <a:blip r:embed="rId3">
+            <a:extLst>
+              <a:ext uri="{28A0092B-C50C-407E-A947-70E740481C1C}">
+                <a14:useLocalDpi xmlns:a14="http://schemas.microsoft.com/office/drawing/2010/main" val="0"/>
+              </a:ext>
+            </a:extLst>
+          </a:blip>
+          <a:srcRect/>
+          <a:stretch>
+            <a:fillRect/>
+          </a:stretch>
+        </p:blipFill>
+        <p:spPr bwMode="auto">
+          <a:xfrm>
+            <a:off x="6067424" y="1535646"/>
+            <a:ext cx="1257296" cy="389980"/>
+          </a:xfrm>
+          <a:prstGeom prst="rect">
+            <a:avLst/>
+          </a:prstGeom>
+          <a:noFill/>
+          <a:extLst>
+            <a:ext uri="{909E8E84-426E-40DD-AFC4-6F175D3DCCD1}">
+              <a14:hiddenFill xmlns:a14="http://schemas.microsoft.com/office/drawing/2010/main">
+                <a:solidFill>
+                  <a:srgbClr val="FFFFFF"/>
+                </a:solidFill>
+              </a14:hiddenFill>
+            </a:ext>
+          </a:extLst>
+        </p:spPr>
+      </p:pic>
+      <p:pic>
+        <p:nvPicPr>
+          <p:cNvPr id="11" name="Picture 13" descr="PennyLane">
+            <a:extLst>
+              <a:ext uri="{FF2B5EF4-FFF2-40B4-BE49-F238E27FC236}">
+                <a16:creationId xmlns:a16="http://schemas.microsoft.com/office/drawing/2014/main" id="{20DD22EF-B321-F3A5-F518-2309B2818861}"/>
+              </a:ext>
+            </a:extLst>
+          </p:cNvPr>
+          <p:cNvPicPr>
+            <a:picLocks noChangeAspect="1" noChangeArrowheads="1"/>
+          </p:cNvPicPr>
+          <p:nvPr/>
+        </p:nvPicPr>
+        <p:blipFill>
+          <a:blip r:embed="rId4">
+            <a:extLst>
+              <a:ext uri="{28A0092B-C50C-407E-A947-70E740481C1C}">
+                <a14:useLocalDpi xmlns:a14="http://schemas.microsoft.com/office/drawing/2010/main" val="0"/>
+              </a:ext>
+            </a:extLst>
+          </a:blip>
+          <a:srcRect/>
+          <a:stretch>
+            <a:fillRect/>
+          </a:stretch>
+        </p:blipFill>
+        <p:spPr bwMode="auto">
+          <a:xfrm>
+            <a:off x="10152255" y="1384916"/>
+            <a:ext cx="1019073" cy="691439"/>
+          </a:xfrm>
+          <a:prstGeom prst="rect">
+            <a:avLst/>
+          </a:prstGeom>
+          <a:noFill/>
+          <a:extLst>
+            <a:ext uri="{909E8E84-426E-40DD-AFC4-6F175D3DCCD1}">
+              <a14:hiddenFill xmlns:a14="http://schemas.microsoft.com/office/drawing/2010/main">
+                <a:solidFill>
+                  <a:srgbClr val="FFFFFF"/>
+                </a:solidFill>
+              </a14:hiddenFill>
+            </a:ext>
+          </a:extLst>
+        </p:spPr>
+      </p:pic>
+      <p:pic>
+        <p:nvPicPr>
+          <p:cNvPr id="12" name="Picture 4" descr="Done - Free ui icons">
+            <a:extLst>
+              <a:ext uri="{FF2B5EF4-FFF2-40B4-BE49-F238E27FC236}">
+                <a16:creationId xmlns:a16="http://schemas.microsoft.com/office/drawing/2014/main" id="{BD083A65-192A-57AD-F7F5-F34610D6DDF5}"/>
+              </a:ext>
+            </a:extLst>
+          </p:cNvPr>
+          <p:cNvPicPr>
+            <a:picLocks noChangeAspect="1" noChangeArrowheads="1"/>
+          </p:cNvPicPr>
+          <p:nvPr/>
+        </p:nvPicPr>
+        <p:blipFill>
+          <a:blip r:embed="rId5">
+            <a:extLst>
+              <a:ext uri="{28A0092B-C50C-407E-A947-70E740481C1C}">
+                <a14:useLocalDpi xmlns:a14="http://schemas.microsoft.com/office/drawing/2010/main" val="0"/>
+              </a:ext>
+            </a:extLst>
+          </a:blip>
+          <a:srcRect/>
+          <a:stretch>
+            <a:fillRect/>
+          </a:stretch>
+        </p:blipFill>
+        <p:spPr bwMode="auto">
+          <a:xfrm>
+            <a:off x="6476225" y="2119219"/>
+            <a:ext cx="389980" cy="389980"/>
+          </a:xfrm>
+          <a:prstGeom prst="rect">
+            <a:avLst/>
+          </a:prstGeom>
+          <a:noFill/>
+          <a:extLst>
+            <a:ext uri="{909E8E84-426E-40DD-AFC4-6F175D3DCCD1}">
+              <a14:hiddenFill xmlns:a14="http://schemas.microsoft.com/office/drawing/2010/main">
+                <a:solidFill>
+                  <a:srgbClr val="FFFFFF"/>
+                </a:solidFill>
+              </a14:hiddenFill>
+            </a:ext>
+          </a:extLst>
+        </p:spPr>
+      </p:pic>
+      <p:pic>
+        <p:nvPicPr>
+          <p:cNvPr id="13" name="Picture 4" descr="Done - Free ui icons">
+            <a:extLst>
+              <a:ext uri="{FF2B5EF4-FFF2-40B4-BE49-F238E27FC236}">
+                <a16:creationId xmlns:a16="http://schemas.microsoft.com/office/drawing/2014/main" id="{9F4646ED-5F07-5781-A296-294452E55D7E}"/>
+              </a:ext>
+            </a:extLst>
+          </p:cNvPr>
+          <p:cNvPicPr>
+            <a:picLocks noChangeAspect="1" noChangeArrowheads="1"/>
+          </p:cNvPicPr>
+          <p:nvPr/>
+        </p:nvPicPr>
+        <p:blipFill>
+          <a:blip r:embed="rId5">
+            <a:extLst>
+              <a:ext uri="{28A0092B-C50C-407E-A947-70E740481C1C}">
+                <a14:useLocalDpi xmlns:a14="http://schemas.microsoft.com/office/drawing/2010/main" val="0"/>
+              </a:ext>
+            </a:extLst>
+          </a:blip>
+          <a:srcRect/>
+          <a:stretch>
+            <a:fillRect/>
+          </a:stretch>
+        </p:blipFill>
+        <p:spPr bwMode="auto">
+          <a:xfrm>
+            <a:off x="6476225" y="2702792"/>
+            <a:ext cx="389980" cy="389980"/>
+          </a:xfrm>
+          <a:prstGeom prst="rect">
+            <a:avLst/>
+          </a:prstGeom>
+          <a:noFill/>
+          <a:extLst>
+            <a:ext uri="{909E8E84-426E-40DD-AFC4-6F175D3DCCD1}">
+              <a14:hiddenFill xmlns:a14="http://schemas.microsoft.com/office/drawing/2010/main">
+                <a:solidFill>
+                  <a:srgbClr val="FFFFFF"/>
+                </a:solidFill>
+              </a14:hiddenFill>
+            </a:ext>
+          </a:extLst>
+        </p:spPr>
+      </p:pic>
+      <p:pic>
+        <p:nvPicPr>
+          <p:cNvPr id="15" name="Picture 4" descr="Done - Free ui icons">
+            <a:extLst>
+              <a:ext uri="{FF2B5EF4-FFF2-40B4-BE49-F238E27FC236}">
+                <a16:creationId xmlns:a16="http://schemas.microsoft.com/office/drawing/2014/main" id="{6EF6C1F8-BC23-4D2F-88C3-A66573E6C0A7}"/>
+              </a:ext>
+            </a:extLst>
+          </p:cNvPr>
+          <p:cNvPicPr>
+            <a:picLocks noChangeAspect="1" noChangeArrowheads="1"/>
+          </p:cNvPicPr>
+          <p:nvPr/>
+        </p:nvPicPr>
+        <p:blipFill>
+          <a:blip r:embed="rId5">
+            <a:extLst>
+              <a:ext uri="{28A0092B-C50C-407E-A947-70E740481C1C}">
+                <a14:useLocalDpi xmlns:a14="http://schemas.microsoft.com/office/drawing/2010/main" val="0"/>
+              </a:ext>
+            </a:extLst>
+          </a:blip>
+          <a:srcRect/>
+          <a:stretch>
+            <a:fillRect/>
+          </a:stretch>
+        </p:blipFill>
+        <p:spPr bwMode="auto">
+          <a:xfrm>
+            <a:off x="6476225" y="3343808"/>
+            <a:ext cx="389980" cy="389980"/>
+          </a:xfrm>
+          <a:prstGeom prst="rect">
+            <a:avLst/>
+          </a:prstGeom>
+          <a:noFill/>
+          <a:extLst>
+            <a:ext uri="{909E8E84-426E-40DD-AFC4-6F175D3DCCD1}">
+              <a14:hiddenFill xmlns:a14="http://schemas.microsoft.com/office/drawing/2010/main">
+                <a:solidFill>
+                  <a:srgbClr val="FFFFFF"/>
+                </a:solidFill>
+              </a14:hiddenFill>
+            </a:ext>
+          </a:extLst>
+        </p:spPr>
+      </p:pic>
+      <p:pic>
+        <p:nvPicPr>
+          <p:cNvPr id="16" name="Picture 15">
+            <a:extLst>
+              <a:ext uri="{FF2B5EF4-FFF2-40B4-BE49-F238E27FC236}">
+                <a16:creationId xmlns:a16="http://schemas.microsoft.com/office/drawing/2014/main" id="{97A96677-85F1-D0D4-317D-10F25FB408EE}"/>
+              </a:ext>
+            </a:extLst>
+          </p:cNvPr>
+          <p:cNvPicPr>
+            <a:picLocks noChangeAspect="1"/>
+          </p:cNvPicPr>
+          <p:nvPr/>
+        </p:nvPicPr>
+        <p:blipFill>
+          <a:blip r:embed="rId6">
+            <a:grayscl/>
+          </a:blip>
+          <a:stretch>
+            <a:fillRect/>
+          </a:stretch>
+        </p:blipFill>
+        <p:spPr>
+          <a:xfrm>
+            <a:off x="6468050" y="3907655"/>
+            <a:ext cx="406331" cy="460509"/>
+          </a:xfrm>
+          <a:prstGeom prst="rect">
+            <a:avLst/>
+          </a:prstGeom>
+        </p:spPr>
+      </p:pic>
+      <p:pic>
+        <p:nvPicPr>
+          <p:cNvPr id="17" name="Picture 4" descr="Done - Free ui icons">
+            <a:extLst>
+              <a:ext uri="{FF2B5EF4-FFF2-40B4-BE49-F238E27FC236}">
+                <a16:creationId xmlns:a16="http://schemas.microsoft.com/office/drawing/2014/main" id="{9C798660-B914-6452-A7AF-000DE0BD0481}"/>
+              </a:ext>
+            </a:extLst>
+          </p:cNvPr>
+          <p:cNvPicPr>
+            <a:picLocks noChangeAspect="1" noChangeArrowheads="1"/>
+          </p:cNvPicPr>
+          <p:nvPr/>
+        </p:nvPicPr>
+        <p:blipFill>
+          <a:blip r:embed="rId5">
+            <a:extLst>
+              <a:ext uri="{28A0092B-C50C-407E-A947-70E740481C1C}">
+                <a14:useLocalDpi xmlns:a14="http://schemas.microsoft.com/office/drawing/2010/main" val="0"/>
+              </a:ext>
+            </a:extLst>
+          </a:blip>
+          <a:srcRect/>
+          <a:stretch>
+            <a:fillRect/>
+          </a:stretch>
+        </p:blipFill>
+        <p:spPr bwMode="auto">
+          <a:xfrm>
+            <a:off x="6476225" y="5132244"/>
+            <a:ext cx="389980" cy="389980"/>
+          </a:xfrm>
+          <a:prstGeom prst="rect">
+            <a:avLst/>
+          </a:prstGeom>
+          <a:noFill/>
+          <a:extLst>
+            <a:ext uri="{909E8E84-426E-40DD-AFC4-6F175D3DCCD1}">
+              <a14:hiddenFill xmlns:a14="http://schemas.microsoft.com/office/drawing/2010/main">
+                <a:solidFill>
+                  <a:srgbClr val="FFFFFF"/>
+                </a:solidFill>
+              </a14:hiddenFill>
+            </a:ext>
+          </a:extLst>
+        </p:spPr>
+      </p:pic>
+      <p:pic>
+        <p:nvPicPr>
+          <p:cNvPr id="18" name="Picture 4" descr="Done - Free ui icons">
+            <a:extLst>
+              <a:ext uri="{FF2B5EF4-FFF2-40B4-BE49-F238E27FC236}">
+                <a16:creationId xmlns:a16="http://schemas.microsoft.com/office/drawing/2014/main" id="{7B8A5D71-678E-8B77-D928-892C87FD8EAA}"/>
+              </a:ext>
+            </a:extLst>
+          </p:cNvPr>
+          <p:cNvPicPr>
+            <a:picLocks noChangeAspect="1" noChangeArrowheads="1"/>
+          </p:cNvPicPr>
+          <p:nvPr/>
+        </p:nvPicPr>
+        <p:blipFill>
+          <a:blip r:embed="rId5">
+            <a:extLst>
+              <a:ext uri="{28A0092B-C50C-407E-A947-70E740481C1C}">
+                <a14:useLocalDpi xmlns:a14="http://schemas.microsoft.com/office/drawing/2010/main" val="0"/>
+              </a:ext>
+            </a:extLst>
+          </a:blip>
+          <a:srcRect/>
+          <a:stretch>
+            <a:fillRect/>
+          </a:stretch>
+        </p:blipFill>
+        <p:spPr bwMode="auto">
+          <a:xfrm>
+            <a:off x="8471713" y="2119219"/>
+            <a:ext cx="389980" cy="389980"/>
+          </a:xfrm>
+          <a:prstGeom prst="rect">
+            <a:avLst/>
+          </a:prstGeom>
+          <a:noFill/>
+          <a:extLst>
+            <a:ext uri="{909E8E84-426E-40DD-AFC4-6F175D3DCCD1}">
+              <a14:hiddenFill xmlns:a14="http://schemas.microsoft.com/office/drawing/2010/main">
+                <a:solidFill>
+                  <a:srgbClr val="FFFFFF"/>
+                </a:solidFill>
+              </a14:hiddenFill>
+            </a:ext>
+          </a:extLst>
+        </p:spPr>
+      </p:pic>
+      <p:pic>
+        <p:nvPicPr>
+          <p:cNvPr id="19" name="Picture 4" descr="Done - Free ui icons">
+            <a:extLst>
+              <a:ext uri="{FF2B5EF4-FFF2-40B4-BE49-F238E27FC236}">
+                <a16:creationId xmlns:a16="http://schemas.microsoft.com/office/drawing/2014/main" id="{3DC1C5CC-10B8-EFA4-0F68-06D0303BFA04}"/>
+              </a:ext>
+            </a:extLst>
+          </p:cNvPr>
+          <p:cNvPicPr>
+            <a:picLocks noChangeAspect="1" noChangeArrowheads="1"/>
+          </p:cNvPicPr>
+          <p:nvPr/>
+        </p:nvPicPr>
+        <p:blipFill>
+          <a:blip r:embed="rId5">
+            <a:extLst>
+              <a:ext uri="{28A0092B-C50C-407E-A947-70E740481C1C}">
+                <a14:useLocalDpi xmlns:a14="http://schemas.microsoft.com/office/drawing/2010/main" val="0"/>
+              </a:ext>
+            </a:extLst>
+          </a:blip>
+          <a:srcRect/>
+          <a:stretch>
+            <a:fillRect/>
+          </a:stretch>
+        </p:blipFill>
+        <p:spPr bwMode="auto">
+          <a:xfrm>
+            <a:off x="8471713" y="2702792"/>
+            <a:ext cx="389980" cy="389980"/>
+          </a:xfrm>
+          <a:prstGeom prst="rect">
+            <a:avLst/>
+          </a:prstGeom>
+          <a:noFill/>
+          <a:extLst>
+            <a:ext uri="{909E8E84-426E-40DD-AFC4-6F175D3DCCD1}">
+              <a14:hiddenFill xmlns:a14="http://schemas.microsoft.com/office/drawing/2010/main">
+                <a:solidFill>
+                  <a:srgbClr val="FFFFFF"/>
+                </a:solidFill>
+              </a14:hiddenFill>
+            </a:ext>
+          </a:extLst>
+        </p:spPr>
+      </p:pic>
+      <p:pic>
+        <p:nvPicPr>
+          <p:cNvPr id="21" name="Picture 20">
+            <a:extLst>
+              <a:ext uri="{FF2B5EF4-FFF2-40B4-BE49-F238E27FC236}">
+                <a16:creationId xmlns:a16="http://schemas.microsoft.com/office/drawing/2014/main" id="{CDEE48C1-D1BA-FC8C-06E8-A90489D46BCD}"/>
+              </a:ext>
+            </a:extLst>
+          </p:cNvPr>
+          <p:cNvPicPr>
+            <a:picLocks noChangeAspect="1"/>
+          </p:cNvPicPr>
+          <p:nvPr/>
+        </p:nvPicPr>
+        <p:blipFill>
+          <a:blip r:embed="rId6">
+            <a:grayscl/>
+          </a:blip>
+          <a:stretch>
+            <a:fillRect/>
+          </a:stretch>
+        </p:blipFill>
+        <p:spPr>
+          <a:xfrm>
+            <a:off x="8463538" y="3334767"/>
+            <a:ext cx="406331" cy="460509"/>
+          </a:xfrm>
+          <a:prstGeom prst="rect">
+            <a:avLst/>
+          </a:prstGeom>
+        </p:spPr>
+      </p:pic>
+      <p:pic>
+        <p:nvPicPr>
+          <p:cNvPr id="23" name="Picture 4" descr="Done - Free ui icons">
+            <a:extLst>
+              <a:ext uri="{FF2B5EF4-FFF2-40B4-BE49-F238E27FC236}">
+                <a16:creationId xmlns:a16="http://schemas.microsoft.com/office/drawing/2014/main" id="{3E51D7D8-EE23-87B4-7E6D-A7DA7537F250}"/>
+              </a:ext>
+            </a:extLst>
+          </p:cNvPr>
+          <p:cNvPicPr>
+            <a:picLocks noChangeAspect="1" noChangeArrowheads="1"/>
+          </p:cNvPicPr>
+          <p:nvPr/>
+        </p:nvPicPr>
+        <p:blipFill>
+          <a:blip r:embed="rId5">
+            <a:extLst>
+              <a:ext uri="{28A0092B-C50C-407E-A947-70E740481C1C}">
+                <a14:useLocalDpi xmlns:a14="http://schemas.microsoft.com/office/drawing/2010/main" val="0"/>
+              </a:ext>
+            </a:extLst>
+          </a:blip>
+          <a:srcRect/>
+          <a:stretch>
+            <a:fillRect/>
+          </a:stretch>
+        </p:blipFill>
+        <p:spPr bwMode="auto">
+          <a:xfrm>
+            <a:off x="10484931" y="2156683"/>
+            <a:ext cx="389980" cy="389980"/>
+          </a:xfrm>
+          <a:prstGeom prst="rect">
+            <a:avLst/>
+          </a:prstGeom>
+          <a:noFill/>
+          <a:extLst>
+            <a:ext uri="{909E8E84-426E-40DD-AFC4-6F175D3DCCD1}">
+              <a14:hiddenFill xmlns:a14="http://schemas.microsoft.com/office/drawing/2010/main">
+                <a:solidFill>
+                  <a:srgbClr val="FFFFFF"/>
+                </a:solidFill>
+              </a14:hiddenFill>
+            </a:ext>
+          </a:extLst>
+        </p:spPr>
+      </p:pic>
+      <p:pic>
+        <p:nvPicPr>
+          <p:cNvPr id="26" name="Picture 25">
+            <a:extLst>
+              <a:ext uri="{FF2B5EF4-FFF2-40B4-BE49-F238E27FC236}">
+                <a16:creationId xmlns:a16="http://schemas.microsoft.com/office/drawing/2014/main" id="{5DA6BC08-D936-547D-5888-66D9D7F7CAF1}"/>
+              </a:ext>
+            </a:extLst>
+          </p:cNvPr>
+          <p:cNvPicPr>
+            <a:picLocks noChangeAspect="1"/>
+          </p:cNvPicPr>
+          <p:nvPr/>
+        </p:nvPicPr>
+        <p:blipFill>
+          <a:blip r:embed="rId6">
+            <a:grayscl/>
+          </a:blip>
+          <a:stretch>
+            <a:fillRect/>
+          </a:stretch>
+        </p:blipFill>
+        <p:spPr>
+          <a:xfrm>
+            <a:off x="10476756" y="2702792"/>
+            <a:ext cx="406331" cy="460509"/>
+          </a:xfrm>
+          <a:prstGeom prst="rect">
+            <a:avLst/>
+          </a:prstGeom>
+        </p:spPr>
+      </p:pic>
+      <p:pic>
+        <p:nvPicPr>
+          <p:cNvPr id="28" name="Picture 27">
+            <a:extLst>
+              <a:ext uri="{FF2B5EF4-FFF2-40B4-BE49-F238E27FC236}">
+                <a16:creationId xmlns:a16="http://schemas.microsoft.com/office/drawing/2014/main" id="{092808DA-F034-78EF-9126-6539BA203184}"/>
+              </a:ext>
+            </a:extLst>
+          </p:cNvPr>
+          <p:cNvPicPr>
+            <a:picLocks noChangeAspect="1"/>
+          </p:cNvPicPr>
+          <p:nvPr/>
+        </p:nvPicPr>
+        <p:blipFill>
+          <a:blip r:embed="rId6">
+            <a:grayscl/>
+          </a:blip>
+          <a:stretch>
+            <a:fillRect/>
+          </a:stretch>
+        </p:blipFill>
+        <p:spPr>
+          <a:xfrm>
+            <a:off x="8455362" y="5096979"/>
+            <a:ext cx="406331" cy="460509"/>
+          </a:xfrm>
+          <a:prstGeom prst="rect">
+            <a:avLst/>
+          </a:prstGeom>
+        </p:spPr>
+      </p:pic>
+    </p:spTree>
+    <p:extLst>
+      <p:ext uri="{BB962C8B-B14F-4D97-AF65-F5344CB8AC3E}">
+        <p14:creationId xmlns:p14="http://schemas.microsoft.com/office/powerpoint/2010/main" val="3808382992"/>
       </p:ext>
     </p:extLst>
   </p:cSld>

--- a/docs/end-of-hackathon-presentation.pptx
+++ b/docs/end-of-hackathon-presentation.pptx
@@ -7,7 +7,9 @@
   <p:sldIdLst>
     <p:sldId id="258" r:id="rId2"/>
     <p:sldId id="260" r:id="rId3"/>
-    <p:sldId id="263" r:id="rId4"/>
+    <p:sldId id="266" r:id="rId4"/>
+    <p:sldId id="265" r:id="rId5"/>
+    <p:sldId id="263" r:id="rId6"/>
   </p:sldIdLst>
   <p:sldSz cx="12192000" cy="6858000"/>
   <p:notesSz cx="6858000" cy="9144000"/>
@@ -5230,6 +5232,1074 @@
 </file>
 
 <file path=ppt/slides/slide3.xml><?xml version="1.0" encoding="utf-8"?>
+<p:sld xmlns:a="http://schemas.openxmlformats.org/drawingml/2006/main" xmlns:r="http://schemas.openxmlformats.org/officeDocument/2006/relationships" xmlns:p="http://schemas.openxmlformats.org/presentationml/2006/main">
+  <p:cSld>
+    <p:spTree>
+      <p:nvGrpSpPr>
+        <p:cNvPr id="1" name=""/>
+        <p:cNvGrpSpPr/>
+        <p:nvPr/>
+      </p:nvGrpSpPr>
+      <p:grpSpPr>
+        <a:xfrm>
+          <a:off x="0" y="0"/>
+          <a:ext cx="0" cy="0"/>
+          <a:chOff x="0" y="0"/>
+          <a:chExt cx="0" cy="0"/>
+        </a:xfrm>
+      </p:grpSpPr>
+      <p:sp>
+        <p:nvSpPr>
+          <p:cNvPr id="30" name="Rectangle 29">
+            <a:extLst>
+              <a:ext uri="{FF2B5EF4-FFF2-40B4-BE49-F238E27FC236}">
+                <a16:creationId xmlns:a16="http://schemas.microsoft.com/office/drawing/2014/main" id="{41C33452-251A-EFE5-7DF0-598194EF831A}"/>
+              </a:ext>
+            </a:extLst>
+          </p:cNvPr>
+          <p:cNvSpPr/>
+          <p:nvPr/>
+        </p:nvSpPr>
+        <p:spPr>
+          <a:xfrm>
+            <a:off x="352787" y="206524"/>
+            <a:ext cx="11459461" cy="830574"/>
+          </a:xfrm>
+          <a:prstGeom prst="rect">
+            <a:avLst/>
+          </a:prstGeom>
+          <a:solidFill>
+            <a:schemeClr val="bg1">
+              <a:lumMod val="50000"/>
+            </a:schemeClr>
+          </a:solidFill>
+          <a:ln w="9525">
+            <a:solidFill>
+              <a:schemeClr val="bg2">
+                <a:lumMod val="50000"/>
+              </a:schemeClr>
+            </a:solidFill>
+          </a:ln>
+          <a:effectLst>
+            <a:outerShdw blurRad="50800" dist="38100" dir="2700000" algn="tl" rotWithShape="0">
+              <a:prstClr val="black">
+                <a:alpha val="40000"/>
+              </a:prstClr>
+            </a:outerShdw>
+          </a:effectLst>
+        </p:spPr>
+        <p:style>
+          <a:lnRef idx="2">
+            <a:schemeClr val="accent1">
+              <a:shade val="50000"/>
+            </a:schemeClr>
+          </a:lnRef>
+          <a:fillRef idx="1">
+            <a:schemeClr val="accent1"/>
+          </a:fillRef>
+          <a:effectRef idx="0">
+            <a:schemeClr val="accent1"/>
+          </a:effectRef>
+          <a:fontRef idx="minor">
+            <a:schemeClr val="lt1"/>
+          </a:fontRef>
+        </p:style>
+        <p:txBody>
+          <a:bodyPr rtlCol="0" anchor="ctr"/>
+          <a:lstStyle/>
+          <a:p>
+            <a:pPr algn="ctr"/>
+            <a:r>
+              <a:rPr lang="en-US" sz="3600" b="1" dirty="0">
+                <a:solidFill>
+                  <a:schemeClr val="bg1">
+                    <a:lumMod val="95000"/>
+                  </a:schemeClr>
+                </a:solidFill>
+                <a:latin typeface="Avenir Book" panose="02000503020000020003" pitchFamily="2" charset="0"/>
+                <a:ea typeface="Segoe UI Historic" panose="020B0502040204020203" pitchFamily="34" charset="0"/>
+                <a:cs typeface="Segoe UI Historic" panose="020B0502040204020203" pitchFamily="34" charset="0"/>
+              </a:rPr>
+              <a:t>Some example non-distributed QFT circuits</a:t>
+            </a:r>
+          </a:p>
+        </p:txBody>
+      </p:sp>
+      <p:grpSp>
+        <p:nvGrpSpPr>
+          <p:cNvPr id="27" name="Group 26">
+            <a:extLst>
+              <a:ext uri="{FF2B5EF4-FFF2-40B4-BE49-F238E27FC236}">
+                <a16:creationId xmlns:a16="http://schemas.microsoft.com/office/drawing/2014/main" id="{CB73E20C-50ED-5D06-38D4-280AF18DEE3C}"/>
+              </a:ext>
+            </a:extLst>
+          </p:cNvPr>
+          <p:cNvGrpSpPr/>
+          <p:nvPr/>
+        </p:nvGrpSpPr>
+        <p:grpSpPr>
+          <a:xfrm>
+            <a:off x="349229" y="1227747"/>
+            <a:ext cx="11493542" cy="2601306"/>
+            <a:chOff x="1495426" y="2671763"/>
+            <a:chExt cx="2862702" cy="2601306"/>
+          </a:xfrm>
+        </p:grpSpPr>
+        <p:sp>
+          <p:nvSpPr>
+            <p:cNvPr id="29" name="Rectangle 28">
+              <a:extLst>
+                <a:ext uri="{FF2B5EF4-FFF2-40B4-BE49-F238E27FC236}">
+                  <a16:creationId xmlns:a16="http://schemas.microsoft.com/office/drawing/2014/main" id="{B9E9B44D-1C88-2098-FEFC-BD4E0EC07EFB}"/>
+                </a:ext>
+              </a:extLst>
+            </p:cNvPr>
+            <p:cNvSpPr/>
+            <p:nvPr/>
+          </p:nvSpPr>
+          <p:spPr>
+            <a:xfrm>
+              <a:off x="1495426" y="2671763"/>
+              <a:ext cx="2862702" cy="561336"/>
+            </a:xfrm>
+            <a:prstGeom prst="rect">
+              <a:avLst/>
+            </a:prstGeom>
+            <a:solidFill>
+              <a:schemeClr val="bg1">
+                <a:lumMod val="50000"/>
+              </a:schemeClr>
+            </a:solidFill>
+            <a:ln w="9525">
+              <a:solidFill>
+                <a:schemeClr val="bg2">
+                  <a:lumMod val="50000"/>
+                </a:schemeClr>
+              </a:solidFill>
+            </a:ln>
+            <a:effectLst>
+              <a:outerShdw blurRad="50800" dist="38100" dir="2700000" algn="tl" rotWithShape="0">
+                <a:prstClr val="black">
+                  <a:alpha val="40000"/>
+                </a:prstClr>
+              </a:outerShdw>
+            </a:effectLst>
+          </p:spPr>
+          <p:style>
+            <a:lnRef idx="2">
+              <a:schemeClr val="accent1">
+                <a:shade val="50000"/>
+              </a:schemeClr>
+            </a:lnRef>
+            <a:fillRef idx="1">
+              <a:schemeClr val="accent1"/>
+            </a:fillRef>
+            <a:effectRef idx="0">
+              <a:schemeClr val="accent1"/>
+            </a:effectRef>
+            <a:fontRef idx="minor">
+              <a:schemeClr val="lt1"/>
+            </a:fontRef>
+          </p:style>
+          <p:txBody>
+            <a:bodyPr lIns="182880" rtlCol="0" anchor="ctr"/>
+            <a:lstStyle/>
+            <a:p>
+              <a:r>
+                <a:rPr lang="en-US" sz="2000" b="1" dirty="0">
+                  <a:solidFill>
+                    <a:schemeClr val="bg1">
+                      <a:lumMod val="95000"/>
+                    </a:schemeClr>
+                  </a:solidFill>
+                  <a:latin typeface="Avenir Book" panose="02000503020000020003" pitchFamily="2" charset="0"/>
+                  <a:ea typeface="Segoe UI Historic" panose="020B0502040204020203" pitchFamily="34" charset="0"/>
+                  <a:cs typeface="Segoe UI Historic" panose="020B0502040204020203" pitchFamily="34" charset="0"/>
+                </a:rPr>
+                <a:t>2-qubit non-distributed QFT</a:t>
+              </a:r>
+            </a:p>
+          </p:txBody>
+        </p:sp>
+        <p:sp>
+          <p:nvSpPr>
+            <p:cNvPr id="31" name="Rectangle 30">
+              <a:extLst>
+                <a:ext uri="{FF2B5EF4-FFF2-40B4-BE49-F238E27FC236}">
+                  <a16:creationId xmlns:a16="http://schemas.microsoft.com/office/drawing/2014/main" id="{E8E04C6B-57E9-BC15-6F43-6C2A994045B8}"/>
+                </a:ext>
+              </a:extLst>
+            </p:cNvPr>
+            <p:cNvSpPr/>
+            <p:nvPr/>
+          </p:nvSpPr>
+          <p:spPr>
+            <a:xfrm>
+              <a:off x="1495426" y="3233098"/>
+              <a:ext cx="2862702" cy="2039971"/>
+            </a:xfrm>
+            <a:prstGeom prst="rect">
+              <a:avLst/>
+            </a:prstGeom>
+            <a:solidFill>
+              <a:schemeClr val="bg1"/>
+            </a:solidFill>
+            <a:ln w="9525">
+              <a:solidFill>
+                <a:schemeClr val="bg2">
+                  <a:lumMod val="50000"/>
+                </a:schemeClr>
+              </a:solidFill>
+            </a:ln>
+            <a:effectLst>
+              <a:outerShdw blurRad="50800" dist="38100" dir="2700000" algn="tl" rotWithShape="0">
+                <a:prstClr val="black">
+                  <a:alpha val="40000"/>
+                </a:prstClr>
+              </a:outerShdw>
+            </a:effectLst>
+          </p:spPr>
+          <p:style>
+            <a:lnRef idx="2">
+              <a:schemeClr val="accent1">
+                <a:shade val="50000"/>
+              </a:schemeClr>
+            </a:lnRef>
+            <a:fillRef idx="1">
+              <a:schemeClr val="accent1"/>
+            </a:fillRef>
+            <a:effectRef idx="0">
+              <a:schemeClr val="accent1"/>
+            </a:effectRef>
+            <a:fontRef idx="minor">
+              <a:schemeClr val="lt1"/>
+            </a:fontRef>
+          </p:style>
+          <p:txBody>
+            <a:bodyPr lIns="182880" tIns="182880" rtlCol="0" anchor="t" anchorCtr="0"/>
+            <a:lstStyle/>
+            <a:p>
+              <a:endParaRPr lang="en-US" sz="2000" dirty="0">
+                <a:solidFill>
+                  <a:schemeClr val="tx1"/>
+                </a:solidFill>
+                <a:latin typeface="Avenir Book" panose="02000503020000020003" pitchFamily="2" charset="0"/>
+                <a:ea typeface="Segoe UI Historic" panose="020B0502040204020203" pitchFamily="34" charset="0"/>
+                <a:cs typeface="Segoe UI Historic" panose="020B0502040204020203" pitchFamily="34" charset="0"/>
+              </a:endParaRPr>
+            </a:p>
+          </p:txBody>
+        </p:sp>
+      </p:grpSp>
+      <p:grpSp>
+        <p:nvGrpSpPr>
+          <p:cNvPr id="6" name="Group 5">
+            <a:extLst>
+              <a:ext uri="{FF2B5EF4-FFF2-40B4-BE49-F238E27FC236}">
+                <a16:creationId xmlns:a16="http://schemas.microsoft.com/office/drawing/2014/main" id="{0C9FDD00-B489-02D2-8A75-6DBDBFF0DD8E}"/>
+              </a:ext>
+            </a:extLst>
+          </p:cNvPr>
+          <p:cNvGrpSpPr/>
+          <p:nvPr/>
+        </p:nvGrpSpPr>
+        <p:grpSpPr>
+          <a:xfrm>
+            <a:off x="363517" y="4021594"/>
+            <a:ext cx="11493542" cy="2601306"/>
+            <a:chOff x="1495426" y="2671763"/>
+            <a:chExt cx="2862702" cy="2601306"/>
+          </a:xfrm>
+        </p:grpSpPr>
+        <p:sp>
+          <p:nvSpPr>
+            <p:cNvPr id="7" name="Rectangle 6">
+              <a:extLst>
+                <a:ext uri="{FF2B5EF4-FFF2-40B4-BE49-F238E27FC236}">
+                  <a16:creationId xmlns:a16="http://schemas.microsoft.com/office/drawing/2014/main" id="{B693FC79-44CE-AEA8-F122-15601131950A}"/>
+                </a:ext>
+              </a:extLst>
+            </p:cNvPr>
+            <p:cNvSpPr/>
+            <p:nvPr/>
+          </p:nvSpPr>
+          <p:spPr>
+            <a:xfrm>
+              <a:off x="1495426" y="2671763"/>
+              <a:ext cx="2862702" cy="561336"/>
+            </a:xfrm>
+            <a:prstGeom prst="rect">
+              <a:avLst/>
+            </a:prstGeom>
+            <a:solidFill>
+              <a:schemeClr val="bg1">
+                <a:lumMod val="50000"/>
+              </a:schemeClr>
+            </a:solidFill>
+            <a:ln w="9525">
+              <a:solidFill>
+                <a:schemeClr val="bg2">
+                  <a:lumMod val="50000"/>
+                </a:schemeClr>
+              </a:solidFill>
+            </a:ln>
+            <a:effectLst>
+              <a:outerShdw blurRad="50800" dist="38100" dir="2700000" algn="tl" rotWithShape="0">
+                <a:prstClr val="black">
+                  <a:alpha val="40000"/>
+                </a:prstClr>
+              </a:outerShdw>
+            </a:effectLst>
+          </p:spPr>
+          <p:style>
+            <a:lnRef idx="2">
+              <a:schemeClr val="accent1">
+                <a:shade val="50000"/>
+              </a:schemeClr>
+            </a:lnRef>
+            <a:fillRef idx="1">
+              <a:schemeClr val="accent1"/>
+            </a:fillRef>
+            <a:effectRef idx="0">
+              <a:schemeClr val="accent1"/>
+            </a:effectRef>
+            <a:fontRef idx="minor">
+              <a:schemeClr val="lt1"/>
+            </a:fontRef>
+          </p:style>
+          <p:txBody>
+            <a:bodyPr lIns="182880" rtlCol="0" anchor="ctr"/>
+            <a:lstStyle/>
+            <a:p>
+              <a:r>
+                <a:rPr lang="en-US" sz="2000" b="1" dirty="0">
+                  <a:solidFill>
+                    <a:schemeClr val="bg1">
+                      <a:lumMod val="95000"/>
+                    </a:schemeClr>
+                  </a:solidFill>
+                  <a:latin typeface="Avenir Book" panose="02000503020000020003" pitchFamily="2" charset="0"/>
+                  <a:ea typeface="Segoe UI Historic" panose="020B0502040204020203" pitchFamily="34" charset="0"/>
+                  <a:cs typeface="Segoe UI Historic" panose="020B0502040204020203" pitchFamily="34" charset="0"/>
+                </a:rPr>
+                <a:t>4-qubit non-distributed QFT</a:t>
+              </a:r>
+            </a:p>
+          </p:txBody>
+        </p:sp>
+        <p:sp>
+          <p:nvSpPr>
+            <p:cNvPr id="8" name="Rectangle 7">
+              <a:extLst>
+                <a:ext uri="{FF2B5EF4-FFF2-40B4-BE49-F238E27FC236}">
+                  <a16:creationId xmlns:a16="http://schemas.microsoft.com/office/drawing/2014/main" id="{A6C3375F-1BED-DE9E-736C-66C0749819D3}"/>
+                </a:ext>
+              </a:extLst>
+            </p:cNvPr>
+            <p:cNvSpPr/>
+            <p:nvPr/>
+          </p:nvSpPr>
+          <p:spPr>
+            <a:xfrm>
+              <a:off x="1495426" y="3233098"/>
+              <a:ext cx="2862702" cy="2039971"/>
+            </a:xfrm>
+            <a:prstGeom prst="rect">
+              <a:avLst/>
+            </a:prstGeom>
+            <a:solidFill>
+              <a:schemeClr val="bg1"/>
+            </a:solidFill>
+            <a:ln w="9525">
+              <a:solidFill>
+                <a:schemeClr val="bg2">
+                  <a:lumMod val="50000"/>
+                </a:schemeClr>
+              </a:solidFill>
+            </a:ln>
+            <a:effectLst>
+              <a:outerShdw blurRad="50800" dist="38100" dir="2700000" algn="tl" rotWithShape="0">
+                <a:prstClr val="black">
+                  <a:alpha val="40000"/>
+                </a:prstClr>
+              </a:outerShdw>
+            </a:effectLst>
+          </p:spPr>
+          <p:style>
+            <a:lnRef idx="2">
+              <a:schemeClr val="accent1">
+                <a:shade val="50000"/>
+              </a:schemeClr>
+            </a:lnRef>
+            <a:fillRef idx="1">
+              <a:schemeClr val="accent1"/>
+            </a:fillRef>
+            <a:effectRef idx="0">
+              <a:schemeClr val="accent1"/>
+            </a:effectRef>
+            <a:fontRef idx="minor">
+              <a:schemeClr val="lt1"/>
+            </a:fontRef>
+          </p:style>
+          <p:txBody>
+            <a:bodyPr lIns="182880" tIns="182880" rtlCol="0" anchor="t" anchorCtr="0"/>
+            <a:lstStyle/>
+            <a:p>
+              <a:endParaRPr lang="en-US" sz="2000" dirty="0">
+                <a:solidFill>
+                  <a:schemeClr val="tx1"/>
+                </a:solidFill>
+                <a:latin typeface="Avenir Book" panose="02000503020000020003" pitchFamily="2" charset="0"/>
+                <a:ea typeface="Segoe UI Historic" panose="020B0502040204020203" pitchFamily="34" charset="0"/>
+                <a:cs typeface="Segoe UI Historic" panose="020B0502040204020203" pitchFamily="34" charset="0"/>
+              </a:endParaRPr>
+            </a:p>
+          </p:txBody>
+        </p:sp>
+      </p:grpSp>
+      <p:pic>
+        <p:nvPicPr>
+          <p:cNvPr id="2" name="Picture 1">
+            <a:extLst>
+              <a:ext uri="{FF2B5EF4-FFF2-40B4-BE49-F238E27FC236}">
+                <a16:creationId xmlns:a16="http://schemas.microsoft.com/office/drawing/2014/main" id="{E07CFAB0-A134-F138-161A-C7942D303ED8}"/>
+              </a:ext>
+            </a:extLst>
+          </p:cNvPr>
+          <p:cNvPicPr>
+            <a:picLocks noChangeAspect="1"/>
+          </p:cNvPicPr>
+          <p:nvPr/>
+        </p:nvPicPr>
+        <p:blipFill>
+          <a:blip r:embed="rId2">
+            <a:clrChange>
+              <a:clrFrom>
+                <a:srgbClr val="FFFFFF"/>
+              </a:clrFrom>
+              <a:clrTo>
+                <a:srgbClr val="FFFFFF">
+                  <a:alpha val="0"/>
+                </a:srgbClr>
+              </a:clrTo>
+            </a:clrChange>
+          </a:blip>
+          <a:stretch>
+            <a:fillRect/>
+          </a:stretch>
+        </p:blipFill>
+        <p:spPr>
+          <a:xfrm>
+            <a:off x="249217" y="1789081"/>
+            <a:ext cx="4831794" cy="1937171"/>
+          </a:xfrm>
+          <a:prstGeom prst="rect">
+            <a:avLst/>
+          </a:prstGeom>
+        </p:spPr>
+      </p:pic>
+      <p:pic>
+        <p:nvPicPr>
+          <p:cNvPr id="3" name="Picture 2">
+            <a:extLst>
+              <a:ext uri="{FF2B5EF4-FFF2-40B4-BE49-F238E27FC236}">
+                <a16:creationId xmlns:a16="http://schemas.microsoft.com/office/drawing/2014/main" id="{C1FCA58A-5802-263D-AA2E-DE146CA05722}"/>
+              </a:ext>
+            </a:extLst>
+          </p:cNvPr>
+          <p:cNvPicPr>
+            <a:picLocks noChangeAspect="1"/>
+          </p:cNvPicPr>
+          <p:nvPr/>
+        </p:nvPicPr>
+        <p:blipFill>
+          <a:blip r:embed="rId3">
+            <a:clrChange>
+              <a:clrFrom>
+                <a:srgbClr val="FFFFFF"/>
+              </a:clrFrom>
+              <a:clrTo>
+                <a:srgbClr val="FFFFFF">
+                  <a:alpha val="0"/>
+                </a:srgbClr>
+              </a:clrTo>
+            </a:clrChange>
+          </a:blip>
+          <a:stretch>
+            <a:fillRect/>
+          </a:stretch>
+        </p:blipFill>
+        <p:spPr>
+          <a:xfrm>
+            <a:off x="598169" y="4643530"/>
+            <a:ext cx="8569663" cy="2039971"/>
+          </a:xfrm>
+          <a:prstGeom prst="rect">
+            <a:avLst/>
+          </a:prstGeom>
+        </p:spPr>
+      </p:pic>
+    </p:spTree>
+    <p:extLst>
+      <p:ext uri="{BB962C8B-B14F-4D97-AF65-F5344CB8AC3E}">
+        <p14:creationId xmlns:p14="http://schemas.microsoft.com/office/powerpoint/2010/main" val="3548494358"/>
+      </p:ext>
+    </p:extLst>
+  </p:cSld>
+  <p:clrMapOvr>
+    <a:masterClrMapping/>
+  </p:clrMapOvr>
+</p:sld>
+</file>
+
+<file path=ppt/slides/slide4.xml><?xml version="1.0" encoding="utf-8"?>
+<p:sld xmlns:a="http://schemas.openxmlformats.org/drawingml/2006/main" xmlns:r="http://schemas.openxmlformats.org/officeDocument/2006/relationships" xmlns:p="http://schemas.openxmlformats.org/presentationml/2006/main">
+  <p:cSld>
+    <p:spTree>
+      <p:nvGrpSpPr>
+        <p:cNvPr id="1" name=""/>
+        <p:cNvGrpSpPr/>
+        <p:nvPr/>
+      </p:nvGrpSpPr>
+      <p:grpSpPr>
+        <a:xfrm>
+          <a:off x="0" y="0"/>
+          <a:ext cx="0" cy="0"/>
+          <a:chOff x="0" y="0"/>
+          <a:chExt cx="0" cy="0"/>
+        </a:xfrm>
+      </p:grpSpPr>
+      <p:sp>
+        <p:nvSpPr>
+          <p:cNvPr id="30" name="Rectangle 29">
+            <a:extLst>
+              <a:ext uri="{FF2B5EF4-FFF2-40B4-BE49-F238E27FC236}">
+                <a16:creationId xmlns:a16="http://schemas.microsoft.com/office/drawing/2014/main" id="{41C33452-251A-EFE5-7DF0-598194EF831A}"/>
+              </a:ext>
+            </a:extLst>
+          </p:cNvPr>
+          <p:cNvSpPr/>
+          <p:nvPr/>
+        </p:nvSpPr>
+        <p:spPr>
+          <a:xfrm>
+            <a:off x="352787" y="206524"/>
+            <a:ext cx="11459461" cy="830574"/>
+          </a:xfrm>
+          <a:prstGeom prst="rect">
+            <a:avLst/>
+          </a:prstGeom>
+          <a:solidFill>
+            <a:schemeClr val="bg1">
+              <a:lumMod val="50000"/>
+            </a:schemeClr>
+          </a:solidFill>
+          <a:ln w="9525">
+            <a:solidFill>
+              <a:schemeClr val="bg2">
+                <a:lumMod val="50000"/>
+              </a:schemeClr>
+            </a:solidFill>
+          </a:ln>
+          <a:effectLst>
+            <a:outerShdw blurRad="50800" dist="38100" dir="2700000" algn="tl" rotWithShape="0">
+              <a:prstClr val="black">
+                <a:alpha val="40000"/>
+              </a:prstClr>
+            </a:outerShdw>
+          </a:effectLst>
+        </p:spPr>
+        <p:style>
+          <a:lnRef idx="2">
+            <a:schemeClr val="accent1">
+              <a:shade val="50000"/>
+            </a:schemeClr>
+          </a:lnRef>
+          <a:fillRef idx="1">
+            <a:schemeClr val="accent1"/>
+          </a:fillRef>
+          <a:effectRef idx="0">
+            <a:schemeClr val="accent1"/>
+          </a:effectRef>
+          <a:fontRef idx="minor">
+            <a:schemeClr val="lt1"/>
+          </a:fontRef>
+        </p:style>
+        <p:txBody>
+          <a:bodyPr rtlCol="0" anchor="ctr"/>
+          <a:lstStyle/>
+          <a:p>
+            <a:pPr algn="ctr"/>
+            <a:r>
+              <a:rPr lang="en-US" sz="3600" b="1" dirty="0">
+                <a:solidFill>
+                  <a:schemeClr val="bg1">
+                    <a:lumMod val="95000"/>
+                  </a:schemeClr>
+                </a:solidFill>
+                <a:latin typeface="Avenir Book" panose="02000503020000020003" pitchFamily="2" charset="0"/>
+                <a:ea typeface="Segoe UI Historic" panose="020B0502040204020203" pitchFamily="34" charset="0"/>
+                <a:cs typeface="Segoe UI Historic" panose="020B0502040204020203" pitchFamily="34" charset="0"/>
+              </a:rPr>
+              <a:t>Some example distributed QFT circuits</a:t>
+            </a:r>
+          </a:p>
+        </p:txBody>
+      </p:sp>
+      <p:grpSp>
+        <p:nvGrpSpPr>
+          <p:cNvPr id="27" name="Group 26">
+            <a:extLst>
+              <a:ext uri="{FF2B5EF4-FFF2-40B4-BE49-F238E27FC236}">
+                <a16:creationId xmlns:a16="http://schemas.microsoft.com/office/drawing/2014/main" id="{CB73E20C-50ED-5D06-38D4-280AF18DEE3C}"/>
+              </a:ext>
+            </a:extLst>
+          </p:cNvPr>
+          <p:cNvGrpSpPr/>
+          <p:nvPr/>
+        </p:nvGrpSpPr>
+        <p:grpSpPr>
+          <a:xfrm>
+            <a:off x="349229" y="1227747"/>
+            <a:ext cx="11493542" cy="2601306"/>
+            <a:chOff x="1495426" y="2671763"/>
+            <a:chExt cx="2862702" cy="2601306"/>
+          </a:xfrm>
+        </p:grpSpPr>
+        <p:sp>
+          <p:nvSpPr>
+            <p:cNvPr id="29" name="Rectangle 28">
+              <a:extLst>
+                <a:ext uri="{FF2B5EF4-FFF2-40B4-BE49-F238E27FC236}">
+                  <a16:creationId xmlns:a16="http://schemas.microsoft.com/office/drawing/2014/main" id="{B9E9B44D-1C88-2098-FEFC-BD4E0EC07EFB}"/>
+                </a:ext>
+              </a:extLst>
+            </p:cNvPr>
+            <p:cNvSpPr/>
+            <p:nvPr/>
+          </p:nvSpPr>
+          <p:spPr>
+            <a:xfrm>
+              <a:off x="1495426" y="2671763"/>
+              <a:ext cx="2862702" cy="561336"/>
+            </a:xfrm>
+            <a:prstGeom prst="rect">
+              <a:avLst/>
+            </a:prstGeom>
+            <a:solidFill>
+              <a:schemeClr val="bg1">
+                <a:lumMod val="50000"/>
+              </a:schemeClr>
+            </a:solidFill>
+            <a:ln w="9525">
+              <a:solidFill>
+                <a:schemeClr val="bg2">
+                  <a:lumMod val="50000"/>
+                </a:schemeClr>
+              </a:solidFill>
+            </a:ln>
+            <a:effectLst>
+              <a:outerShdw blurRad="50800" dist="38100" dir="2700000" algn="tl" rotWithShape="0">
+                <a:prstClr val="black">
+                  <a:alpha val="40000"/>
+                </a:prstClr>
+              </a:outerShdw>
+            </a:effectLst>
+          </p:spPr>
+          <p:style>
+            <a:lnRef idx="2">
+              <a:schemeClr val="accent1">
+                <a:shade val="50000"/>
+              </a:schemeClr>
+            </a:lnRef>
+            <a:fillRef idx="1">
+              <a:schemeClr val="accent1"/>
+            </a:fillRef>
+            <a:effectRef idx="0">
+              <a:schemeClr val="accent1"/>
+            </a:effectRef>
+            <a:fontRef idx="minor">
+              <a:schemeClr val="lt1"/>
+            </a:fontRef>
+          </p:style>
+          <p:txBody>
+            <a:bodyPr lIns="182880" rtlCol="0" anchor="ctr"/>
+            <a:lstStyle/>
+            <a:p>
+              <a:r>
+                <a:rPr lang="en-US" sz="2000" b="1" dirty="0">
+                  <a:solidFill>
+                    <a:schemeClr val="bg1">
+                      <a:lumMod val="95000"/>
+                    </a:schemeClr>
+                  </a:solidFill>
+                  <a:latin typeface="Avenir Book" panose="02000503020000020003" pitchFamily="2" charset="0"/>
+                  <a:ea typeface="Segoe UI Historic" panose="020B0502040204020203" pitchFamily="34" charset="0"/>
+                  <a:cs typeface="Segoe UI Historic" panose="020B0502040204020203" pitchFamily="34" charset="0"/>
+                </a:rPr>
+                <a:t>2-qubit distributed QFT using </a:t>
+              </a:r>
+              <a:r>
+                <a:rPr lang="en-US" sz="2000" b="1" dirty="0">
+                  <a:solidFill>
+                    <a:schemeClr val="bg1">
+                      <a:lumMod val="95000"/>
+                    </a:schemeClr>
+                  </a:solidFill>
+                  <a:latin typeface="Avenir Black" panose="02000503020000020003" pitchFamily="2" charset="0"/>
+                  <a:ea typeface="Segoe UI Historic" panose="020B0502040204020203" pitchFamily="34" charset="0"/>
+                  <a:cs typeface="Segoe UI Historic" panose="020B0502040204020203" pitchFamily="34" charset="0"/>
+                </a:rPr>
+                <a:t>teleportation</a:t>
+              </a:r>
+            </a:p>
+          </p:txBody>
+        </p:sp>
+        <p:sp>
+          <p:nvSpPr>
+            <p:cNvPr id="31" name="Rectangle 30">
+              <a:extLst>
+                <a:ext uri="{FF2B5EF4-FFF2-40B4-BE49-F238E27FC236}">
+                  <a16:creationId xmlns:a16="http://schemas.microsoft.com/office/drawing/2014/main" id="{E8E04C6B-57E9-BC15-6F43-6C2A994045B8}"/>
+                </a:ext>
+              </a:extLst>
+            </p:cNvPr>
+            <p:cNvSpPr/>
+            <p:nvPr/>
+          </p:nvSpPr>
+          <p:spPr>
+            <a:xfrm>
+              <a:off x="1495426" y="3233098"/>
+              <a:ext cx="2862702" cy="2039971"/>
+            </a:xfrm>
+            <a:prstGeom prst="rect">
+              <a:avLst/>
+            </a:prstGeom>
+            <a:solidFill>
+              <a:schemeClr val="bg1"/>
+            </a:solidFill>
+            <a:ln w="9525">
+              <a:solidFill>
+                <a:schemeClr val="bg2">
+                  <a:lumMod val="50000"/>
+                </a:schemeClr>
+              </a:solidFill>
+            </a:ln>
+            <a:effectLst>
+              <a:outerShdw blurRad="50800" dist="38100" dir="2700000" algn="tl" rotWithShape="0">
+                <a:prstClr val="black">
+                  <a:alpha val="40000"/>
+                </a:prstClr>
+              </a:outerShdw>
+            </a:effectLst>
+          </p:spPr>
+          <p:style>
+            <a:lnRef idx="2">
+              <a:schemeClr val="accent1">
+                <a:shade val="50000"/>
+              </a:schemeClr>
+            </a:lnRef>
+            <a:fillRef idx="1">
+              <a:schemeClr val="accent1"/>
+            </a:fillRef>
+            <a:effectRef idx="0">
+              <a:schemeClr val="accent1"/>
+            </a:effectRef>
+            <a:fontRef idx="minor">
+              <a:schemeClr val="lt1"/>
+            </a:fontRef>
+          </p:style>
+          <p:txBody>
+            <a:bodyPr lIns="182880" tIns="182880" rtlCol="0" anchor="t" anchorCtr="0"/>
+            <a:lstStyle/>
+            <a:p>
+              <a:endParaRPr lang="en-US" sz="2000" dirty="0">
+                <a:solidFill>
+                  <a:schemeClr val="tx1"/>
+                </a:solidFill>
+                <a:latin typeface="Avenir Book" panose="02000503020000020003" pitchFamily="2" charset="0"/>
+                <a:ea typeface="Segoe UI Historic" panose="020B0502040204020203" pitchFamily="34" charset="0"/>
+                <a:cs typeface="Segoe UI Historic" panose="020B0502040204020203" pitchFamily="34" charset="0"/>
+              </a:endParaRPr>
+            </a:p>
+          </p:txBody>
+        </p:sp>
+      </p:grpSp>
+      <p:grpSp>
+        <p:nvGrpSpPr>
+          <p:cNvPr id="6" name="Group 5">
+            <a:extLst>
+              <a:ext uri="{FF2B5EF4-FFF2-40B4-BE49-F238E27FC236}">
+                <a16:creationId xmlns:a16="http://schemas.microsoft.com/office/drawing/2014/main" id="{0C9FDD00-B489-02D2-8A75-6DBDBFF0DD8E}"/>
+              </a:ext>
+            </a:extLst>
+          </p:cNvPr>
+          <p:cNvGrpSpPr/>
+          <p:nvPr/>
+        </p:nvGrpSpPr>
+        <p:grpSpPr>
+          <a:xfrm>
+            <a:off x="363517" y="4021594"/>
+            <a:ext cx="11493542" cy="2601306"/>
+            <a:chOff x="1495426" y="2671763"/>
+            <a:chExt cx="2862702" cy="2601306"/>
+          </a:xfrm>
+        </p:grpSpPr>
+        <p:sp>
+          <p:nvSpPr>
+            <p:cNvPr id="7" name="Rectangle 6">
+              <a:extLst>
+                <a:ext uri="{FF2B5EF4-FFF2-40B4-BE49-F238E27FC236}">
+                  <a16:creationId xmlns:a16="http://schemas.microsoft.com/office/drawing/2014/main" id="{B693FC79-44CE-AEA8-F122-15601131950A}"/>
+                </a:ext>
+              </a:extLst>
+            </p:cNvPr>
+            <p:cNvSpPr/>
+            <p:nvPr/>
+          </p:nvSpPr>
+          <p:spPr>
+            <a:xfrm>
+              <a:off x="1495426" y="2671763"/>
+              <a:ext cx="2862702" cy="561336"/>
+            </a:xfrm>
+            <a:prstGeom prst="rect">
+              <a:avLst/>
+            </a:prstGeom>
+            <a:solidFill>
+              <a:schemeClr val="bg1">
+                <a:lumMod val="50000"/>
+              </a:schemeClr>
+            </a:solidFill>
+            <a:ln w="9525">
+              <a:solidFill>
+                <a:schemeClr val="bg2">
+                  <a:lumMod val="50000"/>
+                </a:schemeClr>
+              </a:solidFill>
+            </a:ln>
+            <a:effectLst>
+              <a:outerShdw blurRad="50800" dist="38100" dir="2700000" algn="tl" rotWithShape="0">
+                <a:prstClr val="black">
+                  <a:alpha val="40000"/>
+                </a:prstClr>
+              </a:outerShdw>
+            </a:effectLst>
+          </p:spPr>
+          <p:style>
+            <a:lnRef idx="2">
+              <a:schemeClr val="accent1">
+                <a:shade val="50000"/>
+              </a:schemeClr>
+            </a:lnRef>
+            <a:fillRef idx="1">
+              <a:schemeClr val="accent1"/>
+            </a:fillRef>
+            <a:effectRef idx="0">
+              <a:schemeClr val="accent1"/>
+            </a:effectRef>
+            <a:fontRef idx="minor">
+              <a:schemeClr val="lt1"/>
+            </a:fontRef>
+          </p:style>
+          <p:txBody>
+            <a:bodyPr lIns="182880" rtlCol="0" anchor="ctr"/>
+            <a:lstStyle/>
+            <a:p>
+              <a:r>
+                <a:rPr lang="en-US" sz="2000" b="1" dirty="0">
+                  <a:solidFill>
+                    <a:schemeClr val="bg1">
+                      <a:lumMod val="95000"/>
+                    </a:schemeClr>
+                  </a:solidFill>
+                  <a:latin typeface="Avenir Book" panose="02000503020000020003" pitchFamily="2" charset="0"/>
+                  <a:ea typeface="Segoe UI Historic" panose="020B0502040204020203" pitchFamily="34" charset="0"/>
+                  <a:cs typeface="Segoe UI Historic" panose="020B0502040204020203" pitchFamily="34" charset="0"/>
+                </a:rPr>
+                <a:t>2-qubit distributed QFT using </a:t>
+              </a:r>
+              <a:r>
+                <a:rPr lang="en-US" sz="2000" b="1" dirty="0">
+                  <a:solidFill>
+                    <a:schemeClr val="bg1">
+                      <a:lumMod val="95000"/>
+                    </a:schemeClr>
+                  </a:solidFill>
+                  <a:latin typeface="Avenir Black" panose="02000503020000020003" pitchFamily="2" charset="0"/>
+                  <a:ea typeface="Segoe UI Historic" panose="020B0502040204020203" pitchFamily="34" charset="0"/>
+                  <a:cs typeface="Segoe UI Historic" panose="020B0502040204020203" pitchFamily="34" charset="0"/>
+                </a:rPr>
+                <a:t>cat states</a:t>
+              </a:r>
+            </a:p>
+          </p:txBody>
+        </p:sp>
+        <p:sp>
+          <p:nvSpPr>
+            <p:cNvPr id="8" name="Rectangle 7">
+              <a:extLst>
+                <a:ext uri="{FF2B5EF4-FFF2-40B4-BE49-F238E27FC236}">
+                  <a16:creationId xmlns:a16="http://schemas.microsoft.com/office/drawing/2014/main" id="{A6C3375F-1BED-DE9E-736C-66C0749819D3}"/>
+                </a:ext>
+              </a:extLst>
+            </p:cNvPr>
+            <p:cNvSpPr/>
+            <p:nvPr/>
+          </p:nvSpPr>
+          <p:spPr>
+            <a:xfrm>
+              <a:off x="1495426" y="3233098"/>
+              <a:ext cx="2862702" cy="2039971"/>
+            </a:xfrm>
+            <a:prstGeom prst="rect">
+              <a:avLst/>
+            </a:prstGeom>
+            <a:solidFill>
+              <a:schemeClr val="bg1"/>
+            </a:solidFill>
+            <a:ln w="9525">
+              <a:solidFill>
+                <a:schemeClr val="bg2">
+                  <a:lumMod val="50000"/>
+                </a:schemeClr>
+              </a:solidFill>
+            </a:ln>
+            <a:effectLst>
+              <a:outerShdw blurRad="50800" dist="38100" dir="2700000" algn="tl" rotWithShape="0">
+                <a:prstClr val="black">
+                  <a:alpha val="40000"/>
+                </a:prstClr>
+              </a:outerShdw>
+            </a:effectLst>
+          </p:spPr>
+          <p:style>
+            <a:lnRef idx="2">
+              <a:schemeClr val="accent1">
+                <a:shade val="50000"/>
+              </a:schemeClr>
+            </a:lnRef>
+            <a:fillRef idx="1">
+              <a:schemeClr val="accent1"/>
+            </a:fillRef>
+            <a:effectRef idx="0">
+              <a:schemeClr val="accent1"/>
+            </a:effectRef>
+            <a:fontRef idx="minor">
+              <a:schemeClr val="lt1"/>
+            </a:fontRef>
+          </p:style>
+          <p:txBody>
+            <a:bodyPr lIns="182880" tIns="182880" rtlCol="0" anchor="t" anchorCtr="0"/>
+            <a:lstStyle/>
+            <a:p>
+              <a:endParaRPr lang="en-US" sz="2000" dirty="0">
+                <a:solidFill>
+                  <a:schemeClr val="tx1"/>
+                </a:solidFill>
+                <a:latin typeface="Avenir Book" panose="02000503020000020003" pitchFamily="2" charset="0"/>
+                <a:ea typeface="Segoe UI Historic" panose="020B0502040204020203" pitchFamily="34" charset="0"/>
+                <a:cs typeface="Segoe UI Historic" panose="020B0502040204020203" pitchFamily="34" charset="0"/>
+              </a:endParaRPr>
+            </a:p>
+          </p:txBody>
+        </p:sp>
+      </p:grpSp>
+      <p:pic>
+        <p:nvPicPr>
+          <p:cNvPr id="10" name="Picture 9">
+            <a:extLst>
+              <a:ext uri="{FF2B5EF4-FFF2-40B4-BE49-F238E27FC236}">
+                <a16:creationId xmlns:a16="http://schemas.microsoft.com/office/drawing/2014/main" id="{1CADFD38-AA01-8185-61FD-CADCB8B2F5CD}"/>
+              </a:ext>
+            </a:extLst>
+          </p:cNvPr>
+          <p:cNvPicPr>
+            <a:picLocks noChangeAspect="1"/>
+          </p:cNvPicPr>
+          <p:nvPr/>
+        </p:nvPicPr>
+        <p:blipFill>
+          <a:blip r:embed="rId2">
+            <a:clrChange>
+              <a:clrFrom>
+                <a:srgbClr val="FFFFFF"/>
+              </a:clrFrom>
+              <a:clrTo>
+                <a:srgbClr val="FFFFFF">
+                  <a:alpha val="0"/>
+                </a:srgbClr>
+              </a:clrTo>
+            </a:clrChange>
+          </a:blip>
+          <a:stretch>
+            <a:fillRect/>
+          </a:stretch>
+        </p:blipFill>
+        <p:spPr>
+          <a:xfrm>
+            <a:off x="463304" y="1762447"/>
+            <a:ext cx="6248401" cy="2034363"/>
+          </a:xfrm>
+          <a:prstGeom prst="rect">
+            <a:avLst/>
+          </a:prstGeom>
+        </p:spPr>
+      </p:pic>
+      <p:pic>
+        <p:nvPicPr>
+          <p:cNvPr id="11" name="Picture 10">
+            <a:extLst>
+              <a:ext uri="{FF2B5EF4-FFF2-40B4-BE49-F238E27FC236}">
+                <a16:creationId xmlns:a16="http://schemas.microsoft.com/office/drawing/2014/main" id="{ED546098-FD3A-60DA-D4E8-785E28A763E4}"/>
+              </a:ext>
+            </a:extLst>
+          </p:cNvPr>
+          <p:cNvPicPr>
+            <a:picLocks noChangeAspect="1"/>
+          </p:cNvPicPr>
+          <p:nvPr/>
+        </p:nvPicPr>
+        <p:blipFill>
+          <a:blip r:embed="rId3">
+            <a:clrChange>
+              <a:clrFrom>
+                <a:srgbClr val="FFFFFF"/>
+              </a:clrFrom>
+              <a:clrTo>
+                <a:srgbClr val="FFFFFF">
+                  <a:alpha val="0"/>
+                </a:srgbClr>
+              </a:clrTo>
+            </a:clrChange>
+          </a:blip>
+          <a:stretch>
+            <a:fillRect/>
+          </a:stretch>
+        </p:blipFill>
+        <p:spPr>
+          <a:xfrm>
+            <a:off x="200076" y="4572000"/>
+            <a:ext cx="6568779" cy="2029837"/>
+          </a:xfrm>
+          <a:prstGeom prst="rect">
+            <a:avLst/>
+          </a:prstGeom>
+        </p:spPr>
+      </p:pic>
+    </p:spTree>
+    <p:extLst>
+      <p:ext uri="{BB962C8B-B14F-4D97-AF65-F5344CB8AC3E}">
+        <p14:creationId xmlns:p14="http://schemas.microsoft.com/office/powerpoint/2010/main" val="1269335655"/>
+      </p:ext>
+    </p:extLst>
+  </p:cSld>
+  <p:clrMapOvr>
+    <a:masterClrMapping/>
+  </p:clrMapOvr>
+</p:sld>
+</file>
+
+<file path=ppt/slides/slide5.xml><?xml version="1.0" encoding="utf-8"?>
 <p:sld xmlns:a="http://schemas.openxmlformats.org/drawingml/2006/main" xmlns:r="http://schemas.openxmlformats.org/officeDocument/2006/relationships" xmlns:p="http://schemas.openxmlformats.org/presentationml/2006/main">
   <p:cSld>
     <p:spTree>
